--- a/lectures/Lecture1-MMG3320-Introduction.pptx
+++ b/lectures/Lecture1-MMG3320-Introduction.pptx
@@ -5,7 +5,7 @@
     <p:sldMasterId id="2147483648" r:id="rId1"/>
   </p:sldMasterIdLst>
   <p:notesMasterIdLst>
-    <p:notesMasterId r:id="rId25"/>
+    <p:notesMasterId r:id="rId24"/>
   </p:notesMasterIdLst>
   <p:sldIdLst>
     <p:sldId id="256" r:id="rId2"/>
@@ -20,17 +20,16 @@
     <p:sldId id="264" r:id="rId11"/>
     <p:sldId id="265" r:id="rId12"/>
     <p:sldId id="281" r:id="rId13"/>
-    <p:sldId id="266" r:id="rId14"/>
-    <p:sldId id="267" r:id="rId15"/>
-    <p:sldId id="268" r:id="rId16"/>
-    <p:sldId id="280" r:id="rId17"/>
-    <p:sldId id="270" r:id="rId18"/>
-    <p:sldId id="271" r:id="rId19"/>
-    <p:sldId id="272" r:id="rId20"/>
-    <p:sldId id="274" r:id="rId21"/>
-    <p:sldId id="275" r:id="rId22"/>
-    <p:sldId id="276" r:id="rId23"/>
-    <p:sldId id="277" r:id="rId24"/>
+    <p:sldId id="267" r:id="rId14"/>
+    <p:sldId id="268" r:id="rId15"/>
+    <p:sldId id="280" r:id="rId16"/>
+    <p:sldId id="270" r:id="rId17"/>
+    <p:sldId id="271" r:id="rId18"/>
+    <p:sldId id="272" r:id="rId19"/>
+    <p:sldId id="274" r:id="rId20"/>
+    <p:sldId id="275" r:id="rId21"/>
+    <p:sldId id="276" r:id="rId22"/>
+    <p:sldId id="277" r:id="rId23"/>
   </p:sldIdLst>
   <p:sldSz cx="9144000" cy="6858000" type="screen4x3"/>
   <p:notesSz cx="9144000" cy="6858000"/>
@@ -9937,6 +9936,90 @@
 </p:notes>
 </file>
 
+<file path=ppt/notesSlides/notesSlide2.xml><?xml version="1.0" encoding="utf-8"?>
+<p:notes xmlns:a="http://schemas.openxmlformats.org/drawingml/2006/main" xmlns:r="http://schemas.openxmlformats.org/officeDocument/2006/relationships" xmlns:p="http://schemas.openxmlformats.org/presentationml/2006/main">
+  <p:cSld>
+    <p:spTree>
+      <p:nvGrpSpPr>
+        <p:cNvPr id="1" name=""/>
+        <p:cNvGrpSpPr/>
+        <p:nvPr/>
+      </p:nvGrpSpPr>
+      <p:grpSpPr>
+        <a:xfrm>
+          <a:off x="0" y="0"/>
+          <a:ext cx="0" cy="0"/>
+          <a:chOff x="0" y="0"/>
+          <a:chExt cx="0" cy="0"/>
+        </a:xfrm>
+      </p:grpSpPr>
+      <p:sp>
+        <p:nvSpPr>
+          <p:cNvPr id="2" name="Slide Image Placeholder 1"/>
+          <p:cNvSpPr>
+            <a:spLocks noGrp="1" noRot="1" noChangeAspect="1"/>
+          </p:cNvSpPr>
+          <p:nvPr>
+            <p:ph type="sldImg"/>
+          </p:nvPr>
+        </p:nvSpPr>
+        <p:spPr/>
+      </p:sp>
+      <p:sp>
+        <p:nvSpPr>
+          <p:cNvPr id="3" name="Notes Placeholder 2"/>
+          <p:cNvSpPr>
+            <a:spLocks noGrp="1"/>
+          </p:cNvSpPr>
+          <p:nvPr>
+            <p:ph type="body" idx="1"/>
+          </p:nvPr>
+        </p:nvSpPr>
+        <p:spPr/>
+        <p:txBody>
+          <a:bodyPr/>
+          <a:lstStyle/>
+          <a:p>
+            <a:endParaRPr lang="en-US" dirty="0"/>
+          </a:p>
+        </p:txBody>
+      </p:sp>
+      <p:sp>
+        <p:nvSpPr>
+          <p:cNvPr id="4" name="Slide Number Placeholder 3"/>
+          <p:cNvSpPr>
+            <a:spLocks noGrp="1"/>
+          </p:cNvSpPr>
+          <p:nvPr>
+            <p:ph type="sldNum" sz="quarter" idx="5"/>
+          </p:nvPr>
+        </p:nvSpPr>
+        <p:spPr/>
+        <p:txBody>
+          <a:bodyPr/>
+          <a:lstStyle/>
+          <a:p>
+            <a:fld id="{CD780135-3BD6-DB40-AD39-6F936FBA5934}" type="slidenum">
+              <a:rPr lang="en-US" smtClean="0"/>
+              <a:t>10</a:t>
+            </a:fld>
+            <a:endParaRPr lang="en-US"/>
+          </a:p>
+        </p:txBody>
+      </p:sp>
+    </p:spTree>
+    <p:extLst>
+      <p:ext uri="{BB962C8B-B14F-4D97-AF65-F5344CB8AC3E}">
+        <p14:creationId xmlns:p14="http://schemas.microsoft.com/office/powerpoint/2010/main" val="57561542"/>
+      </p:ext>
+    </p:extLst>
+  </p:cSld>
+  <p:clrMapOvr>
+    <a:masterClrMapping/>
+  </p:clrMapOvr>
+</p:notes>
+</file>
+
 <file path=ppt/slideLayouts/slideLayout1.xml><?xml version="1.0" encoding="utf-8"?>
 <p:sldLayout xmlns:a="http://schemas.openxmlformats.org/drawingml/2006/main" xmlns:r="http://schemas.openxmlformats.org/officeDocument/2006/relationships" xmlns:p="http://schemas.openxmlformats.org/presentationml/2006/main" type="obj" preserve="1">
   <p:cSld name="Title Slide">
@@ -11437,8 +11520,16 @@
 </file>
 
 <file path=ppt/slides/slide10.xml><?xml version="1.0" encoding="utf-8"?>
-<p:sld xmlns:a="http://schemas.openxmlformats.org/drawingml/2006/main" xmlns:r="http://schemas.openxmlformats.org/officeDocument/2006/relationships" xmlns:p="http://schemas.openxmlformats.org/presentationml/2006/main" showMasterSp="0">
+<p:sld xmlns:a="http://schemas.openxmlformats.org/drawingml/2006/main" xmlns:r="http://schemas.openxmlformats.org/officeDocument/2006/relationships" xmlns:p="http://schemas.openxmlformats.org/presentationml/2006/main">
   <p:cSld>
+    <p:bg>
+      <p:bgPr>
+        <a:solidFill>
+          <a:schemeClr val="tx1"/>
+        </a:solidFill>
+        <a:effectLst/>
+      </p:bgPr>
+    </p:bg>
     <p:spTree>
       <p:nvGrpSpPr>
         <p:cNvPr id="1" name=""/>
@@ -11453,6 +11544,102 @@
           <a:chExt cx="0" cy="0"/>
         </a:xfrm>
       </p:grpSpPr>
+      <p:pic>
+        <p:nvPicPr>
+          <p:cNvPr id="4" name="Picture 3" descr="Wide view of a road">
+            <a:extLst>
+              <a:ext uri="{FF2B5EF4-FFF2-40B4-BE49-F238E27FC236}">
+                <a16:creationId xmlns:a16="http://schemas.microsoft.com/office/drawing/2014/main" id="{48C2EE34-F0F1-1B2B-EC80-C953EA8B3C13}"/>
+              </a:ext>
+            </a:extLst>
+          </p:cNvPr>
+          <p:cNvPicPr>
+            <a:picLocks noChangeAspect="1"/>
+          </p:cNvPicPr>
+          <p:nvPr/>
+        </p:nvPicPr>
+        <p:blipFill rotWithShape="1">
+          <a:blip r:embed="rId3"/>
+          <a:srcRect l="497" r="10502" b="-1"/>
+          <a:stretch/>
+        </p:blipFill>
+        <p:spPr>
+          <a:xfrm>
+            <a:off x="20" y="10"/>
+            <a:ext cx="9143980" cy="6857990"/>
+          </a:xfrm>
+          <a:prstGeom prst="rect">
+            <a:avLst/>
+          </a:prstGeom>
+        </p:spPr>
+      </p:pic>
+      <p:sp>
+        <p:nvSpPr>
+          <p:cNvPr id="13" name="Rectangle 12">
+            <a:extLst>
+              <a:ext uri="{FF2B5EF4-FFF2-40B4-BE49-F238E27FC236}">
+                <a16:creationId xmlns:a16="http://schemas.microsoft.com/office/drawing/2014/main" id="{B4916930-E76E-4100-9DCF-4981566A372A}"/>
+              </a:ext>
+              <a:ext uri="{C183D7F6-B498-43B3-948B-1728B52AA6E4}">
+                <adec:decorative xmlns:adec="http://schemas.microsoft.com/office/drawing/2017/decorative" val="1"/>
+              </a:ext>
+            </a:extLst>
+          </p:cNvPr>
+          <p:cNvSpPr>
+            <a:spLocks noGrp="1" noRot="1" noChangeAspect="1" noMove="1" noResize="1" noEditPoints="1" noAdjustHandles="1" noChangeArrowheads="1" noChangeShapeType="1" noTextEdit="1"/>
+          </p:cNvSpPr>
+          <p:nvPr>
+            <p:extLst>
+              <p:ext uri="{386F3935-93C4-4BCD-93E2-E3B085C9AB24}">
+                <p16:designElem xmlns:p16="http://schemas.microsoft.com/office/powerpoint/2015/main" val="1"/>
+              </p:ext>
+            </p:extLst>
+          </p:nvPr>
+        </p:nvSpPr>
+        <p:spPr>
+          <a:xfrm>
+            <a:off x="1393031" y="1885950"/>
+            <a:ext cx="6379369" cy="3152775"/>
+          </a:xfrm>
+          <a:prstGeom prst="rect">
+            <a:avLst/>
+          </a:prstGeom>
+          <a:solidFill>
+            <a:schemeClr val="bg1">
+              <a:alpha val="75000"/>
+            </a:schemeClr>
+          </a:solidFill>
+          <a:ln w="63500" cmpd="dbl">
+            <a:solidFill>
+              <a:schemeClr val="bg1"/>
+            </a:solidFill>
+          </a:ln>
+        </p:spPr>
+        <p:style>
+          <a:lnRef idx="2">
+            <a:schemeClr val="accent1">
+              <a:shade val="50000"/>
+            </a:schemeClr>
+          </a:lnRef>
+          <a:fillRef idx="1">
+            <a:schemeClr val="accent1"/>
+          </a:fillRef>
+          <a:effectRef idx="0">
+            <a:schemeClr val="accent1"/>
+          </a:effectRef>
+          <a:fontRef idx="minor">
+            <a:schemeClr val="lt1"/>
+          </a:fontRef>
+        </p:style>
+        <p:txBody>
+          <a:bodyPr rtlCol="0" anchor="ctr"/>
+          <a:lstStyle/>
+          <a:p>
+            <a:pPr algn="ctr"/>
+            <a:endParaRPr lang="en-US"/>
+          </a:p>
+        </p:txBody>
+      </p:sp>
       <p:sp>
         <p:nvSpPr>
           <p:cNvPr id="2" name="object 2"/>
@@ -11465,46 +11652,103 @@
         </p:nvSpPr>
         <p:spPr>
           <a:xfrm>
-            <a:off x="1049877" y="2495803"/>
-            <a:ext cx="7044055" cy="575157"/>
+            <a:off x="1707356" y="2247900"/>
+            <a:ext cx="5686425" cy="2514600"/>
           </a:xfrm>
           <a:prstGeom prst="rect">
             <a:avLst/>
           </a:prstGeom>
         </p:spPr>
         <p:txBody>
-          <a:bodyPr vert="horz" wrap="square" lIns="0" tIns="74295" rIns="0" bIns="0" rtlCol="0">
-            <a:spAutoFit/>
+          <a:bodyPr vert="horz" lIns="91440" tIns="45720" rIns="91440" bIns="45720" rtlCol="0" anchor="ctr">
+            <a:normAutofit/>
           </a:bodyPr>
           <a:lstStyle/>
           <a:p>
-            <a:pPr marL="2137410" marR="5080" indent="-2125345">
+            <a:pPr marL="2137410" marR="5080" indent="-2125345" algn="ctr" rtl="0">
               <a:lnSpc>
-                <a:spcPts val="3890"/>
+                <a:spcPct val="90000"/>
               </a:lnSpc>
               <a:spcBef>
-                <a:spcPts val="585"/>
+                <a:spcPct val="0"/>
               </a:spcBef>
             </a:pPr>
             <a:r>
-              <a:rPr spc="-30" dirty="0"/>
+              <a:rPr lang="en-US" sz="5700" kern="1200" spc="-30" dirty="0">
+                <a:solidFill>
+                  <a:schemeClr val="tx1">
+                    <a:lumMod val="75000"/>
+                    <a:lumOff val="25000"/>
+                  </a:schemeClr>
+                </a:solidFill>
+                <a:latin typeface="+mj-lt"/>
+                <a:cs typeface="+mj-cs"/>
+              </a:rPr>
               <a:t>Let’s </a:t>
             </a:r>
             <a:r>
-              <a:rPr dirty="0"/>
+              <a:rPr lang="en-US" sz="5700" kern="1200" dirty="0">
+                <a:solidFill>
+                  <a:schemeClr val="tx1">
+                    <a:lumMod val="75000"/>
+                    <a:lumOff val="25000"/>
+                  </a:schemeClr>
+                </a:solidFill>
+                <a:latin typeface="+mj-lt"/>
+                <a:cs typeface="+mj-cs"/>
+              </a:rPr>
               <a:t>go </a:t>
             </a:r>
             <a:r>
-              <a:rPr spc="-5" dirty="0"/>
+              <a:rPr lang="en-US" sz="5700" kern="1200" spc="-5" dirty="0">
+                <a:solidFill>
+                  <a:schemeClr val="tx1">
+                    <a:lumMod val="75000"/>
+                    <a:lumOff val="25000"/>
+                  </a:schemeClr>
+                </a:solidFill>
+                <a:latin typeface="+mj-lt"/>
+                <a:cs typeface="+mj-cs"/>
+              </a:rPr>
               <a:t>over </a:t>
             </a:r>
             <a:r>
-              <a:rPr dirty="0"/>
-              <a:t>the </a:t>
-            </a:r>
-            <a:r>
-              <a:rPr spc="-5" dirty="0"/>
-              <a:t>class syllabus</a:t>
+              <a:rPr lang="en-US" sz="5700" kern="1200" dirty="0">
+                <a:solidFill>
+                  <a:schemeClr val="tx1">
+                    <a:lumMod val="75000"/>
+                    <a:lumOff val="25000"/>
+                  </a:schemeClr>
+                </a:solidFill>
+                <a:latin typeface="+mj-lt"/>
+                <a:cs typeface="+mj-cs"/>
+              </a:rPr>
+              <a:t>the</a:t>
+            </a:r>
+            <a:br>
+              <a:rPr lang="en-US" sz="5700" kern="1200" dirty="0">
+                <a:solidFill>
+                  <a:schemeClr val="tx1">
+                    <a:lumMod val="75000"/>
+                    <a:lumOff val="25000"/>
+                  </a:schemeClr>
+                </a:solidFill>
+                <a:latin typeface="+mj-lt"/>
+                <a:cs typeface="+mj-cs"/>
+              </a:rPr>
+            </a:br>
+            <a:r>
+              <a:rPr lang="en-US" sz="5700" kern="1200" spc="-5" dirty="0">
+                <a:solidFill>
+                  <a:schemeClr val="tx1">
+                    <a:lumMod val="75000"/>
+                    <a:lumOff val="25000"/>
+                  </a:schemeClr>
+                </a:solidFill>
+                <a:latin typeface="+mj-lt"/>
+                <a:cs typeface="+mj-cs"/>
+              </a:rPr>
+              <a:t>syllabus</a:t>
             </a:r>
           </a:p>
         </p:txBody>
@@ -12001,7 +12245,7 @@
         <p:spPr>
           <a:xfrm>
             <a:off x="707390" y="1769364"/>
-            <a:ext cx="7615555" cy="3213187"/>
+            <a:ext cx="7615555" cy="4813625"/>
           </a:xfrm>
           <a:prstGeom prst="rect">
             <a:avLst/>
@@ -12164,7 +12408,14 @@
                 <a:latin typeface="+mj-lt"/>
                 <a:cs typeface="Arial"/>
               </a:rPr>
-              <a:t>the	</a:t>
+              <a:t>the</a:t>
+            </a:r>
+            <a:r>
+              <a:rPr lang="en-US" sz="2600" dirty="0">
+                <a:latin typeface="+mj-lt"/>
+                <a:cs typeface="Arial"/>
+              </a:rPr>
+              <a:t> </a:t>
             </a:r>
             <a:r>
               <a:rPr sz="2600" spc="-5" dirty="0">
@@ -12392,7 +12643,21 @@
                 <a:latin typeface="+mj-lt"/>
                 <a:cs typeface="Arial"/>
               </a:rPr>
-              <a:t>and	the </a:t>
+              <a:t>and</a:t>
+            </a:r>
+            <a:r>
+              <a:rPr lang="en-US" sz="2600" dirty="0">
+                <a:latin typeface="+mj-lt"/>
+                <a:cs typeface="Arial"/>
+              </a:rPr>
+              <a:t> </a:t>
+            </a:r>
+            <a:r>
+              <a:rPr sz="2600" dirty="0">
+                <a:latin typeface="+mj-lt"/>
+                <a:cs typeface="Arial"/>
+              </a:rPr>
+              <a:t>the </a:t>
             </a:r>
             <a:r>
               <a:rPr sz="2600" spc="-5" dirty="0">
@@ -12450,6 +12715,314 @@
               </a:rPr>
               <a:t>(scripts)</a:t>
             </a:r>
+            <a:endParaRPr lang="en-US" sz="2600" spc="-5" dirty="0">
+              <a:latin typeface="+mj-lt"/>
+              <a:cs typeface="Arial"/>
+            </a:endParaRPr>
+          </a:p>
+          <a:p>
+            <a:pPr marL="241300" marR="720090" indent="-228600">
+              <a:lnSpc>
+                <a:spcPct val="80000"/>
+              </a:lnSpc>
+              <a:buChar char="•"/>
+              <a:tabLst>
+                <a:tab pos="241300" algn="l"/>
+                <a:tab pos="4706620" algn="l"/>
+              </a:tabLst>
+            </a:pPr>
+            <a:endParaRPr lang="en-US" sz="2600" spc="-5" dirty="0">
+              <a:latin typeface="+mj-lt"/>
+              <a:cs typeface="Arial"/>
+            </a:endParaRPr>
+          </a:p>
+          <a:p>
+            <a:pPr marL="241300" marR="720090" indent="-228600">
+              <a:lnSpc>
+                <a:spcPct val="80000"/>
+              </a:lnSpc>
+              <a:buFontTx/>
+              <a:buChar char="•"/>
+              <a:tabLst>
+                <a:tab pos="241300" algn="l"/>
+                <a:tab pos="4706620" algn="l"/>
+              </a:tabLst>
+            </a:pPr>
+            <a:r>
+              <a:rPr lang="en-US" sz="2600" spc="-30" dirty="0">
+                <a:latin typeface="+mj-lt"/>
+                <a:cs typeface="Arial"/>
+              </a:rPr>
+              <a:t>We</a:t>
+            </a:r>
+            <a:r>
+              <a:rPr lang="en-US" sz="2600" spc="5" dirty="0">
+                <a:latin typeface="+mj-lt"/>
+                <a:cs typeface="Arial"/>
+              </a:rPr>
+              <a:t> </a:t>
+            </a:r>
+            <a:r>
+              <a:rPr lang="en-US" sz="2600" dirty="0">
+                <a:latin typeface="+mj-lt"/>
+                <a:cs typeface="Arial"/>
+              </a:rPr>
+              <a:t>access </a:t>
+            </a:r>
+            <a:r>
+              <a:rPr lang="en-US" sz="2600" spc="-5" dirty="0">
+                <a:latin typeface="+mj-lt"/>
+                <a:cs typeface="Arial"/>
+              </a:rPr>
+              <a:t>it</a:t>
+            </a:r>
+            <a:r>
+              <a:rPr lang="en-US" sz="2600" spc="5" dirty="0">
+                <a:latin typeface="+mj-lt"/>
+                <a:cs typeface="Arial"/>
+              </a:rPr>
+              <a:t> </a:t>
+            </a:r>
+            <a:r>
+              <a:rPr lang="en-US" sz="2600" spc="-5" dirty="0">
+                <a:latin typeface="+mj-lt"/>
+                <a:cs typeface="Arial"/>
+              </a:rPr>
+              <a:t>with</a:t>
+            </a:r>
+            <a:r>
+              <a:rPr lang="en-US" sz="2600" spc="5" dirty="0">
+                <a:latin typeface="+mj-lt"/>
+                <a:cs typeface="Arial"/>
+              </a:rPr>
+              <a:t> </a:t>
+            </a:r>
+            <a:r>
+              <a:rPr lang="en-US" sz="2600" dirty="0">
+                <a:latin typeface="+mj-lt"/>
+                <a:cs typeface="Arial"/>
+              </a:rPr>
+              <a:t>a</a:t>
+            </a:r>
+            <a:r>
+              <a:rPr lang="en-US" sz="2600" spc="5" dirty="0">
+                <a:latin typeface="+mj-lt"/>
+                <a:cs typeface="Arial"/>
+              </a:rPr>
+              <a:t> </a:t>
+            </a:r>
+            <a:r>
+              <a:rPr lang="en-US" sz="2600" spc="-5" dirty="0">
+                <a:latin typeface="+mj-lt"/>
+                <a:cs typeface="Arial"/>
+              </a:rPr>
+              <a:t>shell</a:t>
+            </a:r>
+            <a:r>
+              <a:rPr lang="en-US" sz="2600" spc="5" dirty="0">
+                <a:latin typeface="+mj-lt"/>
+                <a:cs typeface="Arial"/>
+              </a:rPr>
+              <a:t> </a:t>
+            </a:r>
+            <a:r>
+              <a:rPr lang="en-US" sz="2600" spc="-35" dirty="0">
+                <a:latin typeface="+mj-lt"/>
+                <a:cs typeface="Arial"/>
+              </a:rPr>
+              <a:t>(Terminal</a:t>
+            </a:r>
+            <a:r>
+              <a:rPr lang="en-US" sz="2600" spc="-5" dirty="0">
+                <a:latin typeface="+mj-lt"/>
+                <a:cs typeface="Arial"/>
+              </a:rPr>
+              <a:t>) </a:t>
+            </a:r>
+            <a:r>
+              <a:rPr lang="en-US" sz="2600" dirty="0">
+                <a:latin typeface="+mj-lt"/>
+                <a:cs typeface="Arial"/>
+              </a:rPr>
+              <a:t> </a:t>
+            </a:r>
+            <a:r>
+              <a:rPr lang="en-US" sz="2600" spc="-5" dirty="0">
+                <a:latin typeface="+mj-lt"/>
+                <a:cs typeface="Arial"/>
+              </a:rPr>
+              <a:t>which</a:t>
+            </a:r>
+            <a:r>
+              <a:rPr lang="en-US" sz="2600" spc="10" dirty="0">
+                <a:latin typeface="+mj-lt"/>
+                <a:cs typeface="Arial"/>
+              </a:rPr>
+              <a:t> </a:t>
+            </a:r>
+            <a:r>
+              <a:rPr lang="en-US" sz="2600" spc="-15" dirty="0">
+                <a:latin typeface="+mj-lt"/>
+                <a:cs typeface="Arial"/>
+              </a:rPr>
+              <a:t>let’s</a:t>
+            </a:r>
+            <a:r>
+              <a:rPr lang="en-US" sz="2600" spc="10" dirty="0">
+                <a:latin typeface="+mj-lt"/>
+                <a:cs typeface="Arial"/>
+              </a:rPr>
+              <a:t> </a:t>
+            </a:r>
+            <a:r>
+              <a:rPr lang="en-US" sz="2600" dirty="0">
+                <a:latin typeface="+mj-lt"/>
+                <a:cs typeface="Arial"/>
+              </a:rPr>
+              <a:t>you</a:t>
+            </a:r>
+            <a:r>
+              <a:rPr lang="en-US" sz="2600" spc="10" dirty="0">
+                <a:latin typeface="+mj-lt"/>
+                <a:cs typeface="Arial"/>
+              </a:rPr>
+              <a:t> </a:t>
+            </a:r>
+            <a:r>
+              <a:rPr lang="en-US" sz="2600" spc="-5" dirty="0">
+                <a:latin typeface="+mj-lt"/>
+                <a:cs typeface="Arial"/>
+              </a:rPr>
+              <a:t>give</a:t>
+            </a:r>
+            <a:r>
+              <a:rPr lang="en-US" sz="2600" spc="15" dirty="0">
+                <a:latin typeface="+mj-lt"/>
+                <a:cs typeface="Arial"/>
+              </a:rPr>
+              <a:t> </a:t>
+            </a:r>
+            <a:r>
+              <a:rPr lang="en-US" sz="2600" dirty="0">
+                <a:latin typeface="+mj-lt"/>
+                <a:cs typeface="Arial"/>
+              </a:rPr>
+              <a:t>your </a:t>
+            </a:r>
+            <a:r>
+              <a:rPr lang="en-US" sz="2600" spc="-5" dirty="0">
+                <a:latin typeface="+mj-lt"/>
+                <a:cs typeface="Arial"/>
+              </a:rPr>
+              <a:t>computer commands via </a:t>
+            </a:r>
+            <a:r>
+              <a:rPr lang="en-US" sz="2600" spc="-705" dirty="0">
+                <a:latin typeface="+mj-lt"/>
+                <a:cs typeface="Arial"/>
+              </a:rPr>
+              <a:t> </a:t>
+            </a:r>
+            <a:r>
+              <a:rPr lang="en-US" sz="2600" spc="-5" dirty="0">
+                <a:latin typeface="+mj-lt"/>
+                <a:cs typeface="Arial"/>
+              </a:rPr>
+              <a:t>keyboard</a:t>
+            </a:r>
+            <a:r>
+              <a:rPr lang="en-US" sz="2600" dirty="0">
+                <a:latin typeface="+mj-lt"/>
+                <a:cs typeface="Arial"/>
+              </a:rPr>
+              <a:t> </a:t>
+            </a:r>
+            <a:r>
+              <a:rPr lang="en-US" sz="2600" spc="-5" dirty="0">
+                <a:latin typeface="+mj-lt"/>
+                <a:cs typeface="Arial"/>
+              </a:rPr>
+              <a:t>rather </a:t>
+            </a:r>
+            <a:r>
+              <a:rPr lang="en-US" sz="2600" dirty="0">
+                <a:latin typeface="+mj-lt"/>
+                <a:cs typeface="Arial"/>
+              </a:rPr>
+              <a:t>than</a:t>
+            </a:r>
+            <a:r>
+              <a:rPr lang="en-US" sz="2600" spc="5" dirty="0">
+                <a:latin typeface="+mj-lt"/>
+                <a:cs typeface="Arial"/>
+              </a:rPr>
+              <a:t> </a:t>
+            </a:r>
+            <a:r>
+              <a:rPr lang="en-US" sz="2600" dirty="0">
+                <a:latin typeface="+mj-lt"/>
+                <a:cs typeface="Arial"/>
+              </a:rPr>
+              <a:t>a</a:t>
+            </a:r>
+            <a:r>
+              <a:rPr lang="en-US" sz="2600" spc="5" dirty="0">
+                <a:latin typeface="+mj-lt"/>
+                <a:cs typeface="Arial"/>
+              </a:rPr>
+              <a:t> </a:t>
+            </a:r>
+            <a:r>
+              <a:rPr lang="en-US" sz="2600" spc="-5" dirty="0">
+                <a:latin typeface="+mj-lt"/>
+                <a:cs typeface="Arial"/>
+              </a:rPr>
+              <a:t>point</a:t>
+            </a:r>
+            <a:r>
+              <a:rPr lang="en-US" sz="2600" spc="5" dirty="0">
+                <a:latin typeface="+mj-lt"/>
+                <a:cs typeface="Arial"/>
+              </a:rPr>
+              <a:t> </a:t>
+            </a:r>
+            <a:r>
+              <a:rPr lang="en-US" sz="2600" dirty="0">
+                <a:latin typeface="+mj-lt"/>
+                <a:cs typeface="Arial"/>
+              </a:rPr>
+              <a:t>and</a:t>
+            </a:r>
+            <a:r>
+              <a:rPr lang="en-US" sz="2600" spc="5" dirty="0">
+                <a:latin typeface="+mj-lt"/>
+                <a:cs typeface="Arial"/>
+              </a:rPr>
+              <a:t> </a:t>
+            </a:r>
+            <a:r>
+              <a:rPr lang="en-US" sz="2600" spc="-5" dirty="0">
+                <a:latin typeface="+mj-lt"/>
+                <a:cs typeface="Arial"/>
+              </a:rPr>
+              <a:t>click</a:t>
+            </a:r>
+            <a:endParaRPr lang="en-US" sz="2600" dirty="0">
+              <a:latin typeface="+mj-lt"/>
+              <a:cs typeface="Arial"/>
+            </a:endParaRPr>
+          </a:p>
+          <a:p>
+            <a:pPr marL="241300" marR="720090" indent="-228600">
+              <a:lnSpc>
+                <a:spcPct val="80000"/>
+              </a:lnSpc>
+              <a:buChar char="•"/>
+              <a:tabLst>
+                <a:tab pos="241300" algn="l"/>
+                <a:tab pos="4706620" algn="l"/>
+              </a:tabLst>
+            </a:pPr>
             <a:endParaRPr sz="2600" dirty="0">
               <a:latin typeface="+mj-lt"/>
               <a:cs typeface="Arial"/>
@@ -12515,468 +13088,6 @@
         </p:nvSpPr>
         <p:spPr>
           <a:xfrm>
-            <a:off x="1706943" y="731011"/>
-            <a:ext cx="5735955" cy="574040"/>
-          </a:xfrm>
-          <a:prstGeom prst="rect">
-            <a:avLst/>
-          </a:prstGeom>
-        </p:spPr>
-        <p:txBody>
-          <a:bodyPr vert="horz" wrap="square" lIns="0" tIns="12700" rIns="0" bIns="0" rtlCol="0">
-            <a:spAutoFit/>
-          </a:bodyPr>
-          <a:lstStyle/>
-          <a:p>
-            <a:pPr marL="12700">
-              <a:lnSpc>
-                <a:spcPct val="100000"/>
-              </a:lnSpc>
-              <a:spcBef>
-                <a:spcPts val="100"/>
-              </a:spcBef>
-            </a:pPr>
-            <a:r>
-              <a:rPr spc="-50" dirty="0">
-                <a:latin typeface="+mj-lt"/>
-              </a:rPr>
-              <a:t>Wha</a:t>
-            </a:r>
-            <a:r>
-              <a:rPr dirty="0">
-                <a:latin typeface="+mj-lt"/>
-              </a:rPr>
-              <a:t>t</a:t>
-            </a:r>
-            <a:r>
-              <a:rPr spc="-185" dirty="0">
-                <a:latin typeface="+mj-lt"/>
-              </a:rPr>
-              <a:t> </a:t>
-            </a:r>
-            <a:r>
-              <a:rPr spc="-35" dirty="0">
-                <a:latin typeface="+mj-lt"/>
-              </a:rPr>
-              <a:t>i</a:t>
-            </a:r>
-            <a:r>
-              <a:rPr dirty="0">
-                <a:latin typeface="+mj-lt"/>
-              </a:rPr>
-              <a:t>s</a:t>
-            </a:r>
-            <a:r>
-              <a:rPr spc="-170" dirty="0">
-                <a:latin typeface="+mj-lt"/>
-              </a:rPr>
-              <a:t> </a:t>
-            </a:r>
-            <a:r>
-              <a:rPr spc="-45" dirty="0">
-                <a:latin typeface="+mj-lt"/>
-              </a:rPr>
-              <a:t>th</a:t>
-            </a:r>
-            <a:r>
-              <a:rPr dirty="0">
-                <a:latin typeface="+mj-lt"/>
-              </a:rPr>
-              <a:t>e</a:t>
-            </a:r>
-            <a:r>
-              <a:rPr spc="-180" dirty="0">
-                <a:latin typeface="+mj-lt"/>
-              </a:rPr>
-              <a:t> </a:t>
-            </a:r>
-            <a:r>
-              <a:rPr spc="-60" dirty="0">
-                <a:latin typeface="+mj-lt"/>
-              </a:rPr>
-              <a:t>c</a:t>
-            </a:r>
-            <a:r>
-              <a:rPr spc="-55" dirty="0">
-                <a:latin typeface="+mj-lt"/>
-              </a:rPr>
-              <a:t>o</a:t>
-            </a:r>
-            <a:r>
-              <a:rPr spc="-60" dirty="0">
-                <a:latin typeface="+mj-lt"/>
-              </a:rPr>
-              <a:t>mma</a:t>
-            </a:r>
-            <a:r>
-              <a:rPr spc="-55" dirty="0">
-                <a:latin typeface="+mj-lt"/>
-              </a:rPr>
-              <a:t>n</a:t>
-            </a:r>
-            <a:r>
-              <a:rPr dirty="0">
-                <a:latin typeface="+mj-lt"/>
-              </a:rPr>
-              <a:t>d</a:t>
-            </a:r>
-            <a:r>
-              <a:rPr spc="-190" dirty="0">
-                <a:latin typeface="+mj-lt"/>
-              </a:rPr>
-              <a:t> </a:t>
-            </a:r>
-            <a:r>
-              <a:rPr spc="-70" dirty="0">
-                <a:latin typeface="+mj-lt"/>
-              </a:rPr>
-              <a:t>line?</a:t>
-            </a:r>
-          </a:p>
-        </p:txBody>
-      </p:sp>
-      <p:sp>
-        <p:nvSpPr>
-          <p:cNvPr id="3" name="object 3"/>
-          <p:cNvSpPr txBox="1"/>
-          <p:nvPr/>
-        </p:nvSpPr>
-        <p:spPr>
-          <a:xfrm>
-            <a:off x="707390" y="1769364"/>
-            <a:ext cx="7615555" cy="1052596"/>
-          </a:xfrm>
-          <a:prstGeom prst="rect">
-            <a:avLst/>
-          </a:prstGeom>
-        </p:spPr>
-        <p:txBody>
-          <a:bodyPr vert="horz" wrap="square" lIns="0" tIns="91440" rIns="0" bIns="0" rtlCol="0">
-            <a:spAutoFit/>
-          </a:bodyPr>
-          <a:lstStyle/>
-          <a:p>
-            <a:pPr marL="469900" marR="5080" indent="-457200">
-              <a:lnSpc>
-                <a:spcPct val="80000"/>
-              </a:lnSpc>
-              <a:buFont typeface="Arial" panose="020B0604020202020204" pitchFamily="34" charset="0"/>
-              <a:buChar char="•"/>
-              <a:tabLst>
-                <a:tab pos="241300" algn="l"/>
-                <a:tab pos="4002404" algn="l"/>
-              </a:tabLst>
-            </a:pPr>
-            <a:r>
-              <a:rPr sz="2600" spc="-30" dirty="0">
-                <a:latin typeface="+mj-lt"/>
-                <a:cs typeface="Arial"/>
-              </a:rPr>
-              <a:t>We</a:t>
-            </a:r>
-            <a:r>
-              <a:rPr sz="2600" spc="5" dirty="0">
-                <a:latin typeface="+mj-lt"/>
-                <a:cs typeface="Arial"/>
-              </a:rPr>
-              <a:t> </a:t>
-            </a:r>
-            <a:r>
-              <a:rPr sz="2600" dirty="0">
-                <a:latin typeface="+mj-lt"/>
-                <a:cs typeface="Arial"/>
-              </a:rPr>
-              <a:t>access </a:t>
-            </a:r>
-            <a:r>
-              <a:rPr sz="2600" spc="-5" dirty="0">
-                <a:latin typeface="+mj-lt"/>
-                <a:cs typeface="Arial"/>
-              </a:rPr>
-              <a:t>it</a:t>
-            </a:r>
-            <a:r>
-              <a:rPr sz="2600" spc="5" dirty="0">
-                <a:latin typeface="+mj-lt"/>
-                <a:cs typeface="Arial"/>
-              </a:rPr>
-              <a:t> </a:t>
-            </a:r>
-            <a:r>
-              <a:rPr sz="2600" spc="-5" dirty="0">
-                <a:latin typeface="+mj-lt"/>
-                <a:cs typeface="Arial"/>
-              </a:rPr>
-              <a:t>with</a:t>
-            </a:r>
-            <a:r>
-              <a:rPr sz="2600" spc="5" dirty="0">
-                <a:latin typeface="+mj-lt"/>
-                <a:cs typeface="Arial"/>
-              </a:rPr>
-              <a:t> </a:t>
-            </a:r>
-            <a:r>
-              <a:rPr sz="2600" dirty="0">
-                <a:latin typeface="+mj-lt"/>
-                <a:cs typeface="Arial"/>
-              </a:rPr>
-              <a:t>a</a:t>
-            </a:r>
-            <a:r>
-              <a:rPr sz="2600" spc="5" dirty="0">
-                <a:latin typeface="+mj-lt"/>
-                <a:cs typeface="Arial"/>
-              </a:rPr>
-              <a:t> </a:t>
-            </a:r>
-            <a:r>
-              <a:rPr sz="2600" spc="-5" dirty="0">
-                <a:latin typeface="+mj-lt"/>
-                <a:cs typeface="Arial"/>
-              </a:rPr>
-              <a:t>shell</a:t>
-            </a:r>
-            <a:r>
-              <a:rPr sz="2600" spc="5" dirty="0">
-                <a:latin typeface="+mj-lt"/>
-                <a:cs typeface="Arial"/>
-              </a:rPr>
-              <a:t> </a:t>
-            </a:r>
-            <a:r>
-              <a:rPr sz="2600" spc="-35" dirty="0">
-                <a:latin typeface="+mj-lt"/>
-                <a:cs typeface="Arial"/>
-              </a:rPr>
-              <a:t>(Terminal,</a:t>
-            </a:r>
-            <a:r>
-              <a:rPr sz="2600" spc="5" dirty="0">
-                <a:latin typeface="+mj-lt"/>
-                <a:cs typeface="Arial"/>
-              </a:rPr>
-              <a:t> </a:t>
-            </a:r>
-            <a:r>
-              <a:rPr sz="2600" spc="-5" dirty="0">
-                <a:latin typeface="+mj-lt"/>
-                <a:cs typeface="Arial"/>
-              </a:rPr>
-              <a:t>PowerShell) </a:t>
-            </a:r>
-            <a:r>
-              <a:rPr sz="2600" dirty="0">
-                <a:latin typeface="+mj-lt"/>
-                <a:cs typeface="Arial"/>
-              </a:rPr>
-              <a:t> </a:t>
-            </a:r>
-            <a:r>
-              <a:rPr sz="2600" spc="-5" dirty="0">
-                <a:latin typeface="+mj-lt"/>
-                <a:cs typeface="Arial"/>
-              </a:rPr>
-              <a:t>which</a:t>
-            </a:r>
-            <a:r>
-              <a:rPr sz="2600" spc="10" dirty="0">
-                <a:latin typeface="+mj-lt"/>
-                <a:cs typeface="Arial"/>
-              </a:rPr>
-              <a:t> </a:t>
-            </a:r>
-            <a:r>
-              <a:rPr sz="2600" spc="-15" dirty="0">
-                <a:latin typeface="+mj-lt"/>
-                <a:cs typeface="Arial"/>
-              </a:rPr>
-              <a:t>let’s</a:t>
-            </a:r>
-            <a:r>
-              <a:rPr sz="2600" spc="10" dirty="0">
-                <a:latin typeface="+mj-lt"/>
-                <a:cs typeface="Arial"/>
-              </a:rPr>
-              <a:t> </a:t>
-            </a:r>
-            <a:r>
-              <a:rPr sz="2600" dirty="0">
-                <a:latin typeface="+mj-lt"/>
-                <a:cs typeface="Arial"/>
-              </a:rPr>
-              <a:t>you</a:t>
-            </a:r>
-            <a:r>
-              <a:rPr sz="2600" spc="10" dirty="0">
-                <a:latin typeface="+mj-lt"/>
-                <a:cs typeface="Arial"/>
-              </a:rPr>
-              <a:t> </a:t>
-            </a:r>
-            <a:r>
-              <a:rPr sz="2600" spc="-5" dirty="0">
-                <a:latin typeface="+mj-lt"/>
-                <a:cs typeface="Arial"/>
-              </a:rPr>
-              <a:t>give</a:t>
-            </a:r>
-            <a:r>
-              <a:rPr sz="2600" spc="15" dirty="0">
-                <a:latin typeface="+mj-lt"/>
-                <a:cs typeface="Arial"/>
-              </a:rPr>
-              <a:t> </a:t>
-            </a:r>
-            <a:r>
-              <a:rPr sz="2600" dirty="0">
-                <a:latin typeface="+mj-lt"/>
-                <a:cs typeface="Arial"/>
-              </a:rPr>
-              <a:t>your	</a:t>
-            </a:r>
-            <a:r>
-              <a:rPr sz="2600" spc="-5" dirty="0">
-                <a:latin typeface="+mj-lt"/>
-                <a:cs typeface="Arial"/>
-              </a:rPr>
-              <a:t>computer commands via </a:t>
-            </a:r>
-            <a:r>
-              <a:rPr sz="2600" spc="-705" dirty="0">
-                <a:latin typeface="+mj-lt"/>
-                <a:cs typeface="Arial"/>
-              </a:rPr>
-              <a:t> </a:t>
-            </a:r>
-            <a:r>
-              <a:rPr sz="2600" spc="-5" dirty="0">
-                <a:latin typeface="+mj-lt"/>
-                <a:cs typeface="Arial"/>
-              </a:rPr>
-              <a:t>keyboard</a:t>
-            </a:r>
-            <a:r>
-              <a:rPr sz="2600" dirty="0">
-                <a:latin typeface="+mj-lt"/>
-                <a:cs typeface="Arial"/>
-              </a:rPr>
-              <a:t> </a:t>
-            </a:r>
-            <a:r>
-              <a:rPr sz="2600" spc="-5" dirty="0">
-                <a:latin typeface="+mj-lt"/>
-                <a:cs typeface="Arial"/>
-              </a:rPr>
-              <a:t>rather </a:t>
-            </a:r>
-            <a:r>
-              <a:rPr sz="2600" dirty="0">
-                <a:latin typeface="+mj-lt"/>
-                <a:cs typeface="Arial"/>
-              </a:rPr>
-              <a:t>than</a:t>
-            </a:r>
-            <a:r>
-              <a:rPr sz="2600" spc="5" dirty="0">
-                <a:latin typeface="+mj-lt"/>
-                <a:cs typeface="Arial"/>
-              </a:rPr>
-              <a:t> </a:t>
-            </a:r>
-            <a:r>
-              <a:rPr sz="2600" dirty="0">
-                <a:latin typeface="+mj-lt"/>
-                <a:cs typeface="Arial"/>
-              </a:rPr>
-              <a:t>a</a:t>
-            </a:r>
-            <a:r>
-              <a:rPr sz="2600" spc="5" dirty="0">
-                <a:latin typeface="+mj-lt"/>
-                <a:cs typeface="Arial"/>
-              </a:rPr>
-              <a:t> </a:t>
-            </a:r>
-            <a:r>
-              <a:rPr sz="2600" spc="-5" dirty="0">
-                <a:latin typeface="+mj-lt"/>
-                <a:cs typeface="Arial"/>
-              </a:rPr>
-              <a:t>point</a:t>
-            </a:r>
-            <a:r>
-              <a:rPr sz="2600" spc="5" dirty="0">
-                <a:latin typeface="+mj-lt"/>
-                <a:cs typeface="Arial"/>
-              </a:rPr>
-              <a:t> </a:t>
-            </a:r>
-            <a:r>
-              <a:rPr sz="2600" dirty="0">
-                <a:latin typeface="+mj-lt"/>
-                <a:cs typeface="Arial"/>
-              </a:rPr>
-              <a:t>and</a:t>
-            </a:r>
-            <a:r>
-              <a:rPr sz="2600" spc="5" dirty="0">
-                <a:latin typeface="+mj-lt"/>
-                <a:cs typeface="Arial"/>
-              </a:rPr>
-              <a:t> </a:t>
-            </a:r>
-            <a:r>
-              <a:rPr sz="2600" spc="-5" dirty="0">
-                <a:latin typeface="+mj-lt"/>
-                <a:cs typeface="Arial"/>
-              </a:rPr>
-              <a:t>click</a:t>
-            </a:r>
-            <a:endParaRPr sz="2600" dirty="0">
-              <a:latin typeface="+mj-lt"/>
-              <a:cs typeface="Arial"/>
-            </a:endParaRPr>
-          </a:p>
-        </p:txBody>
-      </p:sp>
-    </p:spTree>
-  </p:cSld>
-  <p:clrMapOvr>
-    <a:masterClrMapping/>
-  </p:clrMapOvr>
-</p:sld>
-</file>
-
-<file path=ppt/slides/slide14.xml><?xml version="1.0" encoding="utf-8"?>
-<p:sld xmlns:a="http://schemas.openxmlformats.org/drawingml/2006/main" xmlns:r="http://schemas.openxmlformats.org/officeDocument/2006/relationships" xmlns:p="http://schemas.openxmlformats.org/presentationml/2006/main" showMasterSp="0">
-  <p:cSld>
-    <p:spTree>
-      <p:nvGrpSpPr>
-        <p:cNvPr id="1" name=""/>
-        <p:cNvGrpSpPr/>
-        <p:nvPr/>
-      </p:nvGrpSpPr>
-      <p:grpSpPr>
-        <a:xfrm>
-          <a:off x="0" y="0"/>
-          <a:ext cx="0" cy="0"/>
-          <a:chOff x="0" y="0"/>
-          <a:chExt cx="0" cy="0"/>
-        </a:xfrm>
-      </p:grpSpPr>
-      <p:sp>
-        <p:nvSpPr>
-          <p:cNvPr id="2" name="object 2"/>
-          <p:cNvSpPr txBox="1">
-            <a:spLocks noGrp="1"/>
-          </p:cNvSpPr>
-          <p:nvPr>
-            <p:ph type="title"/>
-          </p:nvPr>
-        </p:nvSpPr>
-        <p:spPr>
-          <a:xfrm>
             <a:off x="1248345" y="527405"/>
             <a:ext cx="6663690" cy="944880"/>
           </a:xfrm>
@@ -13083,7 +13194,7 @@
         <p:spPr>
           <a:xfrm>
             <a:off x="707390" y="1769364"/>
-            <a:ext cx="7643495" cy="3426964"/>
+            <a:ext cx="8055610" cy="3867725"/>
           </a:xfrm>
           <a:prstGeom prst="rect">
             <a:avLst/>
@@ -13109,78 +13220,78 @@
               </a:tabLst>
             </a:pPr>
             <a:r>
-              <a:rPr sz="2000" spc="-5" dirty="0">
+              <a:rPr sz="2400" spc="-5" dirty="0">
                 <a:cs typeface="Arial"/>
               </a:rPr>
               <a:t>GUI</a:t>
             </a:r>
             <a:r>
-              <a:rPr sz="2000" spc="-15" dirty="0">
-                <a:cs typeface="Arial"/>
-              </a:rPr>
-              <a:t> </a:t>
-            </a:r>
-            <a:r>
-              <a:rPr sz="2000" spc="-5" dirty="0">
+              <a:rPr sz="2400" spc="-15" dirty="0">
+                <a:cs typeface="Arial"/>
+              </a:rPr>
+              <a:t> </a:t>
+            </a:r>
+            <a:r>
+              <a:rPr sz="2400" spc="-5" dirty="0">
                 <a:cs typeface="Arial"/>
               </a:rPr>
               <a:t>tools require memory</a:t>
             </a:r>
             <a:r>
-              <a:rPr sz="2000" spc="-10" dirty="0">
-                <a:cs typeface="Arial"/>
-              </a:rPr>
-              <a:t> </a:t>
-            </a:r>
-            <a:r>
-              <a:rPr sz="2000" dirty="0">
+              <a:rPr sz="2400" spc="-10" dirty="0">
+                <a:cs typeface="Arial"/>
+              </a:rPr>
+              <a:t> </a:t>
+            </a:r>
+            <a:r>
+              <a:rPr sz="2400" dirty="0">
                 <a:cs typeface="Arial"/>
               </a:rPr>
               <a:t>just</a:t>
             </a:r>
             <a:r>
-              <a:rPr sz="2000" spc="-10" dirty="0">
-                <a:cs typeface="Arial"/>
-              </a:rPr>
-              <a:t> </a:t>
-            </a:r>
-            <a:r>
-              <a:rPr sz="2000" spc="-5" dirty="0">
+              <a:rPr sz="2400" spc="-10" dirty="0">
+                <a:cs typeface="Arial"/>
+              </a:rPr>
+              <a:t> </a:t>
+            </a:r>
+            <a:r>
+              <a:rPr sz="2400" spc="-5" dirty="0">
                 <a:cs typeface="Arial"/>
               </a:rPr>
               <a:t>to run</a:t>
             </a:r>
             <a:r>
-              <a:rPr sz="2000" spc="-10" dirty="0">
-                <a:cs typeface="Arial"/>
-              </a:rPr>
-              <a:t> </a:t>
-            </a:r>
-            <a:r>
-              <a:rPr sz="2000" spc="-5" dirty="0">
+              <a:rPr sz="2400" spc="-10" dirty="0">
+                <a:cs typeface="Arial"/>
+              </a:rPr>
+              <a:t> </a:t>
+            </a:r>
+            <a:r>
+              <a:rPr sz="2400" spc="-5" dirty="0">
                 <a:cs typeface="Arial"/>
               </a:rPr>
               <a:t>the interface,</a:t>
             </a:r>
             <a:r>
-              <a:rPr sz="2000" spc="-10" dirty="0">
-                <a:cs typeface="Arial"/>
-              </a:rPr>
-              <a:t> </a:t>
-            </a:r>
-            <a:r>
-              <a:rPr sz="2000" dirty="0">
+              <a:rPr sz="2400" spc="-10" dirty="0">
+                <a:cs typeface="Arial"/>
+              </a:rPr>
+              <a:t> </a:t>
+            </a:r>
+            <a:r>
+              <a:rPr sz="2400" dirty="0">
                 <a:cs typeface="Arial"/>
               </a:rPr>
               <a:t>and</a:t>
             </a:r>
             <a:r>
-              <a:rPr sz="2000" spc="-5" dirty="0">
+              <a:rPr sz="2400" spc="-5" dirty="0">
                 <a:cs typeface="Arial"/>
               </a:rPr>
               <a:t> most</a:t>
             </a:r>
-            <a:endParaRPr sz="2000" dirty="0">
+            <a:endParaRPr sz="2400" dirty="0">
               <a:cs typeface="Arial"/>
             </a:endParaRPr>
           </a:p>
@@ -13198,162 +13309,174 @@
               </a:tabLst>
             </a:pPr>
             <a:r>
-              <a:rPr sz="2000" spc="-5" dirty="0">
-                <a:cs typeface="Arial"/>
-              </a:rPr>
-              <a:t>bioinformatics	</a:t>
-            </a:r>
-            <a:r>
-              <a:rPr sz="2000" dirty="0">
+              <a:rPr lang="en-US" sz="2400" spc="-5" dirty="0">
+                <a:cs typeface="Arial"/>
+              </a:rPr>
+              <a:t>B</a:t>
+            </a:r>
+            <a:r>
+              <a:rPr sz="2400" spc="-5" dirty="0">
+                <a:cs typeface="Arial"/>
+              </a:rPr>
+              <a:t>ioinformatics</a:t>
+            </a:r>
+            <a:r>
+              <a:rPr lang="en-US" sz="2400" spc="-5" dirty="0">
+                <a:cs typeface="Arial"/>
+              </a:rPr>
+              <a:t> </a:t>
+            </a:r>
+            <a:r>
+              <a:rPr sz="2400" dirty="0">
                 <a:cs typeface="Arial"/>
               </a:rPr>
               <a:t>applications</a:t>
             </a:r>
             <a:r>
-              <a:rPr sz="2000" spc="-20" dirty="0">
-                <a:cs typeface="Arial"/>
-              </a:rPr>
-              <a:t> </a:t>
-            </a:r>
-            <a:r>
-              <a:rPr sz="2000" spc="-5" dirty="0">
+              <a:rPr sz="2400" spc="-20" dirty="0">
+                <a:cs typeface="Arial"/>
+              </a:rPr>
+              <a:t> </a:t>
+            </a:r>
+            <a:r>
+              <a:rPr sz="2400" spc="-5" dirty="0">
                 <a:cs typeface="Arial"/>
               </a:rPr>
               <a:t>are</a:t>
             </a:r>
             <a:r>
-              <a:rPr sz="2000" spc="-20" dirty="0">
-                <a:cs typeface="Arial"/>
-              </a:rPr>
-              <a:t> </a:t>
-            </a:r>
-            <a:r>
-              <a:rPr sz="2000" spc="-5" dirty="0">
+              <a:rPr sz="2400" spc="-20" dirty="0">
+                <a:cs typeface="Arial"/>
+              </a:rPr>
+              <a:t> </a:t>
+            </a:r>
+            <a:r>
+              <a:rPr sz="2400" spc="-5" dirty="0">
                 <a:cs typeface="Arial"/>
               </a:rPr>
               <a:t>memory</a:t>
             </a:r>
             <a:r>
-              <a:rPr sz="2000" spc="-20" dirty="0">
-                <a:cs typeface="Arial"/>
-              </a:rPr>
-              <a:t> </a:t>
-            </a:r>
-            <a:r>
-              <a:rPr sz="2000" dirty="0">
+              <a:rPr sz="2400" spc="-20" dirty="0">
+                <a:cs typeface="Arial"/>
+              </a:rPr>
+              <a:t> </a:t>
+            </a:r>
+            <a:r>
+              <a:rPr sz="2400" dirty="0">
                 <a:cs typeface="Arial"/>
               </a:rPr>
               <a:t>intensive</a:t>
             </a:r>
             <a:r>
-              <a:rPr sz="2000" spc="-20" dirty="0">
-                <a:cs typeface="Arial"/>
-              </a:rPr>
-              <a:t> </a:t>
-            </a:r>
-            <a:r>
-              <a:rPr sz="2000" spc="-5" dirty="0">
+              <a:rPr sz="2400" spc="-20" dirty="0">
+                <a:cs typeface="Arial"/>
+              </a:rPr>
+              <a:t> </a:t>
+            </a:r>
+            <a:r>
+              <a:rPr sz="2400" spc="-5" dirty="0">
                 <a:cs typeface="Arial"/>
               </a:rPr>
               <a:t>to</a:t>
             </a:r>
             <a:r>
-              <a:rPr sz="2000" spc="-20" dirty="0">
-                <a:cs typeface="Arial"/>
-              </a:rPr>
-              <a:t> </a:t>
-            </a:r>
-            <a:r>
-              <a:rPr sz="2000" dirty="0">
+              <a:rPr sz="2400" spc="-20" dirty="0">
+                <a:cs typeface="Arial"/>
+              </a:rPr>
+              <a:t> </a:t>
+            </a:r>
+            <a:r>
+              <a:rPr sz="2400" dirty="0">
                 <a:cs typeface="Arial"/>
               </a:rPr>
               <a:t>begin</a:t>
             </a:r>
             <a:r>
-              <a:rPr sz="2000" spc="-15" dirty="0">
-                <a:cs typeface="Arial"/>
-              </a:rPr>
-              <a:t> </a:t>
-            </a:r>
-            <a:r>
-              <a:rPr sz="2000" dirty="0">
+              <a:rPr sz="2400" spc="-15" dirty="0">
+                <a:cs typeface="Arial"/>
+              </a:rPr>
+              <a:t> </a:t>
+            </a:r>
+            <a:r>
+              <a:rPr sz="2400" dirty="0">
                 <a:cs typeface="Arial"/>
               </a:rPr>
               <a:t>with</a:t>
             </a:r>
             <a:r>
-              <a:rPr sz="2000" spc="-20" dirty="0">
-                <a:cs typeface="Arial"/>
-              </a:rPr>
-              <a:t> </a:t>
-            </a:r>
-            <a:r>
-              <a:rPr sz="2000" dirty="0">
+              <a:rPr sz="2400" spc="-20" dirty="0">
+                <a:cs typeface="Arial"/>
+              </a:rPr>
+              <a:t> </a:t>
+            </a:r>
+            <a:r>
+              <a:rPr sz="2400" dirty="0">
                 <a:cs typeface="Arial"/>
               </a:rPr>
               <a:t>or </a:t>
             </a:r>
             <a:r>
-              <a:rPr sz="2000" spc="-540" dirty="0">
-                <a:cs typeface="Arial"/>
-              </a:rPr>
-              <a:t> </a:t>
-            </a:r>
-            <a:r>
-              <a:rPr sz="2000" dirty="0">
+              <a:rPr sz="2400" spc="-540" dirty="0">
+                <a:cs typeface="Arial"/>
+              </a:rPr>
+              <a:t> </a:t>
+            </a:r>
+            <a:r>
+              <a:rPr sz="2400" dirty="0">
                 <a:cs typeface="Arial"/>
               </a:rPr>
               <a:t>have</a:t>
             </a:r>
             <a:r>
-              <a:rPr sz="2000" spc="-10" dirty="0">
-                <a:cs typeface="Arial"/>
-              </a:rPr>
-              <a:t> </a:t>
-            </a:r>
-            <a:r>
-              <a:rPr sz="2000" dirty="0">
+              <a:rPr sz="2400" spc="-10" dirty="0">
+                <a:cs typeface="Arial"/>
+              </a:rPr>
+              <a:t> </a:t>
+            </a:r>
+            <a:r>
+              <a:rPr sz="2400" dirty="0">
                 <a:cs typeface="Arial"/>
               </a:rPr>
               <a:t>additional flexibility</a:t>
             </a:r>
             <a:r>
-              <a:rPr sz="2000" spc="-5" dirty="0">
-                <a:cs typeface="Arial"/>
-              </a:rPr>
-              <a:t> </a:t>
-            </a:r>
-            <a:r>
-              <a:rPr sz="2000" dirty="0">
+              <a:rPr sz="2400" spc="-5" dirty="0">
+                <a:cs typeface="Arial"/>
+              </a:rPr>
+              <a:t> </a:t>
+            </a:r>
+            <a:r>
+              <a:rPr sz="2400" dirty="0">
                 <a:cs typeface="Arial"/>
               </a:rPr>
               <a:t>on</a:t>
             </a:r>
             <a:r>
-              <a:rPr sz="2000" spc="-10" dirty="0">
-                <a:cs typeface="Arial"/>
-              </a:rPr>
-              <a:t> </a:t>
-            </a:r>
-            <a:r>
-              <a:rPr sz="2000" spc="-5" dirty="0">
+              <a:rPr sz="2400" spc="-10" dirty="0">
+                <a:cs typeface="Arial"/>
+              </a:rPr>
+              <a:t> </a:t>
+            </a:r>
+            <a:r>
+              <a:rPr sz="2400" spc="-5" dirty="0">
                 <a:cs typeface="Arial"/>
               </a:rPr>
               <a:t>the	command</a:t>
             </a:r>
             <a:r>
-              <a:rPr sz="2000" spc="-15" dirty="0">
-                <a:cs typeface="Arial"/>
-              </a:rPr>
-              <a:t> </a:t>
-            </a:r>
-            <a:r>
-              <a:rPr sz="2000" dirty="0">
+              <a:rPr sz="2400" spc="-15" dirty="0">
+                <a:cs typeface="Arial"/>
+              </a:rPr>
+              <a:t> </a:t>
+            </a:r>
+            <a:r>
+              <a:rPr sz="2400" dirty="0">
                 <a:cs typeface="Arial"/>
               </a:rPr>
               <a:t>line</a:t>
             </a:r>
-            <a:endParaRPr lang="en-US" sz="2000" dirty="0">
+            <a:endParaRPr lang="en-US" sz="2400" dirty="0">
               <a:cs typeface="Arial"/>
             </a:endParaRPr>
           </a:p>
@@ -13370,7 +13493,7 @@
                 <a:tab pos="3896995" algn="l"/>
               </a:tabLst>
             </a:pPr>
-            <a:endParaRPr sz="2500" dirty="0">
+            <a:endParaRPr sz="2800" dirty="0">
               <a:cs typeface="Arial"/>
             </a:endParaRPr>
           </a:p>
@@ -13389,273 +13512,241 @@
               </a:tabLst>
             </a:pPr>
             <a:r>
-              <a:rPr sz="2000" spc="-5" dirty="0">
+              <a:rPr sz="2400" spc="-5" dirty="0">
                 <a:cs typeface="Arial"/>
               </a:rPr>
               <a:t>Most</a:t>
             </a:r>
             <a:r>
-              <a:rPr sz="2000" spc="-20" dirty="0">
-                <a:cs typeface="Arial"/>
-              </a:rPr>
-              <a:t> </a:t>
-            </a:r>
-            <a:r>
-              <a:rPr sz="2000" dirty="0">
+              <a:rPr sz="2400" spc="-20" dirty="0">
+                <a:cs typeface="Arial"/>
+              </a:rPr>
+              <a:t> </a:t>
+            </a:r>
+            <a:r>
+              <a:rPr sz="2400" dirty="0">
                 <a:cs typeface="Arial"/>
               </a:rPr>
               <a:t>of</a:t>
             </a:r>
             <a:r>
-              <a:rPr sz="2000" spc="-15" dirty="0">
-                <a:cs typeface="Arial"/>
-              </a:rPr>
-              <a:t> </a:t>
-            </a:r>
-            <a:r>
-              <a:rPr sz="2000" spc="-5" dirty="0">
+              <a:rPr sz="2400" spc="-15" dirty="0">
+                <a:cs typeface="Arial"/>
+              </a:rPr>
+              <a:t> </a:t>
+            </a:r>
+            <a:r>
+              <a:rPr sz="2400" spc="-5" dirty="0">
                 <a:cs typeface="Arial"/>
               </a:rPr>
               <a:t>the</a:t>
             </a:r>
             <a:r>
-              <a:rPr sz="2000" spc="-10" dirty="0">
-                <a:cs typeface="Arial"/>
-              </a:rPr>
-              <a:t> </a:t>
-            </a:r>
-            <a:r>
-              <a:rPr sz="2000" spc="-5" dirty="0">
+              <a:rPr sz="2400" spc="-10" dirty="0">
+                <a:cs typeface="Arial"/>
+              </a:rPr>
+              <a:t> </a:t>
+            </a:r>
+            <a:r>
+              <a:rPr sz="2400" spc="-5" dirty="0">
                 <a:cs typeface="Arial"/>
               </a:rPr>
               <a:t>time</a:t>
             </a:r>
             <a:r>
-              <a:rPr sz="2000" spc="-10" dirty="0">
-                <a:cs typeface="Arial"/>
-              </a:rPr>
-              <a:t> </a:t>
-            </a:r>
-            <a:r>
-              <a:rPr sz="2000" dirty="0">
+              <a:rPr sz="2400" spc="-10" dirty="0">
+                <a:cs typeface="Arial"/>
+              </a:rPr>
+              <a:t> </a:t>
+            </a:r>
+            <a:r>
+              <a:rPr sz="2400" dirty="0">
                 <a:cs typeface="Arial"/>
               </a:rPr>
               <a:t>you</a:t>
             </a:r>
             <a:r>
-              <a:rPr sz="2000" spc="-10" dirty="0">
-                <a:cs typeface="Arial"/>
-              </a:rPr>
-              <a:t> </a:t>
-            </a:r>
-            <a:r>
-              <a:rPr sz="2000" dirty="0">
+              <a:rPr sz="2400" spc="-10" dirty="0">
+                <a:cs typeface="Arial"/>
+              </a:rPr>
+              <a:t> </a:t>
+            </a:r>
+            <a:r>
+              <a:rPr sz="2400" dirty="0">
                 <a:cs typeface="Arial"/>
               </a:rPr>
               <a:t>will be</a:t>
             </a:r>
             <a:r>
-              <a:rPr sz="2000" spc="-10" dirty="0">
-                <a:cs typeface="Arial"/>
-              </a:rPr>
-              <a:t> </a:t>
-            </a:r>
-            <a:r>
-              <a:rPr sz="2000" dirty="0">
+              <a:rPr sz="2400" spc="-10" dirty="0">
+                <a:cs typeface="Arial"/>
+              </a:rPr>
+              <a:t> </a:t>
+            </a:r>
+            <a:r>
+              <a:rPr sz="2400" dirty="0">
                 <a:cs typeface="Arial"/>
               </a:rPr>
               <a:t>working</a:t>
             </a:r>
             <a:r>
-              <a:rPr sz="2000" spc="-15" dirty="0">
-                <a:cs typeface="Arial"/>
-              </a:rPr>
-              <a:t> </a:t>
-            </a:r>
-            <a:r>
-              <a:rPr sz="2000" dirty="0">
+              <a:rPr sz="2400" spc="-15" dirty="0">
+                <a:cs typeface="Arial"/>
+              </a:rPr>
+              <a:t> </a:t>
+            </a:r>
+            <a:r>
+              <a:rPr sz="2400" dirty="0">
                 <a:cs typeface="Arial"/>
               </a:rPr>
               <a:t>on</a:t>
             </a:r>
             <a:r>
-              <a:rPr sz="2000" spc="-10" dirty="0">
-                <a:cs typeface="Arial"/>
-              </a:rPr>
-              <a:t> </a:t>
-            </a:r>
-            <a:r>
-              <a:rPr sz="2000" spc="-5" dirty="0">
-                <a:cs typeface="Arial"/>
-              </a:rPr>
-              <a:t>some</a:t>
-            </a:r>
-            <a:r>
-              <a:rPr sz="2000" spc="-10" dirty="0">
-                <a:cs typeface="Arial"/>
-              </a:rPr>
-              <a:t> </a:t>
-            </a:r>
-            <a:r>
-              <a:rPr sz="2000" spc="-5" dirty="0">
-                <a:cs typeface="Arial"/>
-              </a:rPr>
-              <a:t>sort</a:t>
-            </a:r>
-            <a:r>
-              <a:rPr sz="2000" spc="-15" dirty="0">
-                <a:cs typeface="Arial"/>
-              </a:rPr>
-              <a:t> </a:t>
-            </a:r>
-            <a:r>
-              <a:rPr sz="2000" dirty="0">
-                <a:cs typeface="Arial"/>
-              </a:rPr>
-              <a:t>of</a:t>
-            </a:r>
-            <a:r>
-              <a:rPr sz="2000" spc="-15" dirty="0">
-                <a:cs typeface="Arial"/>
-              </a:rPr>
-              <a:t> </a:t>
-            </a:r>
-            <a:r>
-              <a:rPr sz="2000" dirty="0">
-                <a:cs typeface="Arial"/>
-              </a:rPr>
-              <a:t>HPC (High</a:t>
-            </a:r>
-          </a:p>
-          <a:p>
-            <a:pPr marL="241300" marR="473075">
-              <a:lnSpc>
-                <a:spcPct val="71000"/>
-              </a:lnSpc>
-              <a:spcBef>
-                <a:spcPts val="345"/>
-              </a:spcBef>
-              <a:tabLst>
-                <a:tab pos="1833245" algn="l"/>
-                <a:tab pos="3566795" algn="l"/>
-              </a:tabLst>
-            </a:pPr>
-            <a:r>
-              <a:rPr sz="2000" spc="-5" dirty="0">
+              <a:rPr sz="2400" spc="-10" dirty="0">
+                <a:cs typeface="Arial"/>
+              </a:rPr>
+              <a:t> </a:t>
+            </a:r>
+            <a:r>
+              <a:rPr lang="en-US" sz="2400" spc="-10" dirty="0">
+                <a:cs typeface="Arial"/>
+              </a:rPr>
+              <a:t>a </a:t>
+            </a:r>
+            <a:r>
+              <a:rPr sz="2400" dirty="0">
+                <a:cs typeface="Arial"/>
+              </a:rPr>
+              <a:t>High</a:t>
+            </a:r>
+            <a:r>
+              <a:rPr lang="en-US" sz="2400" dirty="0">
+                <a:cs typeface="Arial"/>
+              </a:rPr>
+              <a:t> </a:t>
+            </a:r>
+            <a:r>
+              <a:rPr sz="2400" spc="-5" dirty="0">
                 <a:cs typeface="Arial"/>
               </a:rPr>
               <a:t>Performance</a:t>
             </a:r>
             <a:r>
-              <a:rPr lang="en-US" sz="2000" spc="-5" dirty="0">
-                <a:cs typeface="Arial"/>
-              </a:rPr>
-              <a:t> </a:t>
-            </a:r>
-            <a:r>
-              <a:rPr sz="2000" spc="-5" dirty="0">
-                <a:cs typeface="Arial"/>
-              </a:rPr>
-              <a:t>Cluster) </a:t>
-            </a:r>
-            <a:r>
-              <a:rPr sz="2000" dirty="0">
+              <a:rPr lang="en-US" sz="2400" spc="-5" dirty="0">
+                <a:cs typeface="Arial"/>
+              </a:rPr>
+              <a:t> </a:t>
+            </a:r>
+            <a:r>
+              <a:rPr sz="2400" spc="-5" dirty="0">
+                <a:cs typeface="Arial"/>
+              </a:rPr>
+              <a:t>Cluster </a:t>
+            </a:r>
+            <a:r>
+              <a:rPr sz="2400" dirty="0">
                 <a:cs typeface="Arial"/>
               </a:rPr>
               <a:t>or </a:t>
             </a:r>
             <a:r>
-              <a:rPr sz="2000" spc="-5" dirty="0">
+              <a:rPr sz="2400" spc="-5" dirty="0">
                 <a:cs typeface="Arial"/>
               </a:rPr>
               <a:t>remote </a:t>
             </a:r>
             <a:r>
-              <a:rPr sz="2000" spc="-20" dirty="0">
+              <a:rPr sz="2400" spc="-20" dirty="0">
                 <a:cs typeface="Arial"/>
               </a:rPr>
               <a:t>server, </a:t>
             </a:r>
             <a:r>
-              <a:rPr sz="2000" dirty="0">
+              <a:rPr sz="2400" dirty="0">
                 <a:cs typeface="Arial"/>
               </a:rPr>
               <a:t>as </a:t>
             </a:r>
             <a:r>
-              <a:rPr sz="2000" spc="-5" dirty="0">
+              <a:rPr sz="2400" spc="-5" dirty="0">
                 <a:cs typeface="Arial"/>
               </a:rPr>
               <a:t>typical </a:t>
             </a:r>
             <a:r>
-              <a:rPr sz="2000" dirty="0">
+              <a:rPr sz="2400" dirty="0">
                 <a:cs typeface="Arial"/>
               </a:rPr>
               <a:t>PCs do not </a:t>
             </a:r>
             <a:r>
-              <a:rPr sz="2000" spc="-545" dirty="0">
-                <a:cs typeface="Arial"/>
-              </a:rPr>
-              <a:t> </a:t>
-            </a:r>
-            <a:r>
-              <a:rPr sz="2000" dirty="0">
+              <a:rPr sz="2400" spc="-545" dirty="0">
+                <a:cs typeface="Arial"/>
+              </a:rPr>
+              <a:t> </a:t>
+            </a:r>
+            <a:r>
+              <a:rPr sz="2400" dirty="0">
                 <a:cs typeface="Arial"/>
               </a:rPr>
               <a:t>have</a:t>
             </a:r>
             <a:r>
-              <a:rPr sz="2000" spc="-5" dirty="0">
+              <a:rPr sz="2400" spc="-5" dirty="0">
                 <a:cs typeface="Arial"/>
               </a:rPr>
               <a:t> the</a:t>
             </a:r>
             <a:r>
-              <a:rPr sz="2000" dirty="0">
-                <a:cs typeface="Arial"/>
-              </a:rPr>
-              <a:t> </a:t>
-            </a:r>
-            <a:r>
-              <a:rPr sz="2000" spc="-5" dirty="0">
+              <a:rPr sz="2400" dirty="0">
+                <a:cs typeface="Arial"/>
+              </a:rPr>
+              <a:t> </a:t>
+            </a:r>
+            <a:r>
+              <a:rPr sz="2400" spc="-5" dirty="0">
                 <a:cs typeface="Arial"/>
               </a:rPr>
               <a:t>required</a:t>
             </a:r>
             <a:r>
-              <a:rPr sz="2000" dirty="0">
-                <a:cs typeface="Arial"/>
-              </a:rPr>
-              <a:t> </a:t>
-            </a:r>
-            <a:r>
-              <a:rPr sz="2000" spc="-5" dirty="0">
+              <a:rPr sz="2400" dirty="0">
+                <a:cs typeface="Arial"/>
+              </a:rPr>
+              <a:t> </a:t>
+            </a:r>
+            <a:r>
+              <a:rPr sz="2400" spc="-5" dirty="0">
                 <a:cs typeface="Arial"/>
               </a:rPr>
               <a:t>storage</a:t>
             </a:r>
             <a:r>
-              <a:rPr sz="2000" dirty="0">
-                <a:cs typeface="Arial"/>
-              </a:rPr>
-              <a:t> or	</a:t>
-            </a:r>
-            <a:r>
-              <a:rPr sz="2000" spc="-5" dirty="0">
+              <a:rPr sz="2400" dirty="0">
+                <a:cs typeface="Arial"/>
+              </a:rPr>
+              <a:t> or</a:t>
+            </a:r>
+            <a:r>
+              <a:rPr lang="en-US" sz="2400" dirty="0">
+                <a:cs typeface="Arial"/>
+              </a:rPr>
+              <a:t> </a:t>
+            </a:r>
+            <a:r>
+              <a:rPr sz="2400" spc="-5" dirty="0">
                 <a:cs typeface="Arial"/>
               </a:rPr>
               <a:t>compute</a:t>
             </a:r>
             <a:r>
-              <a:rPr sz="2000" spc="-10" dirty="0">
-                <a:cs typeface="Arial"/>
-              </a:rPr>
-              <a:t> </a:t>
-            </a:r>
-            <a:r>
-              <a:rPr sz="2000" dirty="0">
+              <a:rPr sz="2400" spc="-10" dirty="0">
+                <a:cs typeface="Arial"/>
+              </a:rPr>
+              <a:t> </a:t>
+            </a:r>
+            <a:r>
+              <a:rPr sz="2400" dirty="0">
                 <a:cs typeface="Arial"/>
               </a:rPr>
               <a:t>power</a:t>
@@ -13670,7 +13761,7 @@
                 <a:spcPts val="30"/>
               </a:spcBef>
             </a:pPr>
-            <a:endParaRPr sz="2500" dirty="0">
+            <a:endParaRPr sz="2800" dirty="0">
               <a:cs typeface="Arial"/>
             </a:endParaRPr>
           </a:p>
@@ -13686,7 +13777,7 @@
               </a:tabLst>
             </a:pPr>
             <a:r>
-              <a:rPr sz="2000" dirty="0">
+              <a:rPr sz="2400" dirty="0">
                 <a:cs typeface="Arial"/>
               </a:rPr>
               <a:t>Reproducibility</a:t>
@@ -13703,7 +13794,7 @@
               <a:buFont typeface="Arial"/>
               <a:buChar char="•"/>
             </a:pPr>
-            <a:endParaRPr sz="3200" dirty="0">
+            <a:endParaRPr sz="3600" dirty="0">
               <a:cs typeface="Arial"/>
             </a:endParaRPr>
           </a:p>
@@ -13719,151 +13810,151 @@
               </a:tabLst>
             </a:pPr>
             <a:r>
-              <a:rPr sz="2000" dirty="0">
+              <a:rPr sz="2400" dirty="0">
                 <a:cs typeface="Arial"/>
               </a:rPr>
               <a:t>Ability</a:t>
             </a:r>
             <a:r>
-              <a:rPr sz="2000" spc="-15" dirty="0">
-                <a:cs typeface="Arial"/>
-              </a:rPr>
-              <a:t> </a:t>
-            </a:r>
-            <a:r>
-              <a:rPr sz="2000" spc="-5" dirty="0">
+              <a:rPr sz="2400" spc="-15" dirty="0">
+                <a:cs typeface="Arial"/>
+              </a:rPr>
+              <a:t> </a:t>
+            </a:r>
+            <a:r>
+              <a:rPr sz="2400" spc="-5" dirty="0">
                 <a:cs typeface="Arial"/>
               </a:rPr>
               <a:t>to</a:t>
             </a:r>
             <a:r>
-              <a:rPr sz="2000" spc="-15" dirty="0">
-                <a:cs typeface="Arial"/>
-              </a:rPr>
-              <a:t> </a:t>
-            </a:r>
-            <a:r>
-              <a:rPr sz="2000" spc="-5" dirty="0">
+              <a:rPr sz="2400" spc="-15" dirty="0">
+                <a:cs typeface="Arial"/>
+              </a:rPr>
+              <a:t> </a:t>
+            </a:r>
+            <a:r>
+              <a:rPr sz="2400" spc="-5" dirty="0">
                 <a:cs typeface="Arial"/>
               </a:rPr>
               <a:t>automate</a:t>
             </a:r>
             <a:r>
-              <a:rPr sz="2000" spc="-10" dirty="0">
-                <a:cs typeface="Arial"/>
-              </a:rPr>
-              <a:t> </a:t>
-            </a:r>
-            <a:r>
-              <a:rPr sz="2000" dirty="0">
+              <a:rPr sz="2400" spc="-10" dirty="0">
+                <a:cs typeface="Arial"/>
+              </a:rPr>
+              <a:t> </a:t>
+            </a:r>
+            <a:r>
+              <a:rPr sz="2400" dirty="0">
                 <a:cs typeface="Arial"/>
               </a:rPr>
               <a:t>+</a:t>
             </a:r>
             <a:r>
-              <a:rPr sz="2000" spc="-20" dirty="0">
-                <a:cs typeface="Arial"/>
-              </a:rPr>
-              <a:t> </a:t>
-            </a:r>
-            <a:r>
-              <a:rPr sz="2000" spc="-5" dirty="0">
+              <a:rPr sz="2400" spc="-20" dirty="0">
+                <a:cs typeface="Arial"/>
+              </a:rPr>
+              <a:t> </a:t>
+            </a:r>
+            <a:r>
+              <a:rPr sz="2400" spc="-5" dirty="0">
                 <a:cs typeface="Arial"/>
               </a:rPr>
               <a:t>create</a:t>
             </a:r>
             <a:r>
-              <a:rPr sz="2000" spc="-15" dirty="0">
-                <a:cs typeface="Arial"/>
-              </a:rPr>
-              <a:t> </a:t>
-            </a:r>
-            <a:r>
-              <a:rPr sz="2000" dirty="0">
+              <a:rPr sz="2400" spc="-15" dirty="0">
+                <a:cs typeface="Arial"/>
+              </a:rPr>
+              <a:t> </a:t>
+            </a:r>
+            <a:r>
+              <a:rPr sz="2400" dirty="0">
                 <a:cs typeface="Arial"/>
               </a:rPr>
               <a:t>pipelines,</a:t>
             </a:r>
             <a:r>
-              <a:rPr sz="2000" spc="-15" dirty="0">
-                <a:cs typeface="Arial"/>
-              </a:rPr>
-              <a:t> </a:t>
-            </a:r>
-            <a:r>
-              <a:rPr sz="2000" dirty="0">
+              <a:rPr sz="2400" spc="-15" dirty="0">
+                <a:cs typeface="Arial"/>
+              </a:rPr>
+              <a:t> </a:t>
+            </a:r>
+            <a:r>
+              <a:rPr sz="2400" dirty="0">
                 <a:cs typeface="Arial"/>
               </a:rPr>
               <a:t>or</a:t>
             </a:r>
             <a:r>
-              <a:rPr sz="2000" spc="-15" dirty="0">
-                <a:cs typeface="Arial"/>
-              </a:rPr>
-              <a:t> </a:t>
-            </a:r>
-            <a:r>
-              <a:rPr sz="2000" dirty="0">
+              <a:rPr sz="2400" spc="-15" dirty="0">
+                <a:cs typeface="Arial"/>
+              </a:rPr>
+              <a:t> </a:t>
+            </a:r>
+            <a:r>
+              <a:rPr sz="2400" dirty="0">
                 <a:cs typeface="Arial"/>
               </a:rPr>
               <a:t>work</a:t>
             </a:r>
             <a:r>
-              <a:rPr sz="2000" spc="-10" dirty="0">
-                <a:cs typeface="Arial"/>
-              </a:rPr>
-              <a:t> </a:t>
-            </a:r>
-            <a:r>
-              <a:rPr sz="2000" dirty="0">
+              <a:rPr sz="2400" spc="-10" dirty="0">
+                <a:cs typeface="Arial"/>
+              </a:rPr>
+              <a:t> </a:t>
+            </a:r>
+            <a:r>
+              <a:rPr sz="2400" dirty="0">
                 <a:cs typeface="Arial"/>
               </a:rPr>
               <a:t>with</a:t>
             </a:r>
             <a:r>
-              <a:rPr sz="2000" spc="-15" dirty="0">
-                <a:cs typeface="Arial"/>
-              </a:rPr>
-              <a:t> </a:t>
-            </a:r>
-            <a:r>
-              <a:rPr sz="2000" spc="-5" dirty="0">
+              <a:rPr sz="2400" spc="-15" dirty="0">
+                <a:cs typeface="Arial"/>
+              </a:rPr>
+              <a:t> </a:t>
+            </a:r>
+            <a:r>
+              <a:rPr sz="2400" spc="-5" dirty="0">
                 <a:cs typeface="Arial"/>
               </a:rPr>
               <a:t>many</a:t>
             </a:r>
             <a:r>
-              <a:rPr sz="2000" spc="-15" dirty="0">
-                <a:cs typeface="Arial"/>
-              </a:rPr>
-              <a:t> </a:t>
-            </a:r>
-            <a:r>
-              <a:rPr sz="2000" dirty="0">
+              <a:rPr sz="2400" spc="-15" dirty="0">
+                <a:cs typeface="Arial"/>
+              </a:rPr>
+              <a:t> </a:t>
+            </a:r>
+            <a:r>
+              <a:rPr sz="2400" dirty="0">
                 <a:cs typeface="Arial"/>
               </a:rPr>
               <a:t>files</a:t>
             </a:r>
             <a:r>
-              <a:rPr sz="2000" spc="-10" dirty="0">
-                <a:cs typeface="Arial"/>
-              </a:rPr>
-              <a:t> </a:t>
-            </a:r>
-            <a:r>
-              <a:rPr sz="2000" dirty="0">
+              <a:rPr sz="2400" spc="-10" dirty="0">
+                <a:cs typeface="Arial"/>
+              </a:rPr>
+              <a:t> </a:t>
+            </a:r>
+            <a:r>
+              <a:rPr sz="2400" dirty="0">
                 <a:cs typeface="Arial"/>
               </a:rPr>
               <a:t>at </a:t>
             </a:r>
             <a:r>
-              <a:rPr sz="2000" spc="-540" dirty="0">
-                <a:cs typeface="Arial"/>
-              </a:rPr>
-              <a:t> </a:t>
-            </a:r>
-            <a:r>
-              <a:rPr sz="2000" dirty="0">
+              <a:rPr sz="2400" spc="-540" dirty="0">
+                <a:cs typeface="Arial"/>
+              </a:rPr>
+              <a:t> </a:t>
+            </a:r>
+            <a:r>
+              <a:rPr sz="2400" dirty="0">
                 <a:cs typeface="Arial"/>
               </a:rPr>
               <a:t>once</a:t>
@@ -13879,9 +13970,17 @@
 </p:sld>
 </file>
 
-<file path=ppt/slides/slide15.xml><?xml version="1.0" encoding="utf-8"?>
-<p:sld xmlns:a="http://schemas.openxmlformats.org/drawingml/2006/main" xmlns:r="http://schemas.openxmlformats.org/officeDocument/2006/relationships" xmlns:p="http://schemas.openxmlformats.org/presentationml/2006/main" showMasterSp="0">
+<file path=ppt/slides/slide14.xml><?xml version="1.0" encoding="utf-8"?>
+<p:sld xmlns:a="http://schemas.openxmlformats.org/drawingml/2006/main" xmlns:r="http://schemas.openxmlformats.org/officeDocument/2006/relationships" xmlns:p="http://schemas.openxmlformats.org/presentationml/2006/main">
   <p:cSld>
+    <p:bg>
+      <p:bgPr>
+        <a:solidFill>
+          <a:schemeClr val="bg1"/>
+        </a:solidFill>
+        <a:effectLst/>
+      </p:bgPr>
+    </p:bg>
     <p:spTree>
       <p:nvGrpSpPr>
         <p:cNvPr id="1" name=""/>
@@ -13896,6 +13995,66 @@
           <a:chExt cx="0" cy="0"/>
         </a:xfrm>
       </p:grpSpPr>
+      <p:sp useBgFill="1">
+        <p:nvSpPr>
+          <p:cNvPr id="8" name="Rectangle 7">
+            <a:extLst>
+              <a:ext uri="{FF2B5EF4-FFF2-40B4-BE49-F238E27FC236}">
+                <a16:creationId xmlns:a16="http://schemas.microsoft.com/office/drawing/2014/main" id="{3AD318CC-E2A8-4E27-9548-A047A78999B1}"/>
+              </a:ext>
+              <a:ext uri="{C183D7F6-B498-43B3-948B-1728B52AA6E4}">
+                <adec:decorative xmlns:adec="http://schemas.microsoft.com/office/drawing/2017/decorative" val="1"/>
+              </a:ext>
+            </a:extLst>
+          </p:cNvPr>
+          <p:cNvSpPr>
+            <a:spLocks noGrp="1" noRot="1" noChangeAspect="1" noMove="1" noResize="1" noEditPoints="1" noAdjustHandles="1" noChangeArrowheads="1" noChangeShapeType="1" noTextEdit="1"/>
+          </p:cNvSpPr>
+          <p:nvPr>
+            <p:extLst>
+              <p:ext uri="{386F3935-93C4-4BCD-93E2-E3B085C9AB24}">
+                <p16:designElem xmlns:p16="http://schemas.microsoft.com/office/powerpoint/2015/main" val="1"/>
+              </p:ext>
+            </p:extLst>
+          </p:nvPr>
+        </p:nvSpPr>
+        <p:spPr>
+          <a:xfrm>
+            <a:off x="0" y="0"/>
+            <a:ext cx="9143999" cy="6857365"/>
+          </a:xfrm>
+          <a:prstGeom prst="rect">
+            <a:avLst/>
+          </a:prstGeom>
+          <a:ln>
+            <a:noFill/>
+          </a:ln>
+        </p:spPr>
+        <p:style>
+          <a:lnRef idx="2">
+            <a:schemeClr val="accent1">
+              <a:shade val="50000"/>
+            </a:schemeClr>
+          </a:lnRef>
+          <a:fillRef idx="1">
+            <a:schemeClr val="accent1"/>
+          </a:fillRef>
+          <a:effectRef idx="0">
+            <a:schemeClr val="accent1"/>
+          </a:effectRef>
+          <a:fontRef idx="minor">
+            <a:schemeClr val="lt1"/>
+          </a:fontRef>
+        </p:style>
+        <p:txBody>
+          <a:bodyPr rtlCol="0" anchor="ctr"/>
+          <a:lstStyle/>
+          <a:p>
+            <a:pPr algn="ctr"/>
+            <a:endParaRPr lang="en-US"/>
+          </a:p>
+        </p:txBody>
+      </p:sp>
       <p:sp>
         <p:nvSpPr>
           <p:cNvPr id="2" name="object 2"/>
@@ -13908,33 +14067,253 @@
         </p:nvSpPr>
         <p:spPr>
           <a:xfrm>
-            <a:off x="2963227" y="731011"/>
-            <a:ext cx="3225165" cy="574040"/>
+            <a:off x="483798" y="1463040"/>
+            <a:ext cx="2847230" cy="2690949"/>
           </a:xfrm>
           <a:prstGeom prst="rect">
             <a:avLst/>
           </a:prstGeom>
         </p:spPr>
         <p:txBody>
-          <a:bodyPr vert="horz" wrap="square" lIns="0" tIns="12700" rIns="0" bIns="0" rtlCol="0">
-            <a:spAutoFit/>
+          <a:bodyPr vert="horz" lIns="91440" tIns="45720" rIns="91440" bIns="45720" rtlCol="0" anchor="t">
+            <a:normAutofit/>
           </a:bodyPr>
           <a:lstStyle/>
           <a:p>
-            <a:pPr marL="12700">
+            <a:pPr marL="12700" algn="l" rtl="0">
               <a:lnSpc>
-                <a:spcPct val="100000"/>
+                <a:spcPct val="90000"/>
               </a:lnSpc>
               <a:spcBef>
-                <a:spcPts val="100"/>
+                <a:spcPct val="0"/>
               </a:spcBef>
             </a:pPr>
             <a:r>
-              <a:rPr spc="-75" dirty="0">
-                <a:latin typeface="+mj-lt"/>
+              <a:rPr lang="en-US" sz="2900" kern="1200" spc="-75">
+                <a:solidFill>
+                  <a:schemeClr val="tx1"/>
+                </a:solidFill>
+                <a:latin typeface="+mj-lt"/>
+                <a:ea typeface="+mj-ea"/>
+                <a:cs typeface="+mj-cs"/>
               </a:rPr>
               <a:t>Reproducibility</a:t>
             </a:r>
+          </a:p>
+        </p:txBody>
+      </p:sp>
+      <p:grpSp>
+        <p:nvGrpSpPr>
+          <p:cNvPr id="10" name="Group 9">
+            <a:extLst>
+              <a:ext uri="{FF2B5EF4-FFF2-40B4-BE49-F238E27FC236}">
+                <a16:creationId xmlns:a16="http://schemas.microsoft.com/office/drawing/2014/main" id="{B14B560F-9DD7-4302-A60B-EBD3EF59B073}"/>
+              </a:ext>
+              <a:ext uri="{C183D7F6-B498-43B3-948B-1728B52AA6E4}">
+                <adec:decorative xmlns:adec="http://schemas.microsoft.com/office/drawing/2017/decorative" val="1"/>
+              </a:ext>
+            </a:extLst>
+          </p:cNvPr>
+          <p:cNvGrpSpPr>
+            <a:grpSpLocks noGrp="1" noUngrp="1" noRot="1" noChangeAspect="1" noMove="1" noResize="1"/>
+          </p:cNvGrpSpPr>
+          <p:nvPr>
+            <p:extLst>
+              <p:ext uri="{386F3935-93C4-4BCD-93E2-E3B085C9AB24}">
+                <p16:designElem xmlns:p16="http://schemas.microsoft.com/office/powerpoint/2015/main" val="1"/>
+              </p:ext>
+            </p:extLst>
+          </p:nvPr>
+        </p:nvGrpSpPr>
+        <p:grpSpPr>
+          <a:xfrm>
+            <a:off x="157250" y="4415246"/>
+            <a:ext cx="8986749" cy="2087795"/>
+            <a:chOff x="143163" y="5763486"/>
+            <a:chExt cx="11982332" cy="739555"/>
+          </a:xfrm>
+        </p:grpSpPr>
+        <p:sp>
+          <p:nvSpPr>
+            <p:cNvPr id="11" name="Rectangle 10">
+              <a:extLst>
+                <a:ext uri="{FF2B5EF4-FFF2-40B4-BE49-F238E27FC236}">
+                  <a16:creationId xmlns:a16="http://schemas.microsoft.com/office/drawing/2014/main" id="{3A9A4357-BD1D-4622-A4FE-766E6AB8DE84}"/>
+                </a:ext>
+                <a:ext uri="{C183D7F6-B498-43B3-948B-1728B52AA6E4}">
+                  <adec:decorative xmlns:adec="http://schemas.microsoft.com/office/drawing/2017/decorative" val="1"/>
+                </a:ext>
+              </a:extLst>
+            </p:cNvPr>
+            <p:cNvSpPr/>
+            <p:nvPr>
+              <p:extLst>
+                <p:ext uri="{386F3935-93C4-4BCD-93E2-E3B085C9AB24}">
+                  <p16:designElem xmlns:p16="http://schemas.microsoft.com/office/powerpoint/2015/main" val="1"/>
+                </p:ext>
+              </p:extLst>
+            </p:nvPr>
+          </p:nvSpPr>
+          <p:spPr>
+            <a:xfrm flipH="1" flipV="1">
+              <a:off x="357444" y="5763486"/>
+              <a:ext cx="11768051" cy="739555"/>
+            </a:xfrm>
+            <a:prstGeom prst="rect">
+              <a:avLst/>
+            </a:prstGeom>
+            <a:solidFill>
+              <a:schemeClr val="accent4"/>
+            </a:solidFill>
+            <a:ln>
+              <a:noFill/>
+            </a:ln>
+          </p:spPr>
+          <p:style>
+            <a:lnRef idx="2">
+              <a:schemeClr val="accent1">
+                <a:shade val="50000"/>
+              </a:schemeClr>
+            </a:lnRef>
+            <a:fillRef idx="1">
+              <a:schemeClr val="accent1"/>
+            </a:fillRef>
+            <a:effectRef idx="0">
+              <a:schemeClr val="accent1"/>
+            </a:effectRef>
+            <a:fontRef idx="minor">
+              <a:schemeClr val="lt1"/>
+            </a:fontRef>
+          </p:style>
+          <p:txBody>
+            <a:bodyPr rtlCol="0" anchor="ctr"/>
+            <a:lstStyle/>
+            <a:p>
+              <a:pPr algn="ctr"/>
+              <a:endParaRPr lang="en-US"/>
+            </a:p>
+          </p:txBody>
+        </p:sp>
+        <p:cxnSp>
+          <p:nvCxnSpPr>
+            <p:cNvPr id="12" name="Straight Connector 11">
+              <a:extLst>
+                <a:ext uri="{FF2B5EF4-FFF2-40B4-BE49-F238E27FC236}">
+                  <a16:creationId xmlns:a16="http://schemas.microsoft.com/office/drawing/2014/main" id="{C21D6966-343E-49AC-A026-D2497E0C3CA1}"/>
+                </a:ext>
+                <a:ext uri="{C183D7F6-B498-43B3-948B-1728B52AA6E4}">
+                  <adec:decorative xmlns:adec="http://schemas.microsoft.com/office/drawing/2017/decorative" val="1"/>
+                </a:ext>
+              </a:extLst>
+            </p:cNvPr>
+            <p:cNvCxnSpPr>
+              <a:cxnSpLocks/>
+            </p:cNvCxnSpPr>
+            <p:nvPr>
+              <p:extLst>
+                <p:ext uri="{386F3935-93C4-4BCD-93E2-E3B085C9AB24}">
+                  <p16:designElem xmlns:p16="http://schemas.microsoft.com/office/powerpoint/2015/main" val="1"/>
+                </p:ext>
+              </p:extLst>
+            </p:nvPr>
+          </p:nvCxnSpPr>
+          <p:spPr>
+            <a:xfrm flipH="1">
+              <a:off x="143163" y="5763486"/>
+              <a:ext cx="1" cy="739555"/>
+            </a:xfrm>
+            <a:prstGeom prst="line">
+              <a:avLst/>
+            </a:prstGeom>
+            <a:ln w="177800">
+              <a:solidFill>
+                <a:schemeClr val="accent4"/>
+              </a:solidFill>
+            </a:ln>
+          </p:spPr>
+          <p:style>
+            <a:lnRef idx="1">
+              <a:schemeClr val="accent1"/>
+            </a:lnRef>
+            <a:fillRef idx="0">
+              <a:schemeClr val="accent1"/>
+            </a:fillRef>
+            <a:effectRef idx="0">
+              <a:schemeClr val="accent1"/>
+            </a:effectRef>
+            <a:fontRef idx="minor">
+              <a:schemeClr val="tx1"/>
+            </a:fontRef>
+          </p:style>
+        </p:cxnSp>
+      </p:grpSp>
+      <p:sp>
+        <p:nvSpPr>
+          <p:cNvPr id="14" name="Rectangle 13">
+            <a:extLst>
+              <a:ext uri="{FF2B5EF4-FFF2-40B4-BE49-F238E27FC236}">
+                <a16:creationId xmlns:a16="http://schemas.microsoft.com/office/drawing/2014/main" id="{2C1BBA94-3F40-40AA-8BB9-E69E25E537C1}"/>
+              </a:ext>
+              <a:ext uri="{C183D7F6-B498-43B3-948B-1728B52AA6E4}">
+                <adec:decorative xmlns:adec="http://schemas.microsoft.com/office/drawing/2017/decorative" val="1"/>
+              </a:ext>
+            </a:extLst>
+          </p:cNvPr>
+          <p:cNvSpPr>
+            <a:spLocks noGrp="1" noRot="1" noChangeAspect="1" noMove="1" noResize="1" noEditPoints="1" noAdjustHandles="1" noChangeArrowheads="1" noChangeShapeType="1" noTextEdit="1"/>
+          </p:cNvSpPr>
+          <p:nvPr>
+            <p:extLst>
+              <p:ext uri="{386F3935-93C4-4BCD-93E2-E3B085C9AB24}">
+                <p16:designElem xmlns:p16="http://schemas.microsoft.com/office/powerpoint/2015/main" val="1"/>
+              </p:ext>
+            </p:extLst>
+          </p:nvPr>
+        </p:nvSpPr>
+        <p:spPr>
+          <a:xfrm>
+            <a:off x="3850279" y="587829"/>
+            <a:ext cx="4878975" cy="5682342"/>
+          </a:xfrm>
+          <a:prstGeom prst="rect">
+            <a:avLst/>
+          </a:prstGeom>
+          <a:solidFill>
+            <a:schemeClr val="bg1"/>
+          </a:solidFill>
+          <a:ln>
+            <a:noFill/>
+          </a:ln>
+          <a:effectLst>
+            <a:outerShdw blurRad="139700" dist="127000" dir="5400000" algn="t" rotWithShape="0">
+              <a:prstClr val="black">
+                <a:alpha val="15000"/>
+              </a:prstClr>
+            </a:outerShdw>
+          </a:effectLst>
+        </p:spPr>
+        <p:style>
+          <a:lnRef idx="2">
+            <a:schemeClr val="accent1">
+              <a:shade val="50000"/>
+            </a:schemeClr>
+          </a:lnRef>
+          <a:fillRef idx="1">
+            <a:schemeClr val="accent1"/>
+          </a:fillRef>
+          <a:effectRef idx="0">
+            <a:schemeClr val="accent1"/>
+          </a:effectRef>
+          <a:fontRef idx="minor">
+            <a:schemeClr val="lt1"/>
+          </a:fontRef>
+        </p:style>
+        <p:txBody>
+          <a:bodyPr rtlCol="0" anchor="ctr"/>
+          <a:lstStyle/>
+          <a:p>
+            <a:pPr algn="ctr"/>
+            <a:endParaRPr lang="en-US"/>
           </a:p>
         </p:txBody>
       </p:sp>
@@ -13946,26 +14325,27 @@
         </p:nvSpPr>
         <p:spPr>
           <a:xfrm>
-            <a:off x="707390" y="1756155"/>
-            <a:ext cx="7391400" cy="3828227"/>
+            <a:off x="4242163" y="1463039"/>
+            <a:ext cx="4156790" cy="4300447"/>
           </a:xfrm>
           <a:prstGeom prst="rect">
             <a:avLst/>
           </a:prstGeom>
         </p:spPr>
         <p:txBody>
-          <a:bodyPr vert="horz" wrap="square" lIns="0" tIns="12700" rIns="0" bIns="0" rtlCol="0">
-            <a:spAutoFit/>
+          <a:bodyPr vert="horz" lIns="91440" tIns="45720" rIns="91440" bIns="45720" rtlCol="0" anchor="t">
+            <a:normAutofit lnSpcReduction="10000"/>
           </a:bodyPr>
           <a:lstStyle/>
           <a:p>
             <a:pPr marL="241300" indent="-228600">
               <a:lnSpc>
-                <a:spcPct val="100000"/>
+                <a:spcPct val="90000"/>
               </a:lnSpc>
               <a:spcBef>
                 <a:spcPts val="100"/>
               </a:spcBef>
+              <a:buFont typeface="Arial" panose="020B0604020202020204" pitchFamily="34" charset="0"/>
               <a:buChar char="•"/>
               <a:tabLst>
                 <a:tab pos="240665" algn="l"/>
@@ -13973,41 +14353,34 @@
               </a:tabLst>
             </a:pPr>
             <a:r>
-              <a:rPr sz="2200" dirty="0">
-                <a:cs typeface="Arial"/>
-              </a:rPr>
+              <a:rPr lang="en-US" sz="1900" dirty="0"/>
               <a:t>Human</a:t>
             </a:r>
             <a:r>
-              <a:rPr sz="2200" spc="-45" dirty="0">
-                <a:cs typeface="Arial"/>
-              </a:rPr>
-              <a:t> </a:t>
-            </a:r>
-            <a:r>
-              <a:rPr sz="2200" dirty="0">
-                <a:cs typeface="Arial"/>
-              </a:rPr>
+              <a:rPr lang="en-US" sz="1900" spc="-45" dirty="0"/>
+              <a:t> </a:t>
+            </a:r>
+            <a:r>
+              <a:rPr lang="en-US" sz="1900" dirty="0"/>
               <a:t>error</a:t>
             </a:r>
           </a:p>
           <a:p>
-            <a:pPr>
+            <a:pPr indent="-228600">
               <a:lnSpc>
-                <a:spcPct val="100000"/>
+                <a:spcPct val="90000"/>
               </a:lnSpc>
-              <a:buFont typeface="Arial"/>
+              <a:buFont typeface="Arial" panose="020B0604020202020204" pitchFamily="34" charset="0"/>
               <a:buChar char="•"/>
             </a:pPr>
-            <a:endParaRPr sz="3400" dirty="0">
-              <a:cs typeface="Arial"/>
-            </a:endParaRPr>
+            <a:endParaRPr lang="en-US" sz="1900" dirty="0"/>
           </a:p>
           <a:p>
             <a:pPr marL="241300" marR="487680" indent="-228600">
               <a:lnSpc>
-                <a:spcPct val="68200"/>
+                <a:spcPct val="90000"/>
               </a:lnSpc>
+              <a:buFont typeface="Arial" panose="020B0604020202020204" pitchFamily="34" charset="0"/>
               <a:buChar char="•"/>
               <a:tabLst>
                 <a:tab pos="240665" algn="l"/>
@@ -14015,77 +14388,58 @@
               </a:tabLst>
             </a:pPr>
             <a:r>
-              <a:rPr sz="2200" spc="-5" dirty="0">
-                <a:cs typeface="Arial"/>
-              </a:rPr>
+              <a:rPr lang="en-US" sz="1900" spc="-5" dirty="0"/>
               <a:t>When we </a:t>
             </a:r>
             <a:r>
-              <a:rPr sz="2200" dirty="0">
-                <a:cs typeface="Arial"/>
-              </a:rPr>
+              <a:rPr lang="en-US" sz="1900" dirty="0"/>
               <a:t>try to do the same </a:t>
             </a:r>
             <a:r>
-              <a:rPr sz="2200" spc="-5" dirty="0">
-                <a:cs typeface="Arial"/>
-              </a:rPr>
+              <a:rPr lang="en-US" sz="1900" spc="-5" dirty="0"/>
               <a:t>thing </a:t>
             </a:r>
             <a:r>
-              <a:rPr sz="2200" dirty="0">
-                <a:cs typeface="Arial"/>
-              </a:rPr>
+              <a:rPr lang="en-US" sz="1900" dirty="0"/>
               <a:t>100 </a:t>
             </a:r>
             <a:r>
-              <a:rPr sz="2200" spc="-5" dirty="0">
-                <a:cs typeface="Arial"/>
-              </a:rPr>
+              <a:rPr lang="en-US" sz="1900" spc="-5" dirty="0"/>
               <a:t>times we </a:t>
             </a:r>
             <a:r>
-              <a:rPr sz="2200" dirty="0">
-                <a:cs typeface="Arial"/>
-              </a:rPr>
+              <a:rPr lang="en-US" sz="1900" dirty="0"/>
               <a:t>make </a:t>
             </a:r>
             <a:r>
-              <a:rPr sz="2200" spc="-600" dirty="0">
-                <a:cs typeface="Arial"/>
-              </a:rPr>
-              <a:t> </a:t>
-            </a:r>
-            <a:r>
-              <a:rPr sz="2200" spc="-5" dirty="0">
-                <a:cs typeface="Arial"/>
-              </a:rPr>
+              <a:rPr lang="en-US" sz="1900" spc="-600" dirty="0"/>
+              <a:t> </a:t>
+            </a:r>
+            <a:r>
+              <a:rPr lang="en-US" sz="1900" spc="-5" dirty="0"/>
               <a:t>mistakes</a:t>
             </a:r>
-            <a:endParaRPr sz="2200" dirty="0">
-              <a:cs typeface="Arial"/>
-            </a:endParaRPr>
+            <a:endParaRPr lang="en-US" sz="1900" dirty="0"/>
           </a:p>
           <a:p>
-            <a:pPr>
+            <a:pPr indent="-228600">
               <a:lnSpc>
-                <a:spcPct val="100000"/>
+                <a:spcPct val="90000"/>
               </a:lnSpc>
               <a:spcBef>
                 <a:spcPts val="55"/>
               </a:spcBef>
-              <a:buFont typeface="Arial"/>
+              <a:buFont typeface="Arial" panose="020B0604020202020204" pitchFamily="34" charset="0"/>
               <a:buChar char="•"/>
             </a:pPr>
-            <a:endParaRPr sz="3250" dirty="0">
-              <a:cs typeface="Arial"/>
-            </a:endParaRPr>
+            <a:endParaRPr lang="en-US" sz="1900" dirty="0"/>
           </a:p>
           <a:p>
             <a:pPr marL="241300" marR="5080" indent="-228600">
               <a:lnSpc>
-                <a:spcPct val="71800"/>
+                <a:spcPct val="90000"/>
               </a:lnSpc>
+              <a:buFont typeface="Arial" panose="020B0604020202020204" pitchFamily="34" charset="0"/>
               <a:buChar char="•"/>
               <a:tabLst>
                 <a:tab pos="240665" algn="l"/>
@@ -14094,170 +14448,92 @@
               </a:tabLst>
             </a:pPr>
             <a:r>
-              <a:rPr sz="2200" spc="-5" dirty="0">
-                <a:cs typeface="Arial"/>
-              </a:rPr>
-              <a:t>As long</a:t>
-            </a:r>
-            <a:r>
-              <a:rPr sz="2200" dirty="0">
-                <a:cs typeface="Arial"/>
-              </a:rPr>
-              <a:t> as you </a:t>
-            </a:r>
-            <a:r>
-              <a:rPr sz="2200" spc="-5" dirty="0">
-                <a:cs typeface="Arial"/>
-              </a:rPr>
-              <a:t>told it</a:t>
-            </a:r>
-            <a:r>
-              <a:rPr sz="2200" dirty="0">
-                <a:cs typeface="Arial"/>
-              </a:rPr>
-              <a:t> to do the</a:t>
-            </a:r>
-            <a:r>
-              <a:rPr sz="2200" spc="-5" dirty="0">
-                <a:cs typeface="Arial"/>
-              </a:rPr>
-              <a:t> right</a:t>
-            </a:r>
-            <a:r>
-              <a:rPr sz="2200" dirty="0">
-                <a:cs typeface="Arial"/>
-              </a:rPr>
-              <a:t> </a:t>
-            </a:r>
-            <a:r>
-              <a:rPr sz="2200" spc="-5" dirty="0">
-                <a:cs typeface="Arial"/>
-              </a:rPr>
-              <a:t>thing,</a:t>
-            </a:r>
-            <a:r>
-              <a:rPr sz="2200" dirty="0">
-                <a:cs typeface="Arial"/>
-              </a:rPr>
-              <a:t> a computer</a:t>
-            </a:r>
-            <a:r>
-              <a:rPr sz="2200" spc="5" dirty="0">
-                <a:cs typeface="Arial"/>
-              </a:rPr>
-              <a:t> </a:t>
-            </a:r>
-            <a:r>
-              <a:rPr sz="2200" dirty="0">
-                <a:cs typeface="Arial"/>
-              </a:rPr>
+              <a:rPr lang="en-US" sz="1900" spc="-5" dirty="0"/>
+              <a:t>A </a:t>
+            </a:r>
+            <a:r>
+              <a:rPr lang="en-US" sz="1900" dirty="0"/>
+              <a:t>computer</a:t>
+            </a:r>
+            <a:r>
+              <a:rPr lang="en-US" sz="1900" spc="5" dirty="0"/>
+              <a:t> </a:t>
+            </a:r>
+            <a:r>
+              <a:rPr lang="en-US" sz="1900" dirty="0"/>
               <a:t>can </a:t>
             </a:r>
             <a:r>
-              <a:rPr sz="2200" spc="-600" dirty="0">
-                <a:cs typeface="Arial"/>
-              </a:rPr>
-              <a:t> </a:t>
-            </a:r>
-            <a:r>
-              <a:rPr sz="2200" dirty="0">
-                <a:cs typeface="Arial"/>
-              </a:rPr>
+              <a:rPr lang="en-US" sz="1900" spc="-600" dirty="0"/>
+              <a:t> </a:t>
+            </a:r>
+            <a:r>
+              <a:rPr lang="en-US" sz="1900" dirty="0"/>
               <a:t>perform</a:t>
             </a:r>
             <a:r>
-              <a:rPr sz="2200" spc="5" dirty="0">
-                <a:cs typeface="Arial"/>
-              </a:rPr>
-              <a:t> </a:t>
-            </a:r>
-            <a:r>
-              <a:rPr sz="2200" dirty="0">
-                <a:cs typeface="Arial"/>
-              </a:rPr>
-              <a:t>the	same</a:t>
-            </a:r>
-            <a:r>
-              <a:rPr sz="2200" spc="-10" dirty="0">
-                <a:cs typeface="Arial"/>
-              </a:rPr>
-              <a:t> </a:t>
-            </a:r>
-            <a:r>
-              <a:rPr sz="2200" dirty="0">
-                <a:cs typeface="Arial"/>
-              </a:rPr>
+              <a:rPr lang="en-US" sz="1900" spc="5" dirty="0"/>
+              <a:t> </a:t>
+            </a:r>
+            <a:r>
+              <a:rPr lang="en-US" sz="1900" dirty="0"/>
+              <a:t>the same</a:t>
+            </a:r>
+            <a:r>
+              <a:rPr lang="en-US" sz="1900" spc="-10" dirty="0"/>
+              <a:t> </a:t>
+            </a:r>
+            <a:r>
+              <a:rPr lang="en-US" sz="1900" dirty="0"/>
               <a:t>task</a:t>
             </a:r>
             <a:r>
-              <a:rPr sz="2200" spc="-5" dirty="0">
-                <a:cs typeface="Arial"/>
-              </a:rPr>
-              <a:t> </a:t>
-            </a:r>
-            <a:r>
-              <a:rPr sz="2200" dirty="0">
-                <a:cs typeface="Arial"/>
-              </a:rPr>
+              <a:rPr lang="en-US" sz="1900" spc="-5" dirty="0"/>
+              <a:t> </a:t>
+            </a:r>
+            <a:r>
+              <a:rPr lang="en-US" sz="1900" dirty="0"/>
               <a:t>thousands</a:t>
             </a:r>
             <a:r>
-              <a:rPr sz="2200" spc="-5" dirty="0">
-                <a:cs typeface="Arial"/>
-              </a:rPr>
-              <a:t> </a:t>
-            </a:r>
-            <a:r>
-              <a:rPr sz="2200" dirty="0">
-                <a:cs typeface="Arial"/>
-              </a:rPr>
+              <a:rPr lang="en-US" sz="1900" spc="-5" dirty="0"/>
+              <a:t> </a:t>
+            </a:r>
+            <a:r>
+              <a:rPr lang="en-US" sz="1900" dirty="0"/>
               <a:t>of</a:t>
             </a:r>
             <a:r>
-              <a:rPr sz="2200" spc="-5" dirty="0">
-                <a:cs typeface="Arial"/>
-              </a:rPr>
+              <a:rPr lang="en-US" sz="1900" spc="-5" dirty="0"/>
               <a:t> times</a:t>
             </a:r>
             <a:r>
-              <a:rPr sz="2200" spc="-10" dirty="0">
-                <a:cs typeface="Arial"/>
-              </a:rPr>
-              <a:t> </a:t>
-            </a:r>
-            <a:r>
-              <a:rPr sz="2200" spc="-5" dirty="0">
-                <a:cs typeface="Arial"/>
-              </a:rPr>
+              <a:rPr lang="en-US" sz="1900" spc="-10" dirty="0"/>
+              <a:t> </a:t>
+            </a:r>
+            <a:r>
+              <a:rPr lang="en-US" sz="1900" spc="-5" dirty="0"/>
               <a:t>without </a:t>
             </a:r>
             <a:r>
-              <a:rPr sz="2200" dirty="0">
-                <a:cs typeface="Arial"/>
-              </a:rPr>
+              <a:rPr lang="en-US" sz="1900" dirty="0"/>
               <a:t>error</a:t>
             </a:r>
           </a:p>
           <a:p>
             <a:pPr>
               <a:lnSpc>
-                <a:spcPct val="100000"/>
+                <a:spcPct val="90000"/>
               </a:lnSpc>
-              <a:spcBef>
-                <a:spcPts val="25"/>
-              </a:spcBef>
-              <a:buFont typeface="Arial"/>
-              <a:buChar char="•"/>
             </a:pPr>
-            <a:endParaRPr sz="2650" dirty="0">
-              <a:cs typeface="Arial"/>
-            </a:endParaRPr>
+            <a:endParaRPr lang="en-US" sz="1900" dirty="0"/>
           </a:p>
           <a:p>
             <a:pPr marL="241300" indent="-228600">
               <a:lnSpc>
-                <a:spcPct val="100000"/>
+                <a:spcPct val="90000"/>
               </a:lnSpc>
+              <a:buFont typeface="Arial" panose="020B0604020202020204" pitchFamily="34" charset="0"/>
               <a:buChar char="•"/>
               <a:tabLst>
                 <a:tab pos="240665" algn="l"/>
@@ -14265,149 +14541,85 @@
               </a:tabLst>
             </a:pPr>
             <a:r>
-              <a:rPr sz="2200" spc="-5" dirty="0">
-                <a:cs typeface="Arial"/>
-              </a:rPr>
-              <a:t>Unambiguous</a:t>
-            </a:r>
-            <a:r>
-              <a:rPr sz="2200" dirty="0">
-                <a:cs typeface="Arial"/>
-              </a:rPr>
-              <a:t> record </a:t>
-            </a:r>
-            <a:r>
-              <a:rPr sz="2200" spc="-5" dirty="0">
-                <a:cs typeface="Arial"/>
-              </a:rPr>
-              <a:t>via</a:t>
-            </a:r>
-            <a:r>
-              <a:rPr sz="2200" dirty="0">
-                <a:cs typeface="Arial"/>
-              </a:rPr>
-              <a:t> </a:t>
-            </a:r>
-            <a:r>
-              <a:rPr sz="2200" spc="-5" dirty="0">
-                <a:cs typeface="Arial"/>
-              </a:rPr>
-              <a:t>history</a:t>
-            </a:r>
-            <a:r>
-              <a:rPr sz="2200" dirty="0">
-                <a:cs typeface="Arial"/>
-              </a:rPr>
-              <a:t> and </a:t>
-            </a:r>
-            <a:r>
-              <a:rPr sz="2200" spc="-5" dirty="0">
-                <a:cs typeface="Arial"/>
-              </a:rPr>
-              <a:t>logs</a:t>
-            </a:r>
-            <a:endParaRPr sz="2200" dirty="0">
-              <a:cs typeface="Arial"/>
-            </a:endParaRPr>
-          </a:p>
-          <a:p>
-            <a:pPr>
-              <a:lnSpc>
-                <a:spcPct val="100000"/>
-              </a:lnSpc>
-              <a:buFont typeface="Arial"/>
-              <a:buChar char="•"/>
-            </a:pPr>
-            <a:endParaRPr sz="2650" dirty="0">
-              <a:cs typeface="Arial"/>
-            </a:endParaRPr>
+              <a:rPr lang="en-US" sz="1900" spc="-5" dirty="0"/>
+              <a:t>Easier</a:t>
+            </a:r>
+            <a:r>
+              <a:rPr lang="en-US" sz="1900" spc="5" dirty="0"/>
+              <a:t> </a:t>
+            </a:r>
+            <a:r>
+              <a:rPr lang="en-US" sz="1900" dirty="0"/>
+              <a:t>to</a:t>
+            </a:r>
+            <a:r>
+              <a:rPr lang="en-US" sz="1900" spc="5" dirty="0"/>
+              <a:t> </a:t>
+            </a:r>
+            <a:r>
+              <a:rPr lang="en-US" sz="1900" spc="-5" dirty="0"/>
+              <a:t>communicate</a:t>
+            </a:r>
+            <a:r>
+              <a:rPr lang="en-US" sz="1900" dirty="0"/>
+              <a:t> steps</a:t>
+            </a:r>
+            <a:r>
+              <a:rPr lang="en-US" sz="1900" spc="5" dirty="0"/>
+              <a:t> </a:t>
+            </a:r>
+            <a:r>
+              <a:rPr lang="en-US" sz="1900" dirty="0"/>
+              <a:t>to</a:t>
+            </a:r>
+            <a:r>
+              <a:rPr lang="en-US" sz="1900" spc="5" dirty="0"/>
+              <a:t> </a:t>
+            </a:r>
+            <a:r>
+              <a:rPr lang="en-US" sz="1900" dirty="0"/>
+              <a:t>others for</a:t>
+            </a:r>
+            <a:r>
+              <a:rPr lang="en-US" sz="1900" spc="10" dirty="0"/>
+              <a:t> </a:t>
+            </a:r>
+            <a:r>
+              <a:rPr lang="en-US" sz="1900" spc="-5" dirty="0"/>
+              <a:t>reproducibility</a:t>
+            </a:r>
           </a:p>
           <a:p>
             <a:pPr marL="241300" indent="-228600">
               <a:lnSpc>
-                <a:spcPct val="100000"/>
+                <a:spcPct val="90000"/>
               </a:lnSpc>
+              <a:buFont typeface="Arial" panose="020B0604020202020204" pitchFamily="34" charset="0"/>
               <a:buChar char="•"/>
               <a:tabLst>
                 <a:tab pos="240665" algn="l"/>
                 <a:tab pos="241300" algn="l"/>
               </a:tabLst>
             </a:pPr>
-            <a:r>
-              <a:rPr sz="2200" spc="-5" dirty="0">
-                <a:cs typeface="Arial"/>
-              </a:rPr>
-              <a:t>Easier</a:t>
-            </a:r>
-            <a:r>
-              <a:rPr sz="2200" spc="5" dirty="0">
-                <a:cs typeface="Arial"/>
-              </a:rPr>
-              <a:t> </a:t>
-            </a:r>
-            <a:r>
-              <a:rPr sz="2200" dirty="0">
-                <a:cs typeface="Arial"/>
-              </a:rPr>
-              <a:t>to</a:t>
-            </a:r>
-            <a:r>
-              <a:rPr sz="2200" spc="5" dirty="0">
-                <a:cs typeface="Arial"/>
-              </a:rPr>
-              <a:t> </a:t>
-            </a:r>
-            <a:r>
-              <a:rPr sz="2200" spc="-5" dirty="0">
-                <a:cs typeface="Arial"/>
-              </a:rPr>
-              <a:t>communicate</a:t>
-            </a:r>
-            <a:r>
-              <a:rPr sz="2200" dirty="0">
-                <a:cs typeface="Arial"/>
-              </a:rPr>
-              <a:t> steps</a:t>
-            </a:r>
-            <a:r>
-              <a:rPr sz="2200" spc="5" dirty="0">
-                <a:cs typeface="Arial"/>
-              </a:rPr>
-              <a:t> </a:t>
-            </a:r>
-            <a:r>
-              <a:rPr sz="2200" dirty="0">
-                <a:cs typeface="Arial"/>
-              </a:rPr>
-              <a:t>to</a:t>
-            </a:r>
-            <a:r>
-              <a:rPr sz="2200" spc="5" dirty="0">
-                <a:cs typeface="Arial"/>
-              </a:rPr>
-              <a:t> </a:t>
-            </a:r>
-            <a:r>
-              <a:rPr sz="2200" dirty="0">
-                <a:cs typeface="Arial"/>
-              </a:rPr>
-              <a:t>others for</a:t>
-            </a:r>
-            <a:r>
-              <a:rPr sz="2200" spc="10" dirty="0">
-                <a:cs typeface="Arial"/>
-              </a:rPr>
-              <a:t> </a:t>
-            </a:r>
-            <a:r>
-              <a:rPr sz="2200" spc="-5" dirty="0">
-                <a:cs typeface="Arial"/>
-              </a:rPr>
-              <a:t>reproducibility</a:t>
-            </a:r>
-            <a:endParaRPr sz="2200" dirty="0">
-              <a:cs typeface="Arial"/>
-            </a:endParaRPr>
+            <a:endParaRPr lang="en-US" sz="1900" spc="-5" dirty="0"/>
+          </a:p>
+          <a:p>
+            <a:pPr marL="241300" indent="-228600">
+              <a:lnSpc>
+                <a:spcPct val="90000"/>
+              </a:lnSpc>
+              <a:buFont typeface="Arial" panose="020B0604020202020204" pitchFamily="34" charset="0"/>
+              <a:buChar char="•"/>
+              <a:tabLst>
+                <a:tab pos="240665" algn="l"/>
+                <a:tab pos="241300" algn="l"/>
+              </a:tabLst>
+            </a:pPr>
+            <a:r>
+              <a:rPr lang="en-US" sz="1900" spc="-5" dirty="0"/>
+              <a:t>A different analyst re-performs the analysis with the same code and the same data and obtains the same result. </a:t>
+            </a:r>
+            <a:endParaRPr lang="en-US" sz="1900" dirty="0"/>
           </a:p>
         </p:txBody>
       </p:sp>
@@ -14419,9 +14631,17 @@
 </p:sld>
 </file>
 
-<file path=ppt/slides/slide16.xml><?xml version="1.0" encoding="utf-8"?>
+<file path=ppt/slides/slide15.xml><?xml version="1.0" encoding="utf-8"?>
 <p:sld xmlns:a="http://schemas.openxmlformats.org/drawingml/2006/main" xmlns:r="http://schemas.openxmlformats.org/officeDocument/2006/relationships" xmlns:p="http://schemas.openxmlformats.org/presentationml/2006/main">
   <p:cSld>
+    <p:bg>
+      <p:bgPr>
+        <a:solidFill>
+          <a:schemeClr val="bg1"/>
+        </a:solidFill>
+        <a:effectLst/>
+      </p:bgPr>
+    </p:bg>
     <p:spTree>
       <p:nvGrpSpPr>
         <p:cNvPr id="1" name=""/>
@@ -14436,6 +14656,450 @@
           <a:chExt cx="0" cy="0"/>
         </a:xfrm>
       </p:grpSpPr>
+      <p:sp useBgFill="1">
+        <p:nvSpPr>
+          <p:cNvPr id="16" name="Rectangle 15">
+            <a:extLst>
+              <a:ext uri="{FF2B5EF4-FFF2-40B4-BE49-F238E27FC236}">
+                <a16:creationId xmlns:a16="http://schemas.microsoft.com/office/drawing/2014/main" id="{BACC6370-2D7E-4714-9D71-7542949D7D5D}"/>
+              </a:ext>
+              <a:ext uri="{C183D7F6-B498-43B3-948B-1728B52AA6E4}">
+                <adec:decorative xmlns:adec="http://schemas.microsoft.com/office/drawing/2017/decorative" val="1"/>
+              </a:ext>
+            </a:extLst>
+          </p:cNvPr>
+          <p:cNvSpPr>
+            <a:spLocks noGrp="1" noRot="1" noChangeAspect="1" noMove="1" noResize="1" noEditPoints="1" noAdjustHandles="1" noChangeArrowheads="1" noChangeShapeType="1" noTextEdit="1"/>
+          </p:cNvSpPr>
+          <p:nvPr>
+            <p:extLst>
+              <p:ext uri="{386F3935-93C4-4BCD-93E2-E3B085C9AB24}">
+                <p16:designElem xmlns:p16="http://schemas.microsoft.com/office/powerpoint/2015/main" val="1"/>
+              </p:ext>
+            </p:extLst>
+          </p:nvPr>
+        </p:nvSpPr>
+        <p:spPr>
+          <a:xfrm>
+            <a:off x="0" y="0"/>
+            <a:ext cx="9144000" cy="6858000"/>
+          </a:xfrm>
+          <a:prstGeom prst="rect">
+            <a:avLst/>
+          </a:prstGeom>
+          <a:ln w="12700" cap="flat" cmpd="sng" algn="ctr">
+            <a:noFill/>
+            <a:prstDash val="solid"/>
+            <a:miter lim="800000"/>
+          </a:ln>
+          <a:effectLst/>
+          <a:extLst>
+            <a:ext uri="{91240B29-F687-4F45-9708-019B960494DF}">
+              <a14:hiddenLine xmlns:a14="http://schemas.microsoft.com/office/drawing/2010/main" w="12700" cap="flat" cmpd="sng" algn="ctr">
+                <a:solidFill>
+                  <a:schemeClr val="accent1">
+                    <a:shade val="50000"/>
+                  </a:schemeClr>
+                </a:solidFill>
+                <a:prstDash val="solid"/>
+                <a:miter lim="800000"/>
+              </a14:hiddenLine>
+            </a:ext>
+          </a:extLst>
+        </p:spPr>
+        <p:style>
+          <a:lnRef idx="2">
+            <a:schemeClr val="accent1">
+              <a:shade val="50000"/>
+            </a:schemeClr>
+          </a:lnRef>
+          <a:fillRef idx="1">
+            <a:schemeClr val="accent1"/>
+          </a:fillRef>
+          <a:effectRef idx="0">
+            <a:schemeClr val="accent1"/>
+          </a:effectRef>
+          <a:fontRef idx="minor">
+            <a:schemeClr val="lt1"/>
+          </a:fontRef>
+        </p:style>
+        <p:txBody>
+          <a:bodyPr rtlCol="0" anchor="ctr"/>
+          <a:lstStyle/>
+          <a:p>
+            <a:pPr algn="ctr"/>
+            <a:endParaRPr lang="en-US"/>
+          </a:p>
+        </p:txBody>
+      </p:sp>
+      <p:sp>
+        <p:nvSpPr>
+          <p:cNvPr id="18" name="Rectangle 17">
+            <a:extLst>
+              <a:ext uri="{FF2B5EF4-FFF2-40B4-BE49-F238E27FC236}">
+                <a16:creationId xmlns:a16="http://schemas.microsoft.com/office/drawing/2014/main" id="{F68B3F68-107C-434F-AA38-110D5EA91B85}"/>
+              </a:ext>
+              <a:ext uri="{C183D7F6-B498-43B3-948B-1728B52AA6E4}">
+                <adec:decorative xmlns:adec="http://schemas.microsoft.com/office/drawing/2017/decorative" val="1"/>
+              </a:ext>
+            </a:extLst>
+          </p:cNvPr>
+          <p:cNvSpPr>
+            <a:spLocks noGrp="1" noRot="1" noChangeAspect="1" noMove="1" noResize="1" noEditPoints="1" noAdjustHandles="1" noChangeArrowheads="1" noChangeShapeType="1" noTextEdit="1"/>
+          </p:cNvSpPr>
+          <p:nvPr>
+            <p:extLst>
+              <p:ext uri="{386F3935-93C4-4BCD-93E2-E3B085C9AB24}">
+                <p16:designElem xmlns:p16="http://schemas.microsoft.com/office/powerpoint/2015/main" val="1"/>
+              </p:ext>
+            </p:extLst>
+          </p:nvPr>
+        </p:nvSpPr>
+        <p:spPr>
+          <a:xfrm flipH="1">
+            <a:off x="1" y="0"/>
+            <a:ext cx="9143999" cy="1575955"/>
+          </a:xfrm>
+          <a:prstGeom prst="rect">
+            <a:avLst/>
+          </a:prstGeom>
+          <a:gradFill>
+            <a:gsLst>
+              <a:gs pos="0">
+                <a:srgbClr val="000000">
+                  <a:alpha val="96000"/>
+                </a:srgbClr>
+              </a:gs>
+              <a:gs pos="100000">
+                <a:schemeClr val="accent1">
+                  <a:lumMod val="75000"/>
+                </a:schemeClr>
+              </a:gs>
+            </a:gsLst>
+            <a:lin ang="8400000" scaled="0"/>
+          </a:gradFill>
+          <a:ln>
+            <a:noFill/>
+          </a:ln>
+        </p:spPr>
+        <p:style>
+          <a:lnRef idx="2">
+            <a:schemeClr val="accent1">
+              <a:shade val="50000"/>
+            </a:schemeClr>
+          </a:lnRef>
+          <a:fillRef idx="1">
+            <a:schemeClr val="accent1"/>
+          </a:fillRef>
+          <a:effectRef idx="0">
+            <a:schemeClr val="accent1"/>
+          </a:effectRef>
+          <a:fontRef idx="minor">
+            <a:schemeClr val="lt1"/>
+          </a:fontRef>
+        </p:style>
+        <p:txBody>
+          <a:bodyPr rtlCol="0" anchor="ctr"/>
+          <a:lstStyle/>
+          <a:p>
+            <a:pPr algn="ctr"/>
+            <a:endParaRPr lang="en-US"/>
+          </a:p>
+        </p:txBody>
+      </p:sp>
+      <p:sp>
+        <p:nvSpPr>
+          <p:cNvPr id="20" name="Rectangle 19">
+            <a:extLst>
+              <a:ext uri="{FF2B5EF4-FFF2-40B4-BE49-F238E27FC236}">
+                <a16:creationId xmlns:a16="http://schemas.microsoft.com/office/drawing/2014/main" id="{AAD0DBB9-1A4B-4391-81D4-CB19F9AB918A}"/>
+              </a:ext>
+              <a:ext uri="{C183D7F6-B498-43B3-948B-1728B52AA6E4}">
+                <adec:decorative xmlns:adec="http://schemas.microsoft.com/office/drawing/2017/decorative" val="1"/>
+              </a:ext>
+            </a:extLst>
+          </p:cNvPr>
+          <p:cNvSpPr>
+            <a:spLocks noGrp="1" noRot="1" noChangeAspect="1" noMove="1" noResize="1" noEditPoints="1" noAdjustHandles="1" noChangeArrowheads="1" noChangeShapeType="1" noTextEdit="1"/>
+          </p:cNvSpPr>
+          <p:nvPr>
+            <p:extLst>
+              <p:ext uri="{386F3935-93C4-4BCD-93E2-E3B085C9AB24}">
+                <p16:designElem xmlns:p16="http://schemas.microsoft.com/office/powerpoint/2015/main" val="1"/>
+              </p:ext>
+            </p:extLst>
+          </p:nvPr>
+        </p:nvSpPr>
+        <p:spPr>
+          <a:xfrm rot="10800000" flipH="1">
+            <a:off x="6096642" y="0"/>
+            <a:ext cx="3047358" cy="1576412"/>
+          </a:xfrm>
+          <a:prstGeom prst="rect">
+            <a:avLst/>
+          </a:prstGeom>
+          <a:gradFill>
+            <a:gsLst>
+              <a:gs pos="19000">
+                <a:schemeClr val="accent1">
+                  <a:lumMod val="50000"/>
+                  <a:alpha val="68000"/>
+                </a:schemeClr>
+              </a:gs>
+              <a:gs pos="100000">
+                <a:schemeClr val="accent1">
+                  <a:alpha val="79000"/>
+                </a:schemeClr>
+              </a:gs>
+            </a:gsLst>
+            <a:lin ang="19200000" scaled="0"/>
+          </a:gradFill>
+          <a:ln>
+            <a:noFill/>
+          </a:ln>
+        </p:spPr>
+        <p:style>
+          <a:lnRef idx="2">
+            <a:schemeClr val="accent1">
+              <a:shade val="50000"/>
+            </a:schemeClr>
+          </a:lnRef>
+          <a:fillRef idx="1">
+            <a:schemeClr val="accent1"/>
+          </a:fillRef>
+          <a:effectRef idx="0">
+            <a:schemeClr val="accent1"/>
+          </a:effectRef>
+          <a:fontRef idx="minor">
+            <a:schemeClr val="lt1"/>
+          </a:fontRef>
+        </p:style>
+        <p:txBody>
+          <a:bodyPr rtlCol="0" anchor="ctr"/>
+          <a:lstStyle/>
+          <a:p>
+            <a:pPr algn="ctr"/>
+            <a:endParaRPr lang="en-US"/>
+          </a:p>
+        </p:txBody>
+      </p:sp>
+      <p:sp>
+        <p:nvSpPr>
+          <p:cNvPr id="22" name="Rectangle 21">
+            <a:extLst>
+              <a:ext uri="{FF2B5EF4-FFF2-40B4-BE49-F238E27FC236}">
+                <a16:creationId xmlns:a16="http://schemas.microsoft.com/office/drawing/2014/main" id="{063BBA22-50EA-4C4D-BE05-F1CE4E63AA56}"/>
+              </a:ext>
+              <a:ext uri="{C183D7F6-B498-43B3-948B-1728B52AA6E4}">
+                <adec:decorative xmlns:adec="http://schemas.microsoft.com/office/drawing/2017/decorative" val="1"/>
+              </a:ext>
+            </a:extLst>
+          </p:cNvPr>
+          <p:cNvSpPr>
+            <a:spLocks noGrp="1" noRot="1" noChangeAspect="1" noMove="1" noResize="1" noEditPoints="1" noAdjustHandles="1" noChangeArrowheads="1" noChangeShapeType="1" noTextEdit="1"/>
+          </p:cNvSpPr>
+          <p:nvPr>
+            <p:extLst>
+              <p:ext uri="{386F3935-93C4-4BCD-93E2-E3B085C9AB24}">
+                <p16:designElem xmlns:p16="http://schemas.microsoft.com/office/powerpoint/2015/main" val="1"/>
+              </p:ext>
+            </p:extLst>
+          </p:nvPr>
+        </p:nvSpPr>
+        <p:spPr>
+          <a:xfrm rot="5400000">
+            <a:off x="3783777" y="-3783778"/>
+            <a:ext cx="1576446" cy="9144002"/>
+          </a:xfrm>
+          <a:prstGeom prst="rect">
+            <a:avLst/>
+          </a:prstGeom>
+          <a:gradFill>
+            <a:gsLst>
+              <a:gs pos="23000">
+                <a:schemeClr val="accent1">
+                  <a:alpha val="0"/>
+                </a:schemeClr>
+              </a:gs>
+              <a:gs pos="99000">
+                <a:srgbClr val="000000">
+                  <a:alpha val="74000"/>
+                </a:srgbClr>
+              </a:gs>
+            </a:gsLst>
+            <a:lin ang="20400000" scaled="0"/>
+          </a:gradFill>
+          <a:ln>
+            <a:noFill/>
+          </a:ln>
+        </p:spPr>
+        <p:style>
+          <a:lnRef idx="2">
+            <a:schemeClr val="accent1">
+              <a:shade val="50000"/>
+            </a:schemeClr>
+          </a:lnRef>
+          <a:fillRef idx="1">
+            <a:schemeClr val="accent1"/>
+          </a:fillRef>
+          <a:effectRef idx="0">
+            <a:schemeClr val="accent1"/>
+          </a:effectRef>
+          <a:fontRef idx="minor">
+            <a:schemeClr val="lt1"/>
+          </a:fontRef>
+        </p:style>
+        <p:txBody>
+          <a:bodyPr rtlCol="0" anchor="ctr"/>
+          <a:lstStyle/>
+          <a:p>
+            <a:pPr algn="ctr"/>
+            <a:endParaRPr lang="en-US" dirty="0"/>
+          </a:p>
+        </p:txBody>
+      </p:sp>
+      <p:sp>
+        <p:nvSpPr>
+          <p:cNvPr id="11" name="object 2">
+            <a:extLst>
+              <a:ext uri="{FF2B5EF4-FFF2-40B4-BE49-F238E27FC236}">
+                <a16:creationId xmlns:a16="http://schemas.microsoft.com/office/drawing/2014/main" id="{E5FCDC3E-6ABD-424C-8F2E-EB191B77395C}"/>
+              </a:ext>
+            </a:extLst>
+          </p:cNvPr>
+          <p:cNvSpPr txBox="1">
+            <a:spLocks/>
+          </p:cNvSpPr>
+          <p:nvPr/>
+        </p:nvSpPr>
+        <p:spPr>
+          <a:xfrm>
+            <a:off x="1028697" y="348865"/>
+            <a:ext cx="7533018" cy="877729"/>
+          </a:xfrm>
+          <a:prstGeom prst="rect">
+            <a:avLst/>
+          </a:prstGeom>
+        </p:spPr>
+        <p:txBody>
+          <a:bodyPr vert="horz" lIns="91440" tIns="45720" rIns="91440" bIns="45720" rtlCol="0" anchor="ctr">
+            <a:normAutofit/>
+          </a:bodyPr>
+          <a:lstStyle>
+            <a:lvl1pPr>
+              <a:defRPr sz="3600" b="1" i="0">
+                <a:solidFill>
+                  <a:schemeClr val="tx1"/>
+                </a:solidFill>
+                <a:latin typeface="Arial"/>
+                <a:ea typeface="+mj-ea"/>
+                <a:cs typeface="Arial"/>
+              </a:defRPr>
+            </a:lvl1pPr>
+          </a:lstStyle>
+          <a:p>
+            <a:pPr marL="12700">
+              <a:lnSpc>
+                <a:spcPct val="90000"/>
+              </a:lnSpc>
+              <a:spcBef>
+                <a:spcPct val="0"/>
+              </a:spcBef>
+              <a:spcAft>
+                <a:spcPts val="600"/>
+              </a:spcAft>
+            </a:pPr>
+            <a:r>
+              <a:rPr lang="en-US" sz="3500" kern="1200" spc="-50">
+                <a:solidFill>
+                  <a:srgbClr val="FFFFFF"/>
+                </a:solidFill>
+                <a:latin typeface="+mj-lt"/>
+                <a:ea typeface="+mj-ea"/>
+                <a:cs typeface="+mj-cs"/>
+              </a:rPr>
+              <a:t>Topics</a:t>
+            </a:r>
+            <a:r>
+              <a:rPr lang="en-US" sz="3500" kern="1200" spc="-25">
+                <a:solidFill>
+                  <a:srgbClr val="FFFFFF"/>
+                </a:solidFill>
+                <a:latin typeface="+mj-lt"/>
+                <a:ea typeface="+mj-ea"/>
+                <a:cs typeface="+mj-cs"/>
+              </a:rPr>
+              <a:t> </a:t>
+            </a:r>
+            <a:r>
+              <a:rPr lang="en-US" sz="3500" kern="1200">
+                <a:solidFill>
+                  <a:srgbClr val="FFFFFF"/>
+                </a:solidFill>
+                <a:latin typeface="+mj-lt"/>
+                <a:ea typeface="+mj-ea"/>
+                <a:cs typeface="+mj-cs"/>
+              </a:rPr>
+              <a:t>we</a:t>
+            </a:r>
+            <a:r>
+              <a:rPr lang="en-US" sz="3500" kern="1200" spc="-20">
+                <a:solidFill>
+                  <a:srgbClr val="FFFFFF"/>
+                </a:solidFill>
+                <a:latin typeface="+mj-lt"/>
+                <a:ea typeface="+mj-ea"/>
+                <a:cs typeface="+mj-cs"/>
+              </a:rPr>
+              <a:t> </a:t>
+            </a:r>
+            <a:r>
+              <a:rPr lang="en-US" sz="3500" kern="1200">
+                <a:solidFill>
+                  <a:srgbClr val="FFFFFF"/>
+                </a:solidFill>
+                <a:latin typeface="+mj-lt"/>
+                <a:ea typeface="+mj-ea"/>
+                <a:cs typeface="+mj-cs"/>
+              </a:rPr>
+              <a:t>will</a:t>
+            </a:r>
+            <a:r>
+              <a:rPr lang="en-US" sz="3500" kern="1200" spc="-15">
+                <a:solidFill>
+                  <a:srgbClr val="FFFFFF"/>
+                </a:solidFill>
+                <a:latin typeface="+mj-lt"/>
+                <a:ea typeface="+mj-ea"/>
+                <a:cs typeface="+mj-cs"/>
+              </a:rPr>
+              <a:t> </a:t>
+            </a:r>
+            <a:r>
+              <a:rPr lang="en-US" sz="3500" kern="1200" spc="-5">
+                <a:solidFill>
+                  <a:srgbClr val="FFFFFF"/>
+                </a:solidFill>
+                <a:latin typeface="+mj-lt"/>
+                <a:ea typeface="+mj-ea"/>
+                <a:cs typeface="+mj-cs"/>
+              </a:rPr>
+              <a:t>cover</a:t>
+            </a:r>
+            <a:r>
+              <a:rPr lang="en-US" sz="3500" kern="1200">
+                <a:solidFill>
+                  <a:srgbClr val="FFFFFF"/>
+                </a:solidFill>
+                <a:latin typeface="+mj-lt"/>
+                <a:ea typeface="+mj-ea"/>
+                <a:cs typeface="+mj-cs"/>
+              </a:rPr>
+              <a:t>:</a:t>
+            </a:r>
+          </a:p>
+        </p:txBody>
+      </p:sp>
       <p:sp>
         <p:nvSpPr>
           <p:cNvPr id="4" name="object 3">
@@ -14450,8 +15114,8 @@
         </p:nvSpPr>
         <p:spPr>
           <a:xfrm>
-            <a:off x="707390" y="1878583"/>
-            <a:ext cx="4000500" cy="452120"/>
+            <a:off x="483042" y="2447792"/>
+            <a:ext cx="4011965" cy="453416"/>
           </a:xfrm>
           <a:prstGeom prst="rect">
             <a:avLst/>
@@ -14464,9 +15128,6 @@
           <a:lstStyle/>
           <a:p>
             <a:pPr marL="241300" indent="-228600">
-              <a:lnSpc>
-                <a:spcPct val="100000"/>
-              </a:lnSpc>
               <a:spcBef>
                 <a:spcPts val="100"/>
               </a:spcBef>
@@ -14476,145 +15137,229 @@
               </a:tabLst>
             </a:pPr>
             <a:r>
-              <a:rPr sz="2800" spc="-40" dirty="0">
-                <a:latin typeface="+mj-lt"/>
+              <a:rPr lang="en-US" sz="2800" kern="1200" spc="-40">
+                <a:solidFill>
+                  <a:schemeClr val="tx1"/>
+                </a:solidFill>
+                <a:latin typeface="+mj-lt"/>
+                <a:ea typeface="+mn-ea"/>
                 <a:cs typeface="Arial"/>
               </a:rPr>
               <a:t>Ho</a:t>
             </a:r>
             <a:r>
-              <a:rPr sz="2800" dirty="0">
-                <a:latin typeface="+mj-lt"/>
+              <a:rPr lang="en-US" sz="2800" kern="1200">
+                <a:solidFill>
+                  <a:schemeClr val="tx1"/>
+                </a:solidFill>
+                <a:latin typeface="+mj-lt"/>
+                <a:ea typeface="+mn-ea"/>
                 <a:cs typeface="Arial"/>
               </a:rPr>
               <a:t>w</a:t>
             </a:r>
             <a:r>
-              <a:rPr sz="2800" spc="-180" dirty="0">
-                <a:latin typeface="+mj-lt"/>
-                <a:cs typeface="Arial"/>
-              </a:rPr>
-              <a:t> </a:t>
-            </a:r>
-            <a:r>
-              <a:rPr sz="2800" spc="-35" dirty="0">
-                <a:latin typeface="+mj-lt"/>
+              <a:rPr lang="en-US" sz="2800" kern="1200" spc="-180">
+                <a:solidFill>
+                  <a:schemeClr val="tx1"/>
+                </a:solidFill>
+                <a:latin typeface="+mj-lt"/>
+                <a:ea typeface="+mn-ea"/>
+                <a:cs typeface="Arial"/>
+              </a:rPr>
+              <a:t> </a:t>
+            </a:r>
+            <a:r>
+              <a:rPr lang="en-US" sz="2800" kern="1200" spc="-35">
+                <a:solidFill>
+                  <a:schemeClr val="tx1"/>
+                </a:solidFill>
+                <a:latin typeface="+mj-lt"/>
+                <a:ea typeface="+mn-ea"/>
                 <a:cs typeface="Arial"/>
               </a:rPr>
               <a:t>t</a:t>
             </a:r>
             <a:r>
-              <a:rPr sz="2800" dirty="0">
-                <a:latin typeface="+mj-lt"/>
+              <a:rPr lang="en-US" sz="2800" kern="1200">
+                <a:solidFill>
+                  <a:schemeClr val="tx1"/>
+                </a:solidFill>
+                <a:latin typeface="+mj-lt"/>
+                <a:ea typeface="+mn-ea"/>
                 <a:cs typeface="Arial"/>
               </a:rPr>
               <a:t>o</a:t>
             </a:r>
             <a:r>
-              <a:rPr sz="2800" spc="-165" dirty="0">
-                <a:latin typeface="+mj-lt"/>
-                <a:cs typeface="Arial"/>
-              </a:rPr>
-              <a:t> </a:t>
-            </a:r>
-            <a:r>
-              <a:rPr sz="2800" spc="-50" dirty="0">
-                <a:latin typeface="+mj-lt"/>
+              <a:rPr lang="en-US" sz="2800" kern="1200" spc="-165">
+                <a:solidFill>
+                  <a:schemeClr val="tx1"/>
+                </a:solidFill>
+                <a:latin typeface="+mj-lt"/>
+                <a:ea typeface="+mn-ea"/>
+                <a:cs typeface="Arial"/>
+              </a:rPr>
+              <a:t> </a:t>
+            </a:r>
+            <a:r>
+              <a:rPr lang="en-US" sz="2800" kern="1200" spc="-50">
+                <a:solidFill>
+                  <a:schemeClr val="tx1"/>
+                </a:solidFill>
+                <a:latin typeface="+mj-lt"/>
+                <a:ea typeface="+mn-ea"/>
                 <a:cs typeface="Arial"/>
               </a:rPr>
               <a:t>a</a:t>
             </a:r>
             <a:r>
-              <a:rPr sz="2800" spc="-60" dirty="0">
-                <a:latin typeface="+mj-lt"/>
+              <a:rPr lang="en-US" sz="2800" kern="1200" spc="-60">
+                <a:solidFill>
+                  <a:schemeClr val="tx1"/>
+                </a:solidFill>
+                <a:latin typeface="+mj-lt"/>
+                <a:ea typeface="+mn-ea"/>
                 <a:cs typeface="Arial"/>
               </a:rPr>
               <a:t>c</a:t>
             </a:r>
             <a:r>
-              <a:rPr sz="2800" spc="-55" dirty="0">
-                <a:latin typeface="+mj-lt"/>
+              <a:rPr lang="en-US" sz="2800" kern="1200" spc="-55">
+                <a:solidFill>
+                  <a:schemeClr val="tx1"/>
+                </a:solidFill>
+                <a:latin typeface="+mj-lt"/>
+                <a:ea typeface="+mn-ea"/>
                 <a:cs typeface="Arial"/>
               </a:rPr>
               <a:t>c</a:t>
             </a:r>
             <a:r>
-              <a:rPr sz="2800" spc="-50" dirty="0">
-                <a:latin typeface="+mj-lt"/>
+              <a:rPr lang="en-US" sz="2800" kern="1200" spc="-50">
+                <a:solidFill>
+                  <a:schemeClr val="tx1"/>
+                </a:solidFill>
+                <a:latin typeface="+mj-lt"/>
+                <a:ea typeface="+mn-ea"/>
                 <a:cs typeface="Arial"/>
               </a:rPr>
               <a:t>e</a:t>
             </a:r>
             <a:r>
-              <a:rPr sz="2800" spc="-60" dirty="0">
-                <a:latin typeface="+mj-lt"/>
+              <a:rPr lang="en-US" sz="2800" kern="1200" spc="-60">
+                <a:solidFill>
+                  <a:schemeClr val="tx1"/>
+                </a:solidFill>
+                <a:latin typeface="+mj-lt"/>
+                <a:ea typeface="+mn-ea"/>
                 <a:cs typeface="Arial"/>
               </a:rPr>
               <a:t>s</a:t>
             </a:r>
             <a:r>
-              <a:rPr sz="2800" dirty="0">
-                <a:latin typeface="+mj-lt"/>
+              <a:rPr lang="en-US" sz="2800" kern="1200">
+                <a:solidFill>
+                  <a:schemeClr val="tx1"/>
+                </a:solidFill>
+                <a:latin typeface="+mj-lt"/>
+                <a:ea typeface="+mn-ea"/>
                 <a:cs typeface="Arial"/>
               </a:rPr>
               <a:t>s</a:t>
             </a:r>
             <a:r>
-              <a:rPr sz="2800" spc="-190" dirty="0">
-                <a:latin typeface="+mj-lt"/>
-                <a:cs typeface="Arial"/>
-              </a:rPr>
-              <a:t> </a:t>
-            </a:r>
-            <a:r>
-              <a:rPr sz="2800" spc="-50" dirty="0">
-                <a:latin typeface="+mj-lt"/>
+              <a:rPr lang="en-US" sz="2800" kern="1200" spc="-190">
+                <a:solidFill>
+                  <a:schemeClr val="tx1"/>
+                </a:solidFill>
+                <a:latin typeface="+mj-lt"/>
+                <a:ea typeface="+mn-ea"/>
+                <a:cs typeface="Arial"/>
+              </a:rPr>
+              <a:t> </a:t>
+            </a:r>
+            <a:r>
+              <a:rPr lang="en-US" sz="2800" kern="1200" spc="-50">
+                <a:solidFill>
+                  <a:schemeClr val="tx1"/>
+                </a:solidFill>
+                <a:latin typeface="+mj-lt"/>
+                <a:ea typeface="+mn-ea"/>
                 <a:cs typeface="Arial"/>
               </a:rPr>
               <a:t>y</a:t>
             </a:r>
             <a:r>
-              <a:rPr sz="2800" spc="-45" dirty="0">
-                <a:latin typeface="+mj-lt"/>
+              <a:rPr lang="en-US" sz="2800" kern="1200" spc="-45">
+                <a:solidFill>
+                  <a:schemeClr val="tx1"/>
+                </a:solidFill>
+                <a:latin typeface="+mj-lt"/>
+                <a:ea typeface="+mn-ea"/>
                 <a:cs typeface="Arial"/>
               </a:rPr>
               <a:t>ou</a:t>
             </a:r>
             <a:r>
-              <a:rPr sz="2800" dirty="0">
-                <a:latin typeface="+mj-lt"/>
+              <a:rPr lang="en-US" sz="2800" kern="1200">
+                <a:solidFill>
+                  <a:schemeClr val="tx1"/>
+                </a:solidFill>
+                <a:latin typeface="+mj-lt"/>
+                <a:ea typeface="+mn-ea"/>
                 <a:cs typeface="Arial"/>
               </a:rPr>
               <a:t>r</a:t>
             </a:r>
             <a:r>
-              <a:rPr sz="2800" spc="-180" dirty="0">
-                <a:latin typeface="+mj-lt"/>
-                <a:cs typeface="Arial"/>
-              </a:rPr>
-              <a:t> </a:t>
-            </a:r>
-            <a:r>
-              <a:rPr sz="2800" spc="-70" dirty="0">
-                <a:latin typeface="+mj-lt"/>
+              <a:rPr lang="en-US" sz="2800" kern="1200" spc="-180">
+                <a:solidFill>
+                  <a:schemeClr val="tx1"/>
+                </a:solidFill>
+                <a:latin typeface="+mj-lt"/>
+                <a:ea typeface="+mn-ea"/>
+                <a:cs typeface="Arial"/>
+              </a:rPr>
+              <a:t> </a:t>
+            </a:r>
+            <a:r>
+              <a:rPr lang="en-US" sz="2800" kern="1200" spc="-70">
+                <a:solidFill>
+                  <a:schemeClr val="tx1"/>
+                </a:solidFill>
+                <a:latin typeface="+mj-lt"/>
+                <a:ea typeface="+mn-ea"/>
                 <a:cs typeface="Arial"/>
               </a:rPr>
               <a:t>s</a:t>
             </a:r>
             <a:r>
-              <a:rPr sz="2800" spc="-65" dirty="0">
-                <a:latin typeface="+mj-lt"/>
+              <a:rPr lang="en-US" sz="2800" kern="1200" spc="-65">
+                <a:solidFill>
+                  <a:schemeClr val="tx1"/>
+                </a:solidFill>
+                <a:latin typeface="+mj-lt"/>
+                <a:ea typeface="+mn-ea"/>
                 <a:cs typeface="Arial"/>
               </a:rPr>
               <a:t>hel</a:t>
             </a:r>
             <a:r>
-              <a:rPr sz="2800" dirty="0">
-                <a:latin typeface="+mj-lt"/>
+              <a:rPr lang="en-US" sz="2800" kern="1200">
+                <a:solidFill>
+                  <a:schemeClr val="tx1"/>
+                </a:solidFill>
+                <a:latin typeface="+mj-lt"/>
+                <a:ea typeface="+mn-ea"/>
                 <a:cs typeface="Arial"/>
               </a:rPr>
               <a:t>l</a:t>
             </a:r>
+            <a:endParaRPr lang="en-US" sz="2800">
+              <a:latin typeface="+mj-lt"/>
+              <a:cs typeface="Arial"/>
+            </a:endParaRPr>
           </a:p>
         </p:txBody>
       </p:sp>
@@ -14632,8 +15377,8 @@
         </p:nvSpPr>
         <p:spPr>
           <a:xfrm>
-            <a:off x="707390" y="4938775"/>
-            <a:ext cx="4344670" cy="452120"/>
+            <a:off x="483042" y="5516754"/>
+            <a:ext cx="4357122" cy="453416"/>
           </a:xfrm>
           <a:prstGeom prst="rect">
             <a:avLst/>
@@ -14646,9 +15391,6 @@
           <a:lstStyle/>
           <a:p>
             <a:pPr marL="241300" indent="-228600">
-              <a:lnSpc>
-                <a:spcPct val="100000"/>
-              </a:lnSpc>
               <a:spcBef>
                 <a:spcPts val="100"/>
               </a:spcBef>
@@ -14658,153 +15400,237 @@
               </a:tabLst>
             </a:pPr>
             <a:r>
-              <a:rPr sz="2800" spc="-55" dirty="0">
-                <a:latin typeface="+mj-lt"/>
+              <a:rPr lang="en-US" sz="2800" kern="1200" spc="-55">
+                <a:solidFill>
+                  <a:schemeClr val="tx1"/>
+                </a:solidFill>
+                <a:latin typeface="+mj-lt"/>
+                <a:ea typeface="+mn-ea"/>
                 <a:cs typeface="Arial"/>
               </a:rPr>
               <a:t>R</a:t>
             </a:r>
             <a:r>
-              <a:rPr sz="2800" spc="-50" dirty="0">
-                <a:latin typeface="+mj-lt"/>
+              <a:rPr lang="en-US" sz="2800" kern="1200" spc="-50">
+                <a:solidFill>
+                  <a:schemeClr val="tx1"/>
+                </a:solidFill>
+                <a:latin typeface="+mj-lt"/>
+                <a:ea typeface="+mn-ea"/>
                 <a:cs typeface="Arial"/>
               </a:rPr>
               <a:t>emo</a:t>
             </a:r>
             <a:r>
-              <a:rPr sz="2800" spc="-60" dirty="0">
-                <a:latin typeface="+mj-lt"/>
+              <a:rPr lang="en-US" sz="2800" kern="1200" spc="-60">
+                <a:solidFill>
+                  <a:schemeClr val="tx1"/>
+                </a:solidFill>
+                <a:latin typeface="+mj-lt"/>
+                <a:ea typeface="+mn-ea"/>
                 <a:cs typeface="Arial"/>
               </a:rPr>
               <a:t>t</a:t>
             </a:r>
             <a:r>
-              <a:rPr sz="2800" dirty="0">
-                <a:latin typeface="+mj-lt"/>
+              <a:rPr lang="en-US" sz="2800" kern="1200">
+                <a:solidFill>
+                  <a:schemeClr val="tx1"/>
+                </a:solidFill>
+                <a:latin typeface="+mj-lt"/>
+                <a:ea typeface="+mn-ea"/>
                 <a:cs typeface="Arial"/>
               </a:rPr>
               <a:t>e</a:t>
             </a:r>
             <a:r>
-              <a:rPr sz="2800" spc="-204" dirty="0">
-                <a:latin typeface="+mj-lt"/>
-                <a:cs typeface="Arial"/>
-              </a:rPr>
-              <a:t> </a:t>
-            </a:r>
-            <a:r>
-              <a:rPr sz="2800" spc="-75" dirty="0">
-                <a:latin typeface="+mj-lt"/>
+              <a:rPr lang="en-US" sz="2800" kern="1200" spc="-204">
+                <a:solidFill>
+                  <a:schemeClr val="tx1"/>
+                </a:solidFill>
+                <a:latin typeface="+mj-lt"/>
+                <a:ea typeface="+mn-ea"/>
+                <a:cs typeface="Arial"/>
+              </a:rPr>
+              <a:t> </a:t>
+            </a:r>
+            <a:r>
+              <a:rPr lang="en-US" sz="2800" kern="1200" spc="-75">
+                <a:solidFill>
+                  <a:schemeClr val="tx1"/>
+                </a:solidFill>
+                <a:latin typeface="+mj-lt"/>
+                <a:ea typeface="+mn-ea"/>
                 <a:cs typeface="Arial"/>
               </a:rPr>
               <a:t>S</a:t>
             </a:r>
             <a:r>
-              <a:rPr sz="2800" spc="-60" dirty="0">
-                <a:latin typeface="+mj-lt"/>
+              <a:rPr lang="en-US" sz="2800" kern="1200" spc="-60">
+                <a:solidFill>
+                  <a:schemeClr val="tx1"/>
+                </a:solidFill>
+                <a:latin typeface="+mj-lt"/>
+                <a:ea typeface="+mn-ea"/>
                 <a:cs typeface="Arial"/>
               </a:rPr>
               <a:t>er</a:t>
             </a:r>
             <a:r>
-              <a:rPr sz="2800" spc="-70" dirty="0">
-                <a:latin typeface="+mj-lt"/>
+              <a:rPr lang="en-US" sz="2800" kern="1200" spc="-70">
+                <a:solidFill>
+                  <a:schemeClr val="tx1"/>
+                </a:solidFill>
+                <a:latin typeface="+mj-lt"/>
+                <a:ea typeface="+mn-ea"/>
                 <a:cs typeface="Arial"/>
               </a:rPr>
               <a:t>v</a:t>
             </a:r>
             <a:r>
-              <a:rPr sz="2800" spc="-65" dirty="0">
-                <a:latin typeface="+mj-lt"/>
+              <a:rPr lang="en-US" sz="2800" kern="1200" spc="-65">
+                <a:solidFill>
+                  <a:schemeClr val="tx1"/>
+                </a:solidFill>
+                <a:latin typeface="+mj-lt"/>
+                <a:ea typeface="+mn-ea"/>
                 <a:cs typeface="Arial"/>
               </a:rPr>
               <a:t>e</a:t>
             </a:r>
             <a:r>
-              <a:rPr sz="2800" spc="-60" dirty="0">
-                <a:latin typeface="+mj-lt"/>
+              <a:rPr lang="en-US" sz="2800" kern="1200" spc="-60">
+                <a:solidFill>
+                  <a:schemeClr val="tx1"/>
+                </a:solidFill>
+                <a:latin typeface="+mj-lt"/>
+                <a:ea typeface="+mn-ea"/>
                 <a:cs typeface="Arial"/>
               </a:rPr>
               <a:t>r</a:t>
             </a:r>
             <a:r>
-              <a:rPr sz="2800" dirty="0">
-                <a:latin typeface="+mj-lt"/>
+              <a:rPr lang="en-US" sz="2800" kern="1200">
+                <a:solidFill>
+                  <a:schemeClr val="tx1"/>
+                </a:solidFill>
+                <a:latin typeface="+mj-lt"/>
+                <a:ea typeface="+mn-ea"/>
                 <a:cs typeface="Arial"/>
               </a:rPr>
               <a:t>s</a:t>
             </a:r>
             <a:r>
-              <a:rPr sz="2800" spc="-135" dirty="0">
-                <a:latin typeface="+mj-lt"/>
-                <a:cs typeface="Arial"/>
-              </a:rPr>
-              <a:t> </a:t>
-            </a:r>
-            <a:r>
-              <a:rPr sz="2800" dirty="0">
-                <a:latin typeface="+mj-lt"/>
+              <a:rPr lang="en-US" sz="2800" kern="1200" spc="-135">
+                <a:solidFill>
+                  <a:schemeClr val="tx1"/>
+                </a:solidFill>
+                <a:latin typeface="+mj-lt"/>
+                <a:ea typeface="+mn-ea"/>
+                <a:cs typeface="Arial"/>
+              </a:rPr>
+              <a:t> </a:t>
+            </a:r>
+            <a:r>
+              <a:rPr lang="en-US" sz="2800" kern="1200">
+                <a:solidFill>
+                  <a:schemeClr val="tx1"/>
+                </a:solidFill>
+                <a:latin typeface="+mj-lt"/>
+                <a:ea typeface="+mn-ea"/>
                 <a:cs typeface="Arial"/>
               </a:rPr>
               <a:t>&amp;</a:t>
             </a:r>
             <a:r>
-              <a:rPr sz="2800" spc="-140" dirty="0">
-                <a:latin typeface="+mj-lt"/>
-                <a:cs typeface="Arial"/>
-              </a:rPr>
-              <a:t> </a:t>
-            </a:r>
-            <a:r>
-              <a:rPr sz="2800" spc="-75" dirty="0">
-                <a:latin typeface="+mj-lt"/>
+              <a:rPr lang="en-US" sz="2800" kern="1200" spc="-140">
+                <a:solidFill>
+                  <a:schemeClr val="tx1"/>
+                </a:solidFill>
+                <a:latin typeface="+mj-lt"/>
+                <a:ea typeface="+mn-ea"/>
+                <a:cs typeface="Arial"/>
+              </a:rPr>
+              <a:t> </a:t>
+            </a:r>
+            <a:r>
+              <a:rPr lang="en-US" sz="2800" kern="1200" spc="-75">
+                <a:solidFill>
+                  <a:schemeClr val="tx1"/>
+                </a:solidFill>
+                <a:latin typeface="+mj-lt"/>
+                <a:ea typeface="+mn-ea"/>
                 <a:cs typeface="Arial"/>
               </a:rPr>
               <a:t>B</a:t>
             </a:r>
             <a:r>
-              <a:rPr sz="2800" spc="-60" dirty="0">
-                <a:latin typeface="+mj-lt"/>
+              <a:rPr lang="en-US" sz="2800" kern="1200" spc="-60">
+                <a:solidFill>
+                  <a:schemeClr val="tx1"/>
+                </a:solidFill>
+                <a:latin typeface="+mj-lt"/>
+                <a:ea typeface="+mn-ea"/>
                 <a:cs typeface="Arial"/>
               </a:rPr>
               <a:t>e</a:t>
             </a:r>
             <a:r>
-              <a:rPr sz="2800" spc="-65" dirty="0">
-                <a:latin typeface="+mj-lt"/>
+              <a:rPr lang="en-US" sz="2800" kern="1200" spc="-65">
+                <a:solidFill>
+                  <a:schemeClr val="tx1"/>
+                </a:solidFill>
+                <a:latin typeface="+mj-lt"/>
+                <a:ea typeface="+mn-ea"/>
                 <a:cs typeface="Arial"/>
               </a:rPr>
               <a:t>ne</a:t>
             </a:r>
             <a:r>
-              <a:rPr sz="2800" spc="-70" dirty="0">
-                <a:latin typeface="+mj-lt"/>
+              <a:rPr lang="en-US" sz="2800" kern="1200" spc="-70">
+                <a:solidFill>
+                  <a:schemeClr val="tx1"/>
+                </a:solidFill>
+                <a:latin typeface="+mj-lt"/>
+                <a:ea typeface="+mn-ea"/>
                 <a:cs typeface="Arial"/>
               </a:rPr>
               <a:t>f</a:t>
             </a:r>
             <a:r>
-              <a:rPr sz="2800" spc="-65" dirty="0">
-                <a:latin typeface="+mj-lt"/>
+              <a:rPr lang="en-US" sz="2800" kern="1200" spc="-65">
+                <a:solidFill>
+                  <a:schemeClr val="tx1"/>
+                </a:solidFill>
+                <a:latin typeface="+mj-lt"/>
+                <a:ea typeface="+mn-ea"/>
                 <a:cs typeface="Arial"/>
               </a:rPr>
               <a:t>i</a:t>
             </a:r>
             <a:r>
-              <a:rPr sz="2800" spc="-70" dirty="0">
-                <a:latin typeface="+mj-lt"/>
+              <a:rPr lang="en-US" sz="2800" kern="1200" spc="-70">
+                <a:solidFill>
+                  <a:schemeClr val="tx1"/>
+                </a:solidFill>
+                <a:latin typeface="+mj-lt"/>
+                <a:ea typeface="+mn-ea"/>
                 <a:cs typeface="Arial"/>
               </a:rPr>
               <a:t>t</a:t>
             </a:r>
             <a:r>
-              <a:rPr sz="2800" dirty="0">
-                <a:latin typeface="+mj-lt"/>
+              <a:rPr lang="en-US" sz="2800" kern="1200">
+                <a:solidFill>
+                  <a:schemeClr val="tx1"/>
+                </a:solidFill>
+                <a:latin typeface="+mj-lt"/>
+                <a:ea typeface="+mn-ea"/>
                 <a:cs typeface="Arial"/>
               </a:rPr>
               <a:t>s</a:t>
             </a:r>
-            <a:endParaRPr sz="2800">
+            <a:endParaRPr lang="en-US" sz="2800">
               <a:latin typeface="+mj-lt"/>
               <a:cs typeface="Arial"/>
             </a:endParaRPr>
@@ -14831,113 +15657,14 @@
         </p:blipFill>
         <p:spPr>
           <a:xfrm>
-            <a:off x="4707890" y="2226736"/>
-            <a:ext cx="4171949" cy="2247503"/>
+            <a:off x="4495007" y="2796943"/>
+            <a:ext cx="4183906" cy="2253944"/>
           </a:xfrm>
           <a:prstGeom prst="rect">
             <a:avLst/>
           </a:prstGeom>
         </p:spPr>
       </p:pic>
-      <p:sp>
-        <p:nvSpPr>
-          <p:cNvPr id="11" name="object 2">
-            <a:extLst>
-              <a:ext uri="{FF2B5EF4-FFF2-40B4-BE49-F238E27FC236}">
-                <a16:creationId xmlns:a16="http://schemas.microsoft.com/office/drawing/2014/main" id="{E5FCDC3E-6ABD-424C-8F2E-EB191B77395C}"/>
-              </a:ext>
-            </a:extLst>
-          </p:cNvPr>
-          <p:cNvSpPr txBox="1">
-            <a:spLocks/>
-          </p:cNvSpPr>
-          <p:nvPr/>
-        </p:nvSpPr>
-        <p:spPr>
-          <a:xfrm>
-            <a:off x="1769554" y="703579"/>
-            <a:ext cx="5606415" cy="574040"/>
-          </a:xfrm>
-          <a:prstGeom prst="rect">
-            <a:avLst/>
-          </a:prstGeom>
-        </p:spPr>
-        <p:txBody>
-          <a:bodyPr vert="horz" wrap="square" lIns="0" tIns="12700" rIns="0" bIns="0" rtlCol="0">
-            <a:spAutoFit/>
-          </a:bodyPr>
-          <a:lstStyle>
-            <a:lvl1pPr>
-              <a:defRPr sz="3600" b="1" i="0">
-                <a:solidFill>
-                  <a:schemeClr val="tx1"/>
-                </a:solidFill>
-                <a:latin typeface="Arial"/>
-                <a:ea typeface="+mj-ea"/>
-                <a:cs typeface="Arial"/>
-              </a:defRPr>
-            </a:lvl1pPr>
-          </a:lstStyle>
-          <a:p>
-            <a:pPr marL="12700" algn="ctr">
-              <a:spcBef>
-                <a:spcPts val="100"/>
-              </a:spcBef>
-            </a:pPr>
-            <a:r>
-              <a:rPr lang="en-US" kern="0" spc="-50">
-                <a:latin typeface="+mj-lt"/>
-              </a:rPr>
-              <a:t>Topics</a:t>
-            </a:r>
-            <a:r>
-              <a:rPr lang="en-US" kern="0" spc="-25">
-                <a:latin typeface="+mj-lt"/>
-              </a:rPr>
-              <a:t> </a:t>
-            </a:r>
-            <a:r>
-              <a:rPr lang="en-US" kern="0">
-                <a:latin typeface="+mj-lt"/>
-              </a:rPr>
-              <a:t>we</a:t>
-            </a:r>
-            <a:r>
-              <a:rPr lang="en-US" kern="0" spc="-20">
-                <a:latin typeface="+mj-lt"/>
-              </a:rPr>
-              <a:t> </a:t>
-            </a:r>
-            <a:r>
-              <a:rPr lang="en-US" kern="0">
-                <a:latin typeface="+mj-lt"/>
-              </a:rPr>
-              <a:t>will</a:t>
-            </a:r>
-            <a:r>
-              <a:rPr lang="en-US" kern="0" spc="-15">
-                <a:latin typeface="+mj-lt"/>
-              </a:rPr>
-              <a:t> </a:t>
-            </a:r>
-            <a:r>
-              <a:rPr lang="en-US" kern="0" spc="-5">
-                <a:latin typeface="+mj-lt"/>
-              </a:rPr>
-              <a:t>cover</a:t>
-            </a:r>
-            <a:r>
-              <a:rPr lang="en-US" kern="0">
-                <a:latin typeface="+mj-lt"/>
-              </a:rPr>
-              <a:t>:</a:t>
-            </a:r>
-            <a:endParaRPr lang="en-US" kern="0" dirty="0">
-              <a:latin typeface="+mj-lt"/>
-            </a:endParaRPr>
-          </a:p>
-        </p:txBody>
-      </p:sp>
     </p:spTree>
     <p:extLst>
       <p:ext uri="{BB962C8B-B14F-4D97-AF65-F5344CB8AC3E}">
@@ -14951,9 +15678,17 @@
 </p:sld>
 </file>
 
-<file path=ppt/slides/slide17.xml><?xml version="1.0" encoding="utf-8"?>
-<p:sld xmlns:a="http://schemas.openxmlformats.org/drawingml/2006/main" xmlns:r="http://schemas.openxmlformats.org/officeDocument/2006/relationships" xmlns:p="http://schemas.openxmlformats.org/presentationml/2006/main" showMasterSp="0">
+<file path=ppt/slides/slide16.xml><?xml version="1.0" encoding="utf-8"?>
+<p:sld xmlns:a="http://schemas.openxmlformats.org/drawingml/2006/main" xmlns:r="http://schemas.openxmlformats.org/officeDocument/2006/relationships" xmlns:p="http://schemas.openxmlformats.org/presentationml/2006/main">
   <p:cSld>
+    <p:bg>
+      <p:bgPr>
+        <a:solidFill>
+          <a:schemeClr val="bg1"/>
+        </a:solidFill>
+        <a:effectLst/>
+      </p:bgPr>
+    </p:bg>
     <p:spTree>
       <p:nvGrpSpPr>
         <p:cNvPr id="1" name=""/>
@@ -14968,6 +15703,82 @@
           <a:chExt cx="0" cy="0"/>
         </a:xfrm>
       </p:grpSpPr>
+      <p:sp useBgFill="1">
+        <p:nvSpPr>
+          <p:cNvPr id="15" name="Rectangle 8">
+            <a:extLst>
+              <a:ext uri="{FF2B5EF4-FFF2-40B4-BE49-F238E27FC236}">
+                <a16:creationId xmlns:a16="http://schemas.microsoft.com/office/drawing/2014/main" id="{979E27D9-03C7-44E2-9FF8-15D0C8506AF7}"/>
+              </a:ext>
+              <a:ext uri="{C183D7F6-B498-43B3-948B-1728B52AA6E4}">
+                <adec:decorative xmlns:adec="http://schemas.microsoft.com/office/drawing/2017/decorative" val="1"/>
+              </a:ext>
+            </a:extLst>
+          </p:cNvPr>
+          <p:cNvSpPr>
+            <a:spLocks noGrp="1" noRot="1" noChangeAspect="1" noMove="1" noResize="1" noEditPoints="1" noAdjustHandles="1" noChangeArrowheads="1" noChangeShapeType="1" noTextEdit="1"/>
+          </p:cNvSpPr>
+          <p:nvPr>
+            <p:extLst>
+              <p:ext uri="{386F3935-93C4-4BCD-93E2-E3B085C9AB24}">
+                <p16:designElem xmlns:p16="http://schemas.microsoft.com/office/powerpoint/2015/main" val="1"/>
+              </p:ext>
+            </p:extLst>
+          </p:nvPr>
+        </p:nvSpPr>
+        <p:spPr>
+          <a:xfrm>
+            <a:off x="0" y="0"/>
+            <a:ext cx="9144000" cy="6858000"/>
+          </a:xfrm>
+          <a:prstGeom prst="rect">
+            <a:avLst/>
+          </a:prstGeom>
+          <a:ln w="12700" cap="flat" cmpd="sng" algn="ctr">
+            <a:noFill/>
+            <a:prstDash val="solid"/>
+            <a:miter lim="800000"/>
+          </a:ln>
+          <a:effectLst/>
+          <a:extLst>
+            <a:ext uri="{91240B29-F687-4F45-9708-019B960494DF}">
+              <a14:hiddenLine xmlns:a14="http://schemas.microsoft.com/office/drawing/2010/main" w="12700" cap="flat" cmpd="sng" algn="ctr">
+                <a:solidFill>
+                  <a:schemeClr val="accent1">
+                    <a:shade val="50000"/>
+                  </a:schemeClr>
+                </a:solidFill>
+                <a:prstDash val="solid"/>
+                <a:miter lim="800000"/>
+              </a14:hiddenLine>
+            </a:ext>
+          </a:extLst>
+        </p:spPr>
+        <p:style>
+          <a:lnRef idx="2">
+            <a:schemeClr val="accent1">
+              <a:shade val="50000"/>
+            </a:schemeClr>
+          </a:lnRef>
+          <a:fillRef idx="1">
+            <a:schemeClr val="accent1"/>
+          </a:fillRef>
+          <a:effectRef idx="0">
+            <a:schemeClr val="accent1"/>
+          </a:effectRef>
+          <a:fontRef idx="minor">
+            <a:schemeClr val="lt1"/>
+          </a:fontRef>
+        </p:style>
+        <p:txBody>
+          <a:bodyPr rtlCol="0" anchor="ctr"/>
+          <a:lstStyle/>
+          <a:p>
+            <a:pPr algn="ctr"/>
+            <a:endParaRPr lang="en-US"/>
+          </a:p>
+        </p:txBody>
+      </p:sp>
       <p:sp>
         <p:nvSpPr>
           <p:cNvPr id="2" name="object 2"/>
@@ -14980,72 +15791,112 @@
         </p:nvSpPr>
         <p:spPr>
           <a:xfrm>
-            <a:off x="1769554" y="703579"/>
-            <a:ext cx="5606415" cy="574040"/>
+            <a:off x="852297" y="502021"/>
+            <a:ext cx="3719703" cy="1642969"/>
           </a:xfrm>
           <a:prstGeom prst="rect">
             <a:avLst/>
           </a:prstGeom>
         </p:spPr>
         <p:txBody>
-          <a:bodyPr vert="horz" wrap="square" lIns="0" tIns="12700" rIns="0" bIns="0" rtlCol="0">
-            <a:spAutoFit/>
+          <a:bodyPr vert="horz" lIns="91440" tIns="45720" rIns="91440" bIns="45720" rtlCol="0" anchor="b">
+            <a:normAutofit/>
           </a:bodyPr>
           <a:lstStyle/>
           <a:p>
-            <a:pPr marL="12700" algn="ctr">
+            <a:pPr marL="12700" algn="l" rtl="0">
               <a:lnSpc>
-                <a:spcPct val="100000"/>
+                <a:spcPct val="90000"/>
               </a:lnSpc>
               <a:spcBef>
-                <a:spcPts val="100"/>
+                <a:spcPct val="0"/>
               </a:spcBef>
             </a:pPr>
             <a:r>
-              <a:rPr spc="-50" dirty="0">
-                <a:latin typeface="+mj-lt"/>
+              <a:rPr lang="en-US" sz="3500" kern="1200" spc="-50">
+                <a:solidFill>
+                  <a:schemeClr val="tx1"/>
+                </a:solidFill>
+                <a:latin typeface="+mj-lt"/>
+                <a:ea typeface="+mj-ea"/>
+                <a:cs typeface="+mj-cs"/>
               </a:rPr>
               <a:t>Topics</a:t>
             </a:r>
             <a:r>
-              <a:rPr spc="-25" dirty="0">
-                <a:latin typeface="+mj-lt"/>
-              </a:rPr>
-              <a:t> </a:t>
-            </a:r>
-            <a:r>
-              <a:rPr dirty="0">
-                <a:latin typeface="+mj-lt"/>
+              <a:rPr lang="en-US" sz="3500" kern="1200" spc="-25">
+                <a:solidFill>
+                  <a:schemeClr val="tx1"/>
+                </a:solidFill>
+                <a:latin typeface="+mj-lt"/>
+                <a:ea typeface="+mj-ea"/>
+                <a:cs typeface="+mj-cs"/>
+              </a:rPr>
+              <a:t> </a:t>
+            </a:r>
+            <a:r>
+              <a:rPr lang="en-US" sz="3500" kern="1200">
+                <a:solidFill>
+                  <a:schemeClr val="tx1"/>
+                </a:solidFill>
+                <a:latin typeface="+mj-lt"/>
+                <a:ea typeface="+mj-ea"/>
+                <a:cs typeface="+mj-cs"/>
               </a:rPr>
               <a:t>we</a:t>
             </a:r>
             <a:r>
-              <a:rPr spc="-20" dirty="0">
-                <a:latin typeface="+mj-lt"/>
-              </a:rPr>
-              <a:t> </a:t>
-            </a:r>
-            <a:r>
-              <a:rPr dirty="0">
-                <a:latin typeface="+mj-lt"/>
+              <a:rPr lang="en-US" sz="3500" kern="1200" spc="-20">
+                <a:solidFill>
+                  <a:schemeClr val="tx1"/>
+                </a:solidFill>
+                <a:latin typeface="+mj-lt"/>
+                <a:ea typeface="+mj-ea"/>
+                <a:cs typeface="+mj-cs"/>
+              </a:rPr>
+              <a:t> </a:t>
+            </a:r>
+            <a:r>
+              <a:rPr lang="en-US" sz="3500" kern="1200">
+                <a:solidFill>
+                  <a:schemeClr val="tx1"/>
+                </a:solidFill>
+                <a:latin typeface="+mj-lt"/>
+                <a:ea typeface="+mj-ea"/>
+                <a:cs typeface="+mj-cs"/>
               </a:rPr>
               <a:t>will</a:t>
             </a:r>
             <a:r>
-              <a:rPr spc="-15" dirty="0">
-                <a:latin typeface="+mj-lt"/>
-              </a:rPr>
-              <a:t> </a:t>
-            </a:r>
-            <a:r>
-              <a:rPr spc="-5" dirty="0">
-                <a:latin typeface="+mj-lt"/>
+              <a:rPr lang="en-US" sz="3500" kern="1200" spc="-15">
+                <a:solidFill>
+                  <a:schemeClr val="tx1"/>
+                </a:solidFill>
+                <a:latin typeface="+mj-lt"/>
+                <a:ea typeface="+mj-ea"/>
+                <a:cs typeface="+mj-cs"/>
+              </a:rPr>
+              <a:t> </a:t>
+            </a:r>
+            <a:r>
+              <a:rPr lang="en-US" sz="3500" kern="1200" spc="-5">
+                <a:solidFill>
+                  <a:schemeClr val="tx1"/>
+                </a:solidFill>
+                <a:latin typeface="+mj-lt"/>
+                <a:ea typeface="+mj-ea"/>
+                <a:cs typeface="+mj-cs"/>
               </a:rPr>
               <a:t>cover</a:t>
             </a:r>
             <a:r>
-              <a:rPr dirty="0">
-                <a:latin typeface="+mj-lt"/>
+              <a:rPr lang="en-US" sz="3500" kern="1200">
+                <a:solidFill>
+                  <a:schemeClr val="tx1"/>
+                </a:solidFill>
+                <a:latin typeface="+mj-lt"/>
+                <a:ea typeface="+mj-ea"/>
+                <a:cs typeface="+mj-cs"/>
               </a:rPr>
               <a:t>:</a:t>
             </a:r>
@@ -15060,225 +15911,149 @@
         </p:nvSpPr>
         <p:spPr>
           <a:xfrm>
-            <a:off x="707390" y="1807971"/>
-            <a:ext cx="6942455" cy="2241550"/>
+            <a:off x="852297" y="2418408"/>
+            <a:ext cx="3719703" cy="3522569"/>
           </a:xfrm>
           <a:prstGeom prst="rect">
             <a:avLst/>
           </a:prstGeom>
         </p:spPr>
         <p:txBody>
-          <a:bodyPr vert="horz" wrap="square" lIns="0" tIns="52069" rIns="0" bIns="0" rtlCol="0">
-            <a:spAutoFit/>
+          <a:bodyPr vert="horz" lIns="91440" tIns="45720" rIns="91440" bIns="45720" rtlCol="0" anchor="t">
+            <a:normAutofit/>
           </a:bodyPr>
           <a:lstStyle/>
           <a:p>
             <a:pPr marL="241300" marR="5080" indent="-228600">
               <a:lnSpc>
-                <a:spcPct val="90700"/>
+                <a:spcPct val="90000"/>
               </a:lnSpc>
               <a:spcBef>
                 <a:spcPts val="409"/>
               </a:spcBef>
+              <a:buFont typeface="Arial" panose="020B0604020202020204" pitchFamily="34" charset="0"/>
               <a:buChar char="•"/>
               <a:tabLst>
                 <a:tab pos="241300" algn="l"/>
               </a:tabLst>
             </a:pPr>
             <a:r>
-              <a:rPr sz="2800" spc="-40" dirty="0">
-                <a:latin typeface="+mj-lt"/>
-                <a:cs typeface="Arial"/>
-              </a:rPr>
+              <a:rPr lang="en-US" sz="1700" spc="-40"/>
               <a:t>Syntax</a:t>
             </a:r>
             <a:r>
-              <a:rPr sz="2800" spc="-95" dirty="0">
-                <a:latin typeface="+mj-lt"/>
-                <a:cs typeface="Arial"/>
-              </a:rPr>
-              <a:t> </a:t>
-            </a:r>
-            <a:r>
-              <a:rPr sz="2800" dirty="0">
-                <a:latin typeface="+mj-lt"/>
-                <a:cs typeface="Arial"/>
-              </a:rPr>
+              <a:rPr lang="en-US" sz="1700" spc="-95"/>
+              <a:t> </a:t>
+            </a:r>
+            <a:r>
+              <a:rPr lang="en-US" sz="1700"/>
               <a:t>=</a:t>
             </a:r>
             <a:r>
-              <a:rPr sz="2800" spc="-100" dirty="0">
-                <a:latin typeface="+mj-lt"/>
-                <a:cs typeface="Arial"/>
-              </a:rPr>
-              <a:t> </a:t>
-            </a:r>
-            <a:r>
-              <a:rPr sz="2800" dirty="0">
-                <a:latin typeface="+mj-lt"/>
-                <a:cs typeface="Helvetica Neue"/>
-              </a:rPr>
+              <a:rPr lang="en-US" sz="1700" spc="-100"/>
+              <a:t> </a:t>
+            </a:r>
+            <a:r>
+              <a:rPr lang="en-US" sz="1700"/>
               <a:t>the</a:t>
             </a:r>
             <a:r>
-              <a:rPr sz="2800" spc="-15" dirty="0">
-                <a:latin typeface="+mj-lt"/>
-                <a:cs typeface="Helvetica Neue"/>
-              </a:rPr>
-              <a:t> </a:t>
-            </a:r>
-            <a:r>
-              <a:rPr sz="2800" spc="-5" dirty="0">
-                <a:latin typeface="+mj-lt"/>
-                <a:cs typeface="Helvetica Neue"/>
-              </a:rPr>
+              <a:rPr lang="en-US" sz="1700" spc="-15"/>
+              <a:t> </a:t>
+            </a:r>
+            <a:r>
+              <a:rPr lang="en-US" sz="1700" spc="-5"/>
               <a:t>“grammar”</a:t>
             </a:r>
             <a:r>
-              <a:rPr sz="2800" spc="-20" dirty="0">
-                <a:latin typeface="+mj-lt"/>
-                <a:cs typeface="Helvetica Neue"/>
-              </a:rPr>
-              <a:t> </a:t>
-            </a:r>
-            <a:r>
-              <a:rPr sz="2800" dirty="0">
-                <a:latin typeface="+mj-lt"/>
-                <a:cs typeface="Helvetica Neue"/>
-              </a:rPr>
+              <a:rPr lang="en-US" sz="1700" spc="-20"/>
+              <a:t> </a:t>
+            </a:r>
+            <a:r>
+              <a:rPr lang="en-US" sz="1700"/>
               <a:t>of</a:t>
             </a:r>
             <a:r>
-              <a:rPr sz="2800" spc="-20" dirty="0">
-                <a:latin typeface="+mj-lt"/>
-                <a:cs typeface="Helvetica Neue"/>
-              </a:rPr>
-              <a:t> </a:t>
-            </a:r>
-            <a:r>
-              <a:rPr sz="2800" dirty="0">
-                <a:latin typeface="+mj-lt"/>
-                <a:cs typeface="Helvetica Neue"/>
-              </a:rPr>
+              <a:rPr lang="en-US" sz="1700" spc="-20"/>
+              <a:t> </a:t>
+            </a:r>
+            <a:r>
+              <a:rPr lang="en-US" sz="1700"/>
               <a:t>a</a:t>
             </a:r>
             <a:r>
-              <a:rPr sz="2800" spc="-15" dirty="0">
-                <a:latin typeface="+mj-lt"/>
-                <a:cs typeface="Helvetica Neue"/>
-              </a:rPr>
+              <a:rPr lang="en-US" sz="1700" spc="-15"/>
               <a:t> programming </a:t>
             </a:r>
             <a:r>
-              <a:rPr sz="2800" spc="-765" dirty="0">
-                <a:latin typeface="+mj-lt"/>
-                <a:cs typeface="Helvetica Neue"/>
-              </a:rPr>
-              <a:t> </a:t>
-            </a:r>
-            <a:r>
-              <a:rPr sz="2800" spc="-5" dirty="0">
-                <a:latin typeface="+mj-lt"/>
-                <a:cs typeface="Helvetica Neue"/>
-              </a:rPr>
+              <a:rPr lang="en-US" sz="1700" spc="-765"/>
+              <a:t> </a:t>
+            </a:r>
+            <a:r>
+              <a:rPr lang="en-US" sz="1700" spc="-5"/>
               <a:t>languages, needs </a:t>
             </a:r>
             <a:r>
-              <a:rPr sz="2800" dirty="0">
-                <a:latin typeface="+mj-lt"/>
-                <a:cs typeface="Helvetica Neue"/>
-              </a:rPr>
+              <a:rPr lang="en-US" sz="1700"/>
               <a:t>to </a:t>
             </a:r>
             <a:r>
-              <a:rPr sz="2800" spc="-5" dirty="0">
-                <a:latin typeface="+mj-lt"/>
-                <a:cs typeface="Helvetica Neue"/>
-              </a:rPr>
+              <a:rPr lang="en-US" sz="1700" spc="-5"/>
               <a:t>be </a:t>
             </a:r>
             <a:r>
-              <a:rPr sz="2800" b="1" spc="-5" dirty="0">
-                <a:latin typeface="+mj-lt"/>
-                <a:cs typeface="Helvetica Neue"/>
-              </a:rPr>
+              <a:rPr lang="en-US" sz="1700" b="1" spc="-5"/>
               <a:t>exact </a:t>
             </a:r>
             <a:r>
-              <a:rPr sz="2800" spc="-5" dirty="0">
-                <a:latin typeface="+mj-lt"/>
-                <a:cs typeface="Helvetica Neue"/>
-              </a:rPr>
+              <a:rPr lang="en-US" sz="1700" spc="-5"/>
               <a:t>for </a:t>
             </a:r>
             <a:r>
-              <a:rPr sz="2800" dirty="0">
-                <a:latin typeface="+mj-lt"/>
-                <a:cs typeface="Helvetica Neue"/>
-              </a:rPr>
+              <a:rPr lang="en-US" sz="1700"/>
               <a:t>the </a:t>
             </a:r>
             <a:r>
-              <a:rPr sz="2800" spc="5" dirty="0">
-                <a:latin typeface="+mj-lt"/>
-                <a:cs typeface="Helvetica Neue"/>
-              </a:rPr>
-              <a:t> </a:t>
-            </a:r>
-            <a:r>
-              <a:rPr sz="2800" spc="-5" dirty="0">
-                <a:latin typeface="+mj-lt"/>
-                <a:cs typeface="Helvetica Neue"/>
-              </a:rPr>
+              <a:rPr lang="en-US" sz="1700" spc="5"/>
+              <a:t> </a:t>
+            </a:r>
+            <a:r>
+              <a:rPr lang="en-US" sz="1700" spc="-5"/>
               <a:t>computer</a:t>
             </a:r>
             <a:r>
-              <a:rPr sz="2800" spc="-15" dirty="0">
-                <a:latin typeface="+mj-lt"/>
-                <a:cs typeface="Helvetica Neue"/>
-              </a:rPr>
-              <a:t> </a:t>
-            </a:r>
-            <a:r>
-              <a:rPr sz="2800" dirty="0">
-                <a:latin typeface="+mj-lt"/>
-                <a:cs typeface="Helvetica Neue"/>
-              </a:rPr>
+              <a:rPr lang="en-US" sz="1700" spc="-15"/>
+              <a:t> </a:t>
+            </a:r>
+            <a:r>
+              <a:rPr lang="en-US" sz="1700"/>
               <a:t>to</a:t>
             </a:r>
             <a:r>
-              <a:rPr sz="2800" spc="-5" dirty="0">
-                <a:latin typeface="+mj-lt"/>
-                <a:cs typeface="Helvetica Neue"/>
-              </a:rPr>
+              <a:rPr lang="en-US" sz="1700" spc="-5"/>
               <a:t> understand</a:t>
             </a:r>
-            <a:endParaRPr sz="2800" dirty="0">
-              <a:latin typeface="+mj-lt"/>
-              <a:cs typeface="Helvetica Neue"/>
-            </a:endParaRPr>
+            <a:endParaRPr lang="en-US" sz="1700"/>
           </a:p>
           <a:p>
-            <a:pPr>
+            <a:pPr indent="-228600">
               <a:lnSpc>
-                <a:spcPct val="100000"/>
+                <a:spcPct val="90000"/>
               </a:lnSpc>
               <a:spcBef>
                 <a:spcPts val="40"/>
               </a:spcBef>
-              <a:buFont typeface="Arial"/>
+              <a:buFont typeface="Arial" panose="020B0604020202020204" pitchFamily="34" charset="0"/>
               <a:buChar char="•"/>
             </a:pPr>
-            <a:endParaRPr sz="3850" dirty="0">
-              <a:latin typeface="+mj-lt"/>
-              <a:cs typeface="Helvetica Neue"/>
-            </a:endParaRPr>
+            <a:endParaRPr lang="en-US" sz="1700"/>
           </a:p>
           <a:p>
-            <a:pPr marL="334010" indent="-321945">
+            <a:pPr marL="334010" indent="-228600">
               <a:lnSpc>
-                <a:spcPct val="100000"/>
+                <a:spcPct val="90000"/>
               </a:lnSpc>
+              <a:buFont typeface="Arial" panose="020B0604020202020204" pitchFamily="34" charset="0"/>
               <a:buChar char="•"/>
               <a:tabLst>
                 <a:tab pos="334010" algn="l"/>
@@ -15286,16 +16061,10 @@
               </a:tabLst>
             </a:pPr>
             <a:r>
-              <a:rPr sz="2800" spc="-40" dirty="0">
-                <a:latin typeface="+mj-lt"/>
-                <a:cs typeface="Arial"/>
-              </a:rPr>
+              <a:rPr lang="en-US" sz="1700" spc="-40"/>
               <a:t>Directories</a:t>
             </a:r>
-            <a:endParaRPr sz="2800" dirty="0">
-              <a:latin typeface="+mj-lt"/>
-              <a:cs typeface="Arial"/>
-            </a:endParaRPr>
+            <a:endParaRPr lang="en-US" sz="1700"/>
           </a:p>
         </p:txBody>
       </p:sp>
@@ -15313,14 +16082,160 @@
         </p:blipFill>
         <p:spPr>
           <a:xfrm>
-            <a:off x="3738879" y="3732916"/>
-            <a:ext cx="4955790" cy="2444046"/>
+            <a:off x="4884331" y="2159491"/>
+            <a:ext cx="3900767" cy="2125260"/>
           </a:xfrm>
           <a:prstGeom prst="rect">
             <a:avLst/>
           </a:prstGeom>
         </p:spPr>
       </p:pic>
+      <p:sp>
+        <p:nvSpPr>
+          <p:cNvPr id="16" name="Rectangle 10">
+            <a:extLst>
+              <a:ext uri="{FF2B5EF4-FFF2-40B4-BE49-F238E27FC236}">
+                <a16:creationId xmlns:a16="http://schemas.microsoft.com/office/drawing/2014/main" id="{EEBF1590-3B36-48EE-A89D-3B6F3CB256AB}"/>
+              </a:ext>
+              <a:ext uri="{C183D7F6-B498-43B3-948B-1728B52AA6E4}">
+                <adec:decorative xmlns:adec="http://schemas.microsoft.com/office/drawing/2017/decorative" val="1"/>
+              </a:ext>
+            </a:extLst>
+          </p:cNvPr>
+          <p:cNvSpPr>
+            <a:spLocks noGrp="1" noRot="1" noChangeAspect="1" noMove="1" noResize="1" noEditPoints="1" noAdjustHandles="1" noChangeArrowheads="1" noChangeShapeType="1" noTextEdit="1"/>
+          </p:cNvSpPr>
+          <p:nvPr>
+            <p:extLst>
+              <p:ext uri="{386F3935-93C4-4BCD-93E2-E3B085C9AB24}">
+                <p16:designElem xmlns:p16="http://schemas.microsoft.com/office/powerpoint/2015/main" val="1"/>
+              </p:ext>
+            </p:extLst>
+          </p:nvPr>
+        </p:nvSpPr>
+        <p:spPr>
+          <a:xfrm rot="10800000" flipH="1">
+            <a:off x="0" y="6400799"/>
+            <a:ext cx="9144000" cy="456773"/>
+          </a:xfrm>
+          <a:prstGeom prst="rect">
+            <a:avLst/>
+          </a:prstGeom>
+          <a:gradFill>
+            <a:gsLst>
+              <a:gs pos="0">
+                <a:schemeClr val="accent1"/>
+              </a:gs>
+              <a:gs pos="78000">
+                <a:srgbClr val="000000"/>
+              </a:gs>
+            </a:gsLst>
+            <a:lin ang="2400000" scaled="0"/>
+          </a:gradFill>
+          <a:ln>
+            <a:noFill/>
+          </a:ln>
+        </p:spPr>
+        <p:style>
+          <a:lnRef idx="2">
+            <a:schemeClr val="accent1">
+              <a:shade val="50000"/>
+            </a:schemeClr>
+          </a:lnRef>
+          <a:fillRef idx="1">
+            <a:schemeClr val="accent1"/>
+          </a:fillRef>
+          <a:effectRef idx="0">
+            <a:schemeClr val="accent1"/>
+          </a:effectRef>
+          <a:fontRef idx="minor">
+            <a:schemeClr val="lt1"/>
+          </a:fontRef>
+        </p:style>
+        <p:txBody>
+          <a:bodyPr rtlCol="0" anchor="ctr"/>
+          <a:lstStyle/>
+          <a:p>
+            <a:pPr algn="ctr"/>
+            <a:endParaRPr lang="en-US"/>
+          </a:p>
+        </p:txBody>
+      </p:sp>
+      <p:sp>
+        <p:nvSpPr>
+          <p:cNvPr id="17" name="Rectangle 12">
+            <a:extLst>
+              <a:ext uri="{FF2B5EF4-FFF2-40B4-BE49-F238E27FC236}">
+                <a16:creationId xmlns:a16="http://schemas.microsoft.com/office/drawing/2014/main" id="{AC8F6C8C-AB5A-4548-942D-E3FD40ACBC49}"/>
+              </a:ext>
+              <a:ext uri="{C183D7F6-B498-43B3-948B-1728B52AA6E4}">
+                <adec:decorative xmlns:adec="http://schemas.microsoft.com/office/drawing/2017/decorative" val="1"/>
+              </a:ext>
+            </a:extLst>
+          </p:cNvPr>
+          <p:cNvSpPr>
+            <a:spLocks noGrp="1" noRot="1" noChangeAspect="1" noMove="1" noResize="1" noEditPoints="1" noAdjustHandles="1" noChangeArrowheads="1" noChangeShapeType="1" noTextEdit="1"/>
+          </p:cNvSpPr>
+          <p:nvPr>
+            <p:extLst>
+              <p:ext uri="{386F3935-93C4-4BCD-93E2-E3B085C9AB24}">
+                <p16:designElem xmlns:p16="http://schemas.microsoft.com/office/powerpoint/2015/main" val="1"/>
+              </p:ext>
+            </p:extLst>
+          </p:nvPr>
+        </p:nvSpPr>
+        <p:spPr>
+          <a:xfrm flipH="1">
+            <a:off x="3028950" y="6400799"/>
+            <a:ext cx="6115048" cy="456772"/>
+          </a:xfrm>
+          <a:prstGeom prst="rect">
+            <a:avLst/>
+          </a:prstGeom>
+          <a:gradFill>
+            <a:gsLst>
+              <a:gs pos="0">
+                <a:srgbClr val="000000">
+                  <a:alpha val="63000"/>
+                </a:srgbClr>
+              </a:gs>
+              <a:gs pos="100000">
+                <a:schemeClr val="accent1">
+                  <a:lumMod val="75000"/>
+                </a:schemeClr>
+              </a:gs>
+            </a:gsLst>
+            <a:lin ang="13800000" scaled="0"/>
+          </a:gradFill>
+          <a:ln>
+            <a:noFill/>
+          </a:ln>
+        </p:spPr>
+        <p:style>
+          <a:lnRef idx="2">
+            <a:schemeClr val="accent1">
+              <a:shade val="50000"/>
+            </a:schemeClr>
+          </a:lnRef>
+          <a:fillRef idx="1">
+            <a:schemeClr val="accent1"/>
+          </a:fillRef>
+          <a:effectRef idx="0">
+            <a:schemeClr val="accent1"/>
+          </a:effectRef>
+          <a:fontRef idx="minor">
+            <a:schemeClr val="lt1"/>
+          </a:fontRef>
+        </p:style>
+        <p:txBody>
+          <a:bodyPr rtlCol="0" anchor="ctr"/>
+          <a:lstStyle/>
+          <a:p>
+            <a:pPr algn="ctr"/>
+            <a:endParaRPr lang="en-US"/>
+          </a:p>
+        </p:txBody>
+      </p:sp>
     </p:spTree>
   </p:cSld>
   <p:clrMapOvr>
@@ -15329,7 +16244,7 @@
 </p:sld>
 </file>
 
-<file path=ppt/slides/slide18.xml><?xml version="1.0" encoding="utf-8"?>
+<file path=ppt/slides/slide17.xml><?xml version="1.0" encoding="utf-8"?>
 <p:sld xmlns:a="http://schemas.openxmlformats.org/drawingml/2006/main" xmlns:r="http://schemas.openxmlformats.org/officeDocument/2006/relationships" xmlns:p="http://schemas.openxmlformats.org/presentationml/2006/main" showMasterSp="0">
   <p:cSld>
     <p:spTree>
@@ -16371,7 +17286,7 @@
         </p:nvSpPr>
         <p:spPr>
           <a:xfrm>
-            <a:off x="2288730" y="234188"/>
+            <a:off x="2334852" y="457200"/>
             <a:ext cx="4566539" cy="573234"/>
           </a:xfrm>
           <a:prstGeom prst="rect">
@@ -16424,7 +17339,7 @@
 </p:sld>
 </file>
 
-<file path=ppt/slides/slide19.xml><?xml version="1.0" encoding="utf-8"?>
+<file path=ppt/slides/slide18.xml><?xml version="1.0" encoding="utf-8"?>
 <p:sld xmlns:a="http://schemas.openxmlformats.org/drawingml/2006/main" xmlns:r="http://schemas.openxmlformats.org/officeDocument/2006/relationships" xmlns:p="http://schemas.openxmlformats.org/presentationml/2006/main" showMasterSp="0">
   <p:cSld>
     <p:spTree>
@@ -17254,7 +18169,7 @@
         </p:nvSpPr>
         <p:spPr>
           <a:xfrm>
-            <a:off x="2288730" y="234188"/>
+            <a:off x="2464046" y="487296"/>
             <a:ext cx="4566539" cy="573234"/>
           </a:xfrm>
           <a:prstGeom prst="rect">
@@ -17276,258 +18191,25 @@
               </a:spcBef>
             </a:pPr>
             <a:r>
-              <a:rPr spc="-50" dirty="0"/>
+              <a:rPr spc="-50" dirty="0">
+                <a:latin typeface="+mj-lt"/>
+              </a:rPr>
               <a:t>Topics </a:t>
             </a:r>
             <a:r>
-              <a:rPr dirty="0"/>
+              <a:rPr dirty="0">
+                <a:latin typeface="+mj-lt"/>
+              </a:rPr>
               <a:t>we will </a:t>
             </a:r>
             <a:r>
-              <a:rPr spc="-5" dirty="0"/>
+              <a:rPr spc="-5" dirty="0">
+                <a:latin typeface="+mj-lt"/>
+              </a:rPr>
               <a:t>cover:</a:t>
             </a:r>
-            <a:endParaRPr dirty="0"/>
-          </a:p>
-        </p:txBody>
-      </p:sp>
-    </p:spTree>
-  </p:cSld>
-  <p:clrMapOvr>
-    <a:masterClrMapping/>
-  </p:clrMapOvr>
-</p:sld>
-</file>
-
-<file path=ppt/slides/slide2.xml><?xml version="1.0" encoding="utf-8"?>
-<p:sld xmlns:a="http://schemas.openxmlformats.org/drawingml/2006/main" xmlns:r="http://schemas.openxmlformats.org/officeDocument/2006/relationships" xmlns:p="http://schemas.openxmlformats.org/presentationml/2006/main" showMasterSp="0">
-  <p:cSld>
-    <p:spTree>
-      <p:nvGrpSpPr>
-        <p:cNvPr id="1" name=""/>
-        <p:cNvGrpSpPr/>
-        <p:nvPr/>
-      </p:nvGrpSpPr>
-      <p:grpSpPr>
-        <a:xfrm>
-          <a:off x="0" y="0"/>
-          <a:ext cx="0" cy="0"/>
-          <a:chOff x="0" y="0"/>
-          <a:chExt cx="0" cy="0"/>
-        </a:xfrm>
-      </p:grpSpPr>
-      <p:sp>
-        <p:nvSpPr>
-          <p:cNvPr id="2" name="object 2"/>
-          <p:cNvSpPr txBox="1"/>
-          <p:nvPr/>
-        </p:nvSpPr>
-        <p:spPr>
-          <a:xfrm>
-            <a:off x="2721065" y="1639316"/>
-            <a:ext cx="3829685" cy="3042920"/>
-          </a:xfrm>
-          <a:prstGeom prst="rect">
-            <a:avLst/>
-          </a:prstGeom>
-        </p:spPr>
-        <p:txBody>
-          <a:bodyPr vert="horz" wrap="square" lIns="0" tIns="12700" rIns="0" bIns="0" rtlCol="0">
-            <a:spAutoFit/>
-          </a:bodyPr>
-          <a:lstStyle/>
-          <a:p>
-            <a:pPr marL="12700" marR="5080" algn="ctr">
-              <a:lnSpc>
-                <a:spcPct val="121100"/>
-              </a:lnSpc>
-              <a:spcBef>
-                <a:spcPts val="100"/>
-              </a:spcBef>
-            </a:pPr>
-            <a:r>
-              <a:rPr sz="5400" spc="-254" dirty="0">
-                <a:latin typeface="+mj-lt"/>
-                <a:cs typeface="Arial"/>
-              </a:rPr>
-              <a:t>D</a:t>
-            </a:r>
-            <a:r>
-              <a:rPr sz="5400" spc="-550" dirty="0">
-                <a:latin typeface="+mj-lt"/>
-                <a:cs typeface="Arial"/>
-              </a:rPr>
-              <a:t>r</a:t>
-            </a:r>
-            <a:r>
-              <a:rPr sz="5400" dirty="0">
-                <a:latin typeface="+mj-lt"/>
-                <a:cs typeface="Arial"/>
-              </a:rPr>
-              <a:t>.</a:t>
-            </a:r>
-            <a:r>
-              <a:rPr sz="5400" spc="-515" dirty="0">
-                <a:latin typeface="+mj-lt"/>
-                <a:cs typeface="Arial"/>
-              </a:rPr>
-              <a:t> </a:t>
-            </a:r>
-            <a:r>
-              <a:rPr sz="5400" spc="-254" dirty="0">
-                <a:latin typeface="+mj-lt"/>
-                <a:cs typeface="Arial"/>
-              </a:rPr>
-              <a:t>R</a:t>
-            </a:r>
-            <a:r>
-              <a:rPr sz="5400" spc="-260" dirty="0">
-                <a:latin typeface="+mj-lt"/>
-                <a:cs typeface="Arial"/>
-              </a:rPr>
-              <a:t>od</a:t>
-            </a:r>
-            <a:r>
-              <a:rPr sz="5400" spc="-254" dirty="0">
-                <a:latin typeface="+mj-lt"/>
-                <a:cs typeface="Arial"/>
-              </a:rPr>
-              <a:t>ri</a:t>
-            </a:r>
-            <a:r>
-              <a:rPr sz="5400" spc="-260" dirty="0">
-                <a:latin typeface="+mj-lt"/>
-                <a:cs typeface="Arial"/>
-              </a:rPr>
-              <a:t>gue</a:t>
-            </a:r>
-            <a:r>
-              <a:rPr sz="5400" dirty="0">
-                <a:latin typeface="+mj-lt"/>
-                <a:cs typeface="Arial"/>
-              </a:rPr>
-              <a:t>z  </a:t>
-            </a:r>
-            <a:r>
-              <a:rPr sz="5400" spc="-254" dirty="0">
-                <a:latin typeface="+mj-lt"/>
-                <a:cs typeface="Arial"/>
-              </a:rPr>
-              <a:t>OR</a:t>
-            </a:r>
-            <a:endParaRPr sz="5400">
+            <a:endParaRPr dirty="0">
               <a:latin typeface="+mj-lt"/>
-              <a:cs typeface="Arial"/>
-            </a:endParaRPr>
-          </a:p>
-          <a:p>
-            <a:pPr marR="136525" algn="ctr">
-              <a:lnSpc>
-                <a:spcPct val="100000"/>
-              </a:lnSpc>
-              <a:spcBef>
-                <a:spcPts val="1585"/>
-              </a:spcBef>
-            </a:pPr>
-            <a:r>
-              <a:rPr sz="5400" spc="-260" dirty="0">
-                <a:latin typeface="+mj-lt"/>
-                <a:cs typeface="Arial"/>
-              </a:rPr>
-              <a:t>Princess</a:t>
-            </a:r>
-            <a:endParaRPr sz="5400">
-              <a:latin typeface="+mj-lt"/>
-              <a:cs typeface="Arial"/>
-            </a:endParaRPr>
-          </a:p>
-        </p:txBody>
-      </p:sp>
-      <p:sp>
-        <p:nvSpPr>
-          <p:cNvPr id="3" name="object 3"/>
-          <p:cNvSpPr txBox="1">
-            <a:spLocks noGrp="1"/>
-          </p:cNvSpPr>
-          <p:nvPr>
-            <p:ph type="title"/>
-          </p:nvPr>
-        </p:nvSpPr>
-        <p:spPr>
-          <a:xfrm>
-            <a:off x="302981" y="172212"/>
-            <a:ext cx="3004185" cy="513080"/>
-          </a:xfrm>
-          <a:prstGeom prst="rect">
-            <a:avLst/>
-          </a:prstGeom>
-        </p:spPr>
-        <p:txBody>
-          <a:bodyPr vert="horz" wrap="square" lIns="0" tIns="12700" rIns="0" bIns="0" rtlCol="0">
-            <a:spAutoFit/>
-          </a:bodyPr>
-          <a:lstStyle/>
-          <a:p>
-            <a:pPr marL="12700">
-              <a:lnSpc>
-                <a:spcPct val="100000"/>
-              </a:lnSpc>
-              <a:spcBef>
-                <a:spcPts val="100"/>
-              </a:spcBef>
-            </a:pPr>
-            <a:r>
-              <a:rPr sz="3200" b="0" i="1" spc="-60" dirty="0">
-                <a:latin typeface="+mj-lt"/>
-                <a:cs typeface="Arial"/>
-              </a:rPr>
-              <a:t>You</a:t>
-            </a:r>
-            <a:r>
-              <a:rPr sz="3200" b="0" i="1" spc="-35" dirty="0">
-                <a:latin typeface="+mj-lt"/>
-                <a:cs typeface="Arial"/>
-              </a:rPr>
-              <a:t> </a:t>
-            </a:r>
-            <a:r>
-              <a:rPr sz="3200" b="0" i="1" spc="-5" dirty="0">
-                <a:latin typeface="+mj-lt"/>
-                <a:cs typeface="Arial"/>
-              </a:rPr>
-              <a:t>can</a:t>
-            </a:r>
-            <a:r>
-              <a:rPr sz="3200" b="0" i="1" spc="-30" dirty="0">
-                <a:latin typeface="+mj-lt"/>
-                <a:cs typeface="Arial"/>
-              </a:rPr>
-              <a:t> </a:t>
-            </a:r>
-            <a:r>
-              <a:rPr sz="3200" b="0" i="1" spc="-5" dirty="0">
-                <a:latin typeface="+mj-lt"/>
-                <a:cs typeface="Arial"/>
-              </a:rPr>
-              <a:t>call</a:t>
-            </a:r>
-            <a:r>
-              <a:rPr sz="3200" b="0" i="1" spc="-25" dirty="0">
-                <a:latin typeface="+mj-lt"/>
-                <a:cs typeface="Arial"/>
-              </a:rPr>
-              <a:t> </a:t>
-            </a:r>
-            <a:r>
-              <a:rPr sz="3200" b="0" i="1" spc="-5" dirty="0">
-                <a:latin typeface="+mj-lt"/>
-                <a:cs typeface="Arial"/>
-              </a:rPr>
-              <a:t>me:</a:t>
-            </a:r>
-            <a:endParaRPr sz="3200">
-              <a:latin typeface="+mj-lt"/>
-              <a:cs typeface="Arial"/>
             </a:endParaRPr>
           </a:p>
         </p:txBody>
@@ -17540,7 +18222,7 @@
 </p:sld>
 </file>
 
-<file path=ppt/slides/slide20.xml><?xml version="1.0" encoding="utf-8"?>
+<file path=ppt/slides/slide19.xml><?xml version="1.0" encoding="utf-8"?>
 <p:sld xmlns:a="http://schemas.openxmlformats.org/drawingml/2006/main" xmlns:r="http://schemas.openxmlformats.org/officeDocument/2006/relationships" xmlns:p="http://schemas.openxmlformats.org/presentationml/2006/main" showMasterSp="0">
   <p:cSld>
     <p:spTree>
@@ -18382,7 +19064,7 @@
         </p:nvSpPr>
         <p:spPr>
           <a:xfrm>
-            <a:off x="2288730" y="234188"/>
+            <a:off x="2288730" y="381000"/>
             <a:ext cx="4566539" cy="573234"/>
           </a:xfrm>
           <a:prstGeom prst="rect">
@@ -18435,7 +19117,195 @@
 </p:sld>
 </file>
 
-<file path=ppt/slides/slide21.xml><?xml version="1.0" encoding="utf-8"?>
+<file path=ppt/slides/slide2.xml><?xml version="1.0" encoding="utf-8"?>
+<p:sld xmlns:a="http://schemas.openxmlformats.org/drawingml/2006/main" xmlns:r="http://schemas.openxmlformats.org/officeDocument/2006/relationships" xmlns:p="http://schemas.openxmlformats.org/presentationml/2006/main" showMasterSp="0">
+  <p:cSld>
+    <p:spTree>
+      <p:nvGrpSpPr>
+        <p:cNvPr id="1" name=""/>
+        <p:cNvGrpSpPr/>
+        <p:nvPr/>
+      </p:nvGrpSpPr>
+      <p:grpSpPr>
+        <a:xfrm>
+          <a:off x="0" y="0"/>
+          <a:ext cx="0" cy="0"/>
+          <a:chOff x="0" y="0"/>
+          <a:chExt cx="0" cy="0"/>
+        </a:xfrm>
+      </p:grpSpPr>
+      <p:sp>
+        <p:nvSpPr>
+          <p:cNvPr id="2" name="object 2"/>
+          <p:cNvSpPr txBox="1"/>
+          <p:nvPr/>
+        </p:nvSpPr>
+        <p:spPr>
+          <a:xfrm>
+            <a:off x="2721065" y="1639316"/>
+            <a:ext cx="3829685" cy="3072892"/>
+          </a:xfrm>
+          <a:prstGeom prst="rect">
+            <a:avLst/>
+          </a:prstGeom>
+        </p:spPr>
+        <p:txBody>
+          <a:bodyPr vert="horz" wrap="square" lIns="0" tIns="12700" rIns="0" bIns="0" rtlCol="0">
+            <a:spAutoFit/>
+          </a:bodyPr>
+          <a:lstStyle/>
+          <a:p>
+            <a:pPr marL="12700" marR="5080" algn="ctr">
+              <a:lnSpc>
+                <a:spcPct val="121100"/>
+              </a:lnSpc>
+              <a:spcBef>
+                <a:spcPts val="100"/>
+              </a:spcBef>
+            </a:pPr>
+            <a:r>
+              <a:rPr lang="en-US" sz="5400" spc="-254" dirty="0">
+                <a:latin typeface="+mj-lt"/>
+                <a:cs typeface="Arial"/>
+              </a:rPr>
+              <a:t>Dr. Rodriguez</a:t>
+            </a:r>
+          </a:p>
+          <a:p>
+            <a:pPr marL="12700" marR="5080" algn="ctr">
+              <a:lnSpc>
+                <a:spcPct val="121100"/>
+              </a:lnSpc>
+              <a:spcBef>
+                <a:spcPts val="100"/>
+              </a:spcBef>
+            </a:pPr>
+            <a:r>
+              <a:rPr lang="en-US" sz="5400" spc="-254" dirty="0">
+                <a:latin typeface="+mj-lt"/>
+                <a:cs typeface="Arial"/>
+              </a:rPr>
+              <a:t>or</a:t>
+            </a:r>
+            <a:endParaRPr sz="5400" dirty="0">
+              <a:latin typeface="+mj-lt"/>
+              <a:cs typeface="Arial"/>
+            </a:endParaRPr>
+          </a:p>
+          <a:p>
+            <a:pPr marR="136525" algn="ctr">
+              <a:lnSpc>
+                <a:spcPct val="100000"/>
+              </a:lnSpc>
+              <a:spcBef>
+                <a:spcPts val="1585"/>
+              </a:spcBef>
+            </a:pPr>
+            <a:r>
+              <a:rPr sz="5400" spc="-260" dirty="0">
+                <a:latin typeface="+mj-lt"/>
+                <a:cs typeface="Arial"/>
+              </a:rPr>
+              <a:t>Princess</a:t>
+            </a:r>
+            <a:endParaRPr sz="5400" dirty="0">
+              <a:latin typeface="+mj-lt"/>
+              <a:cs typeface="Arial"/>
+            </a:endParaRPr>
+          </a:p>
+        </p:txBody>
+      </p:sp>
+      <p:sp>
+        <p:nvSpPr>
+          <p:cNvPr id="3" name="object 3"/>
+          <p:cNvSpPr txBox="1">
+            <a:spLocks noGrp="1"/>
+          </p:cNvSpPr>
+          <p:nvPr>
+            <p:ph type="title"/>
+          </p:nvPr>
+        </p:nvSpPr>
+        <p:spPr>
+          <a:xfrm>
+            <a:off x="302981" y="172212"/>
+            <a:ext cx="3964219" cy="505267"/>
+          </a:xfrm>
+          <a:prstGeom prst="rect">
+            <a:avLst/>
+          </a:prstGeom>
+        </p:spPr>
+        <p:txBody>
+          <a:bodyPr vert="horz" wrap="square" lIns="0" tIns="12700" rIns="0" bIns="0" rtlCol="0">
+            <a:spAutoFit/>
+          </a:bodyPr>
+          <a:lstStyle/>
+          <a:p>
+            <a:pPr marL="12700">
+              <a:lnSpc>
+                <a:spcPct val="100000"/>
+              </a:lnSpc>
+              <a:spcBef>
+                <a:spcPts val="100"/>
+              </a:spcBef>
+            </a:pPr>
+            <a:r>
+              <a:rPr lang="en-US" sz="3200" b="0" i="1" spc="-60" dirty="0">
+                <a:latin typeface="+mj-lt"/>
+                <a:cs typeface="Arial"/>
+              </a:rPr>
+              <a:t>Please </a:t>
+            </a:r>
+            <a:r>
+              <a:rPr sz="3200" b="0" i="1" spc="-5" dirty="0">
+                <a:latin typeface="+mj-lt"/>
+                <a:cs typeface="Arial"/>
+              </a:rPr>
+              <a:t>call</a:t>
+            </a:r>
+            <a:r>
+              <a:rPr sz="3200" b="0" i="1" spc="-25" dirty="0">
+                <a:latin typeface="+mj-lt"/>
+                <a:cs typeface="Arial"/>
+              </a:rPr>
+              <a:t> </a:t>
+            </a:r>
+            <a:r>
+              <a:rPr sz="3200" b="0" i="1" spc="-5" dirty="0">
+                <a:latin typeface="+mj-lt"/>
+                <a:cs typeface="Arial"/>
+              </a:rPr>
+              <a:t>me</a:t>
+            </a:r>
+            <a:r>
+              <a:rPr lang="en-US" sz="3200" b="0" i="1" spc="-5" dirty="0">
+                <a:latin typeface="+mj-lt"/>
+                <a:cs typeface="Arial"/>
+              </a:rPr>
+              <a:t> either</a:t>
+            </a:r>
+            <a:r>
+              <a:rPr sz="3200" b="0" i="1" spc="-5" dirty="0">
+                <a:latin typeface="+mj-lt"/>
+                <a:cs typeface="Arial"/>
+              </a:rPr>
+              <a:t>:</a:t>
+            </a:r>
+            <a:endParaRPr sz="3200" dirty="0">
+              <a:latin typeface="+mj-lt"/>
+              <a:cs typeface="Arial"/>
+            </a:endParaRPr>
+          </a:p>
+        </p:txBody>
+      </p:sp>
+    </p:spTree>
+  </p:cSld>
+  <p:clrMapOvr>
+    <a:masterClrMapping/>
+  </p:clrMapOvr>
+</p:sld>
+</file>
+
+<file path=ppt/slides/slide20.xml><?xml version="1.0" encoding="utf-8"?>
 <p:sld xmlns:a="http://schemas.openxmlformats.org/drawingml/2006/main" xmlns:r="http://schemas.openxmlformats.org/officeDocument/2006/relationships" xmlns:p="http://schemas.openxmlformats.org/presentationml/2006/main" showMasterSp="0">
   <p:cSld>
     <p:spTree>
@@ -19332,7 +20202,7 @@
 </p:sld>
 </file>
 
-<file path=ppt/slides/slide22.xml><?xml version="1.0" encoding="utf-8"?>
+<file path=ppt/slides/slide21.xml><?xml version="1.0" encoding="utf-8"?>
 <p:sld xmlns:a="http://schemas.openxmlformats.org/drawingml/2006/main" xmlns:r="http://schemas.openxmlformats.org/officeDocument/2006/relationships" xmlns:p="http://schemas.openxmlformats.org/presentationml/2006/main" showMasterSp="0">
   <p:cSld>
     <p:spTree>
@@ -20571,9 +21441,17 @@
 </p:sld>
 </file>
 
-<file path=ppt/slides/slide23.xml><?xml version="1.0" encoding="utf-8"?>
-<p:sld xmlns:a="http://schemas.openxmlformats.org/drawingml/2006/main" xmlns:r="http://schemas.openxmlformats.org/officeDocument/2006/relationships" xmlns:p="http://schemas.openxmlformats.org/presentationml/2006/main" showMasterSp="0">
+<file path=ppt/slides/slide22.xml><?xml version="1.0" encoding="utf-8"?>
+<p:sld xmlns:a="http://schemas.openxmlformats.org/drawingml/2006/main" xmlns:r="http://schemas.openxmlformats.org/officeDocument/2006/relationships" xmlns:p="http://schemas.openxmlformats.org/presentationml/2006/main">
   <p:cSld>
+    <p:bg>
+      <p:bgPr>
+        <a:solidFill>
+          <a:schemeClr val="bg1"/>
+        </a:solidFill>
+        <a:effectLst/>
+      </p:bgPr>
+    </p:bg>
     <p:spTree>
       <p:nvGrpSpPr>
         <p:cNvPr id="1" name=""/>
@@ -20588,6 +21466,221 @@
           <a:chExt cx="0" cy="0"/>
         </a:xfrm>
       </p:grpSpPr>
+      <p:sp useBgFill="1">
+        <p:nvSpPr>
+          <p:cNvPr id="8" name="Rectangle 7">
+            <a:extLst>
+              <a:ext uri="{FF2B5EF4-FFF2-40B4-BE49-F238E27FC236}">
+                <a16:creationId xmlns:a16="http://schemas.microsoft.com/office/drawing/2014/main" id="{8DE2E8FE-B87B-430D-9722-167B5E2C2577}"/>
+              </a:ext>
+              <a:ext uri="{C183D7F6-B498-43B3-948B-1728B52AA6E4}">
+                <adec:decorative xmlns:adec="http://schemas.microsoft.com/office/drawing/2017/decorative" val="1"/>
+              </a:ext>
+            </a:extLst>
+          </p:cNvPr>
+          <p:cNvSpPr>
+            <a:spLocks noGrp="1" noRot="1" noChangeAspect="1" noMove="1" noResize="1" noEditPoints="1" noAdjustHandles="1" noChangeArrowheads="1" noChangeShapeType="1" noTextEdit="1"/>
+          </p:cNvSpPr>
+          <p:nvPr>
+            <p:extLst>
+              <p:ext uri="{386F3935-93C4-4BCD-93E2-E3B085C9AB24}">
+                <p16:designElem xmlns:p16="http://schemas.microsoft.com/office/powerpoint/2015/main" val="1"/>
+              </p:ext>
+            </p:extLst>
+          </p:nvPr>
+        </p:nvSpPr>
+        <p:spPr>
+          <a:xfrm>
+            <a:off x="0" y="0"/>
+            <a:ext cx="9144000" cy="6858000"/>
+          </a:xfrm>
+          <a:prstGeom prst="rect">
+            <a:avLst/>
+          </a:prstGeom>
+          <a:ln w="12700" cap="flat" cmpd="sng" algn="ctr">
+            <a:noFill/>
+            <a:prstDash val="solid"/>
+            <a:miter lim="800000"/>
+          </a:ln>
+          <a:effectLst/>
+          <a:extLst>
+            <a:ext uri="{91240B29-F687-4F45-9708-019B960494DF}">
+              <a14:hiddenLine xmlns:a14="http://schemas.microsoft.com/office/drawing/2010/main" w="12700" cap="flat" cmpd="sng" algn="ctr">
+                <a:solidFill>
+                  <a:schemeClr val="accent1">
+                    <a:shade val="50000"/>
+                  </a:schemeClr>
+                </a:solidFill>
+                <a:prstDash val="solid"/>
+                <a:miter lim="800000"/>
+              </a14:hiddenLine>
+            </a:ext>
+          </a:extLst>
+        </p:spPr>
+        <p:style>
+          <a:lnRef idx="2">
+            <a:schemeClr val="accent1">
+              <a:shade val="50000"/>
+            </a:schemeClr>
+          </a:lnRef>
+          <a:fillRef idx="1">
+            <a:schemeClr val="accent1"/>
+          </a:fillRef>
+          <a:effectRef idx="0">
+            <a:schemeClr val="accent1"/>
+          </a:effectRef>
+          <a:fontRef idx="minor">
+            <a:schemeClr val="lt1"/>
+          </a:fontRef>
+        </p:style>
+        <p:txBody>
+          <a:bodyPr rtlCol="0" anchor="ctr"/>
+          <a:lstStyle/>
+          <a:p>
+            <a:pPr algn="ctr"/>
+            <a:endParaRPr lang="en-US"/>
+          </a:p>
+        </p:txBody>
+      </p:sp>
+      <p:sp>
+        <p:nvSpPr>
+          <p:cNvPr id="10" name="!!Rectangle">
+            <a:extLst>
+              <a:ext uri="{FF2B5EF4-FFF2-40B4-BE49-F238E27FC236}">
+                <a16:creationId xmlns:a16="http://schemas.microsoft.com/office/drawing/2014/main" id="{5E7AA7E8-8006-4E1F-A566-FCF37EE6F35D}"/>
+              </a:ext>
+              <a:ext uri="{C183D7F6-B498-43B3-948B-1728B52AA6E4}">
+                <adec:decorative xmlns:adec="http://schemas.microsoft.com/office/drawing/2017/decorative" val="1"/>
+              </a:ext>
+            </a:extLst>
+          </p:cNvPr>
+          <p:cNvSpPr>
+            <a:spLocks noGrp="1" noRot="1" noChangeAspect="1" noMove="1" noResize="1" noEditPoints="1" noAdjustHandles="1" noChangeArrowheads="1" noChangeShapeType="1" noTextEdit="1"/>
+          </p:cNvSpPr>
+          <p:nvPr>
+            <p:extLst>
+              <p:ext uri="{386F3935-93C4-4BCD-93E2-E3B085C9AB24}">
+                <p16:designElem xmlns:p16="http://schemas.microsoft.com/office/powerpoint/2015/main" val="1"/>
+              </p:ext>
+            </p:extLst>
+          </p:nvPr>
+        </p:nvSpPr>
+        <p:spPr>
+          <a:xfrm>
+            <a:off x="0" y="0"/>
+            <a:ext cx="9144000" cy="6858000"/>
+          </a:xfrm>
+          <a:prstGeom prst="rect">
+            <a:avLst/>
+          </a:prstGeom>
+          <a:gradFill flip="none" rotWithShape="1">
+            <a:gsLst>
+              <a:gs pos="0">
+                <a:schemeClr val="accent1"/>
+              </a:gs>
+              <a:gs pos="100000">
+                <a:schemeClr val="accent2"/>
+              </a:gs>
+            </a:gsLst>
+            <a:lin ang="2700000" scaled="1"/>
+            <a:tileRect/>
+          </a:gradFill>
+          <a:ln>
+            <a:noFill/>
+          </a:ln>
+        </p:spPr>
+        <p:style>
+          <a:lnRef idx="2">
+            <a:schemeClr val="accent1">
+              <a:shade val="50000"/>
+            </a:schemeClr>
+          </a:lnRef>
+          <a:fillRef idx="1">
+            <a:schemeClr val="accent1"/>
+          </a:fillRef>
+          <a:effectRef idx="0">
+            <a:schemeClr val="accent1"/>
+          </a:effectRef>
+          <a:fontRef idx="minor">
+            <a:schemeClr val="lt1"/>
+          </a:fontRef>
+        </p:style>
+        <p:txBody>
+          <a:bodyPr rtlCol="0" anchor="ctr"/>
+          <a:lstStyle/>
+          <a:p>
+            <a:pPr marL="0" marR="0" lvl="0" indent="0" algn="ctr" defTabSz="914400" rtl="0" eaLnBrk="1" fontAlgn="auto" latinLnBrk="0" hangingPunct="1">
+              <a:lnSpc>
+                <a:spcPct val="100000"/>
+              </a:lnSpc>
+              <a:spcBef>
+                <a:spcPts val="0"/>
+              </a:spcBef>
+              <a:spcAft>
+                <a:spcPts val="0"/>
+              </a:spcAft>
+              <a:buClrTx/>
+              <a:buSzTx/>
+              <a:buFontTx/>
+              <a:buNone/>
+              <a:tabLst/>
+              <a:defRPr/>
+            </a:pPr>
+            <a:endParaRPr kumimoji="0" lang="en-US" sz="1800" b="0" i="0" u="none" strike="noStrike" kern="1200" cap="none" spc="0" normalizeH="0" baseline="0" noProof="0">
+              <a:ln>
+                <a:noFill/>
+              </a:ln>
+              <a:solidFill>
+                <a:srgbClr val="FFFFFF"/>
+              </a:solidFill>
+              <a:effectLst/>
+              <a:uLnTx/>
+              <a:uFillTx/>
+              <a:latin typeface="Calibri" panose="020F0502020204030204"/>
+              <a:ea typeface="+mn-ea"/>
+              <a:cs typeface="+mn-cs"/>
+            </a:endParaRPr>
+          </a:p>
+        </p:txBody>
+      </p:sp>
+      <p:pic>
+        <p:nvPicPr>
+          <p:cNvPr id="4" name="Picture 3" descr="Empty speech bubbles">
+            <a:extLst>
+              <a:ext uri="{FF2B5EF4-FFF2-40B4-BE49-F238E27FC236}">
+                <a16:creationId xmlns:a16="http://schemas.microsoft.com/office/drawing/2014/main" id="{D6119CFD-655B-0D12-E52C-D44886BD11D8}"/>
+              </a:ext>
+            </a:extLst>
+          </p:cNvPr>
+          <p:cNvPicPr>
+            <a:picLocks noChangeAspect="1"/>
+          </p:cNvPicPr>
+          <p:nvPr/>
+        </p:nvPicPr>
+        <p:blipFill rotWithShape="1">
+          <a:blip r:embed="rId2">
+            <a:duotone>
+              <a:schemeClr val="accent1">
+                <a:shade val="45000"/>
+                <a:satMod val="135000"/>
+              </a:schemeClr>
+              <a:prstClr val="white"/>
+            </a:duotone>
+            <a:alphaModFix amt="35000"/>
+          </a:blip>
+          <a:srcRect l="9747" r="1252" b="-1"/>
+          <a:stretch/>
+        </p:blipFill>
+        <p:spPr>
+          <a:xfrm>
+            <a:off x="20" y="10"/>
+            <a:ext cx="9143980" cy="6857989"/>
+          </a:xfrm>
+          <a:prstGeom prst="rect">
+            <a:avLst/>
+          </a:prstGeom>
+        </p:spPr>
+      </p:pic>
       <p:sp>
         <p:nvSpPr>
           <p:cNvPr id="2" name="object 2"/>
@@ -20600,55 +21693,210 @@
         </p:nvSpPr>
         <p:spPr>
           <a:xfrm>
-            <a:off x="2802477" y="3172460"/>
-            <a:ext cx="3538220" cy="574040"/>
+            <a:off x="182182" y="1598246"/>
+            <a:ext cx="3470032" cy="5122985"/>
           </a:xfrm>
           <a:prstGeom prst="rect">
             <a:avLst/>
           </a:prstGeom>
         </p:spPr>
         <p:txBody>
-          <a:bodyPr vert="horz" wrap="square" lIns="0" tIns="12700" rIns="0" bIns="0" rtlCol="0">
-            <a:spAutoFit/>
+          <a:bodyPr vert="horz" lIns="91440" tIns="45720" rIns="91440" bIns="45720" rtlCol="0" anchor="t">
+            <a:normAutofit/>
           </a:bodyPr>
           <a:lstStyle/>
           <a:p>
-            <a:pPr marL="12700">
+            <a:pPr marL="12700" algn="r" rtl="0">
               <a:lnSpc>
-                <a:spcPct val="100000"/>
+                <a:spcPct val="90000"/>
               </a:lnSpc>
               <a:spcBef>
-                <a:spcPts val="100"/>
+                <a:spcPct val="0"/>
               </a:spcBef>
             </a:pPr>
             <a:r>
-              <a:rPr spc="-30" dirty="0"/>
+              <a:rPr lang="en-US" sz="7000" kern="1200" spc="-30" dirty="0">
+                <a:solidFill>
+                  <a:srgbClr val="FFFFFF"/>
+                </a:solidFill>
+                <a:latin typeface="+mj-lt"/>
+                <a:cs typeface="+mj-cs"/>
+              </a:rPr>
               <a:t>Let’s</a:t>
             </a:r>
             <a:r>
-              <a:rPr spc="-40" dirty="0"/>
-              <a:t> </a:t>
-            </a:r>
-            <a:r>
-              <a:rPr spc="-5" dirty="0"/>
-              <a:t>get</a:t>
-            </a:r>
-            <a:r>
-              <a:rPr spc="-35" dirty="0"/>
-              <a:t> </a:t>
-            </a:r>
-            <a:r>
-              <a:rPr spc="-5" dirty="0"/>
-              <a:t>started</a:t>
+              <a:rPr lang="en-US" sz="7000" kern="1200" spc="-40" dirty="0">
+                <a:solidFill>
+                  <a:srgbClr val="FFFFFF"/>
+                </a:solidFill>
+                <a:latin typeface="+mj-lt"/>
+                <a:cs typeface="+mj-cs"/>
+              </a:rPr>
+              <a:t> </a:t>
+            </a:r>
+            <a:r>
+              <a:rPr lang="en-US" sz="7000" kern="1200" spc="-5" dirty="0">
+                <a:solidFill>
+                  <a:srgbClr val="FFFFFF"/>
+                </a:solidFill>
+                <a:latin typeface="+mj-lt"/>
+                <a:cs typeface="+mj-cs"/>
+              </a:rPr>
+              <a:t>make sure we can login</a:t>
             </a:r>
           </a:p>
         </p:txBody>
       </p:sp>
+      <p:cxnSp>
+        <p:nvCxnSpPr>
+          <p:cNvPr id="12" name="Straight Connector 11">
+            <a:extLst>
+              <a:ext uri="{FF2B5EF4-FFF2-40B4-BE49-F238E27FC236}">
+                <a16:creationId xmlns:a16="http://schemas.microsoft.com/office/drawing/2014/main" id="{56020367-4FD5-4596-8E10-C5F095CD8DBF}"/>
+              </a:ext>
+              <a:ext uri="{C183D7F6-B498-43B3-948B-1728B52AA6E4}">
+                <adec:decorative xmlns:adec="http://schemas.microsoft.com/office/drawing/2017/decorative" val="1"/>
+              </a:ext>
+            </a:extLst>
+          </p:cNvPr>
+          <p:cNvCxnSpPr>
+            <a:cxnSpLocks noGrp="1" noRot="1" noChangeAspect="1" noMove="1" noResize="1" noEditPoints="1" noAdjustHandles="1" noChangeArrowheads="1" noChangeShapeType="1"/>
+          </p:cNvCxnSpPr>
+          <p:nvPr>
+            <p:extLst>
+              <p:ext uri="{386F3935-93C4-4BCD-93E2-E3B085C9AB24}">
+                <p16:designElem xmlns:p16="http://schemas.microsoft.com/office/powerpoint/2015/main" val="1"/>
+              </p:ext>
+            </p:extLst>
+          </p:nvPr>
+        </p:nvCxnSpPr>
+        <p:spPr>
+          <a:xfrm>
+            <a:off x="4085491" y="1589368"/>
+            <a:ext cx="0" cy="5259754"/>
+          </a:xfrm>
+          <a:prstGeom prst="line">
+            <a:avLst/>
+          </a:prstGeom>
+          <a:ln w="25400" cap="sq">
+            <a:solidFill>
+              <a:srgbClr val="FFFFFF"/>
+            </a:solidFill>
+            <a:bevel/>
+          </a:ln>
+        </p:spPr>
+        <p:style>
+          <a:lnRef idx="1">
+            <a:schemeClr val="accent1"/>
+          </a:lnRef>
+          <a:fillRef idx="0">
+            <a:schemeClr val="accent1"/>
+          </a:fillRef>
+          <a:effectRef idx="0">
+            <a:schemeClr val="accent1"/>
+          </a:effectRef>
+          <a:fontRef idx="minor">
+            <a:schemeClr val="tx1"/>
+          </a:fontRef>
+        </p:style>
+      </p:cxnSp>
     </p:spTree>
   </p:cSld>
   <p:clrMapOvr>
     <a:masterClrMapping/>
   </p:clrMapOvr>
+  <p:timing>
+    <p:tnLst>
+      <p:par>
+        <p:cTn id="1" dur="indefinite" restart="never" nodeType="tmRoot">
+          <p:childTnLst>
+            <p:seq concurrent="1" nextAc="seek">
+              <p:cTn id="2" dur="indefinite" nodeType="mainSeq">
+                <p:childTnLst>
+                  <p:par>
+                    <p:cTn id="3" fill="hold">
+                      <p:stCondLst>
+                        <p:cond delay="indefinite"/>
+                        <p:cond evt="onBegin" delay="0">
+                          <p:tn val="2"/>
+                        </p:cond>
+                      </p:stCondLst>
+                      <p:childTnLst>
+                        <p:par>
+                          <p:cTn id="4" fill="hold">
+                            <p:stCondLst>
+                              <p:cond delay="0"/>
+                            </p:stCondLst>
+                            <p:childTnLst>
+                              <p:par>
+                                <p:cTn id="5" presetID="10" presetClass="entr" presetSubtype="0" fill="hold" grpId="0" nodeType="withEffect">
+                                  <p:stCondLst>
+                                    <p:cond delay="0"/>
+                                  </p:stCondLst>
+                                  <p:iterate type="lt">
+                                    <p:tmPct val="10000"/>
+                                  </p:iterate>
+                                  <p:childTnLst>
+                                    <p:set>
+                                      <p:cBhvr>
+                                        <p:cTn id="6" dur="1" fill="hold">
+                                          <p:stCondLst>
+                                            <p:cond delay="0"/>
+                                          </p:stCondLst>
+                                        </p:cTn>
+                                        <p:tgtEl>
+                                          <p:spTgt spid="2"/>
+                                        </p:tgtEl>
+                                        <p:attrNameLst>
+                                          <p:attrName>style.visibility</p:attrName>
+                                        </p:attrNameLst>
+                                      </p:cBhvr>
+                                      <p:to>
+                                        <p:strVal val="visible"/>
+                                      </p:to>
+                                    </p:set>
+                                    <p:animEffect transition="in" filter="fade">
+                                      <p:cBhvr>
+                                        <p:cTn id="7" dur="400"/>
+                                        <p:tgtEl>
+                                          <p:spTgt spid="2"/>
+                                        </p:tgtEl>
+                                      </p:cBhvr>
+                                    </p:animEffect>
+                                  </p:childTnLst>
+                                </p:cTn>
+                              </p:par>
+                            </p:childTnLst>
+                          </p:cTn>
+                        </p:par>
+                      </p:childTnLst>
+                    </p:cTn>
+                  </p:par>
+                </p:childTnLst>
+              </p:cTn>
+              <p:prevCondLst>
+                <p:cond evt="onPrev" delay="0">
+                  <p:tgtEl>
+                    <p:sldTgt/>
+                  </p:tgtEl>
+                </p:cond>
+              </p:prevCondLst>
+              <p:nextCondLst>
+                <p:cond evt="onNext" delay="0">
+                  <p:tgtEl>
+                    <p:sldTgt/>
+                  </p:tgtEl>
+                </p:cond>
+              </p:nextCondLst>
+            </p:seq>
+          </p:childTnLst>
+        </p:cTn>
+      </p:par>
+    </p:tnLst>
+    <p:bldLst>
+      <p:bldP spid="2" grpId="0"/>
+    </p:bldLst>
+  </p:timing>
 </p:sld>
 </file>
 

--- a/lectures/Lecture1-MMG3320-Introduction.pptx
+++ b/lectures/Lecture1-MMG3320-Introduction.pptx
@@ -3126,7 +3126,7 @@
 <dgm:dataModel xmlns:dgm="http://schemas.openxmlformats.org/drawingml/2006/diagram" xmlns:a="http://schemas.openxmlformats.org/drawingml/2006/main">
   <dgm:ptLst>
     <dgm:pt modelId="{E68787C8-EB64-48A6-A0C6-111BC66B3DA4}" type="doc">
-      <dgm:prSet loTypeId="urn:microsoft.com/office/officeart/2005/8/layout/hierarchy1" loCatId="hierarchy" qsTypeId="urn:microsoft.com/office/officeart/2005/8/quickstyle/simple1" qsCatId="simple" csTypeId="urn:microsoft.com/office/officeart/2005/8/colors/accent1_2" csCatId="accent1"/>
+      <dgm:prSet loTypeId="urn:microsoft.com/office/officeart/2005/8/layout/hierarchy1" loCatId="hierarchy" qsTypeId="urn:microsoft.com/office/officeart/2005/8/quickstyle/simple1" qsCatId="simple" csTypeId="urn:microsoft.com/office/officeart/2005/8/colors/accent1_2" csCatId="accent1" phldr="1"/>
       <dgm:spPr/>
       <dgm:t>
         <a:bodyPr/>
@@ -3144,8 +3144,8 @@
         <a:lstStyle/>
         <a:p>
           <a:r>
-            <a:rPr lang="en-US"/>
-            <a:t>Auditory learners, visual learners, while others learn-  by-doing</a:t>
+            <a:rPr lang="en-US" dirty="0"/>
+            <a:t>Auditory vs visual learners, neurodivergent, while others learn-  by-doing</a:t>
           </a:r>
         </a:p>
       </dgm:t>
@@ -4197,12 +4197,12 @@
         <a:fontRef idx="minor"/>
       </dsp:style>
       <dsp:txBody>
-        <a:bodyPr spcFirstLastPara="0" vert="horz" wrap="square" lIns="114300" tIns="114300" rIns="114300" bIns="114300" numCol="1" spcCol="1270" anchor="ctr" anchorCtr="0">
+        <a:bodyPr spcFirstLastPara="0" vert="horz" wrap="square" lIns="99060" tIns="99060" rIns="99060" bIns="99060" numCol="1" spcCol="1270" anchor="ctr" anchorCtr="0">
           <a:noAutofit/>
         </a:bodyPr>
         <a:lstStyle/>
         <a:p>
-          <a:pPr marL="0" lvl="0" indent="0" algn="ctr" defTabSz="1333500">
+          <a:pPr marL="0" lvl="0" indent="0" algn="ctr" defTabSz="1155700">
             <a:lnSpc>
               <a:spcPct val="90000"/>
             </a:lnSpc>
@@ -4215,8 +4215,8 @@
             <a:buNone/>
           </a:pPr>
           <a:r>
-            <a:rPr lang="en-US" sz="3000" kern="1200"/>
-            <a:t>Auditory learners, visual learners, while others learn-  by-doing</a:t>
+            <a:rPr lang="en-US" sz="2600" kern="1200" dirty="0"/>
+            <a:t>Auditory vs visual learners, neurodivergent, while others learn-  by-doing</a:t>
           </a:r>
         </a:p>
       </dsp:txBody>
@@ -4326,12 +4326,12 @@
         <a:fontRef idx="minor"/>
       </dsp:style>
       <dsp:txBody>
-        <a:bodyPr spcFirstLastPara="0" vert="horz" wrap="square" lIns="114300" tIns="114300" rIns="114300" bIns="114300" numCol="1" spcCol="1270" anchor="ctr" anchorCtr="0">
+        <a:bodyPr spcFirstLastPara="0" vert="horz" wrap="square" lIns="99060" tIns="99060" rIns="99060" bIns="99060" numCol="1" spcCol="1270" anchor="ctr" anchorCtr="0">
           <a:noAutofit/>
         </a:bodyPr>
         <a:lstStyle/>
         <a:p>
-          <a:pPr marL="0" lvl="0" indent="0" algn="ctr" defTabSz="1333500">
+          <a:pPr marL="0" lvl="0" indent="0" algn="ctr" defTabSz="1155700">
             <a:lnSpc>
               <a:spcPct val="90000"/>
             </a:lnSpc>
@@ -4344,7 +4344,7 @@
             <a:buNone/>
           </a:pPr>
           <a:r>
-            <a:rPr lang="en-US" sz="3000" kern="1200"/>
+            <a:rPr lang="en-US" sz="2600" kern="1200"/>
             <a:t>There are varying levels of expertise in this room.  </a:t>
           </a:r>
         </a:p>
@@ -8788,7 +8788,7 @@
           <a:p>
             <a:fld id="{AAAA4C5B-66F1-8D42-AD08-A07CDC4641AD}" type="datetimeFigureOut">
               <a:rPr lang="en-US" smtClean="0"/>
-              <a:t>1/15/24</a:t>
+              <a:t>1/16/24</a:t>
             </a:fld>
             <a:endParaRPr lang="en-US"/>
           </a:p>
@@ -10165,7 +10165,7 @@
           <a:p>
             <a:fld id="{1D8BD707-D9CF-40AE-B4C6-C98DA3205C09}" type="datetimeFigureOut">
               <a:rPr lang="en-US"/>
-              <a:t>1/15/24</a:t>
+              <a:t>1/16/24</a:t>
             </a:fld>
             <a:endParaRPr lang="en-US"/>
           </a:p>
@@ -10340,7 +10340,7 @@
           <a:p>
             <a:fld id="{1D8BD707-D9CF-40AE-B4C6-C98DA3205C09}" type="datetimeFigureOut">
               <a:rPr lang="en-US"/>
-              <a:t>1/15/24</a:t>
+              <a:t>1/16/24</a:t>
             </a:fld>
             <a:endParaRPr lang="en-US"/>
           </a:p>
@@ -10554,7 +10554,7 @@
           <a:p>
             <a:fld id="{1D8BD707-D9CF-40AE-B4C6-C98DA3205C09}" type="datetimeFigureOut">
               <a:rPr lang="en-US"/>
-              <a:t>1/15/24</a:t>
+              <a:t>1/16/24</a:t>
             </a:fld>
             <a:endParaRPr lang="en-US"/>
           </a:p>
@@ -10702,7 +10702,7 @@
           <a:p>
             <a:fld id="{1D8BD707-D9CF-40AE-B4C6-C98DA3205C09}" type="datetimeFigureOut">
               <a:rPr lang="en-US"/>
-              <a:t>1/15/24</a:t>
+              <a:t>1/16/24</a:t>
             </a:fld>
             <a:endParaRPr lang="en-US"/>
           </a:p>
@@ -10821,7 +10821,7 @@
           <a:p>
             <a:fld id="{1D8BD707-D9CF-40AE-B4C6-C98DA3205C09}" type="datetimeFigureOut">
               <a:rPr lang="en-US"/>
-              <a:t>1/15/24</a:t>
+              <a:t>1/16/24</a:t>
             </a:fld>
             <a:endParaRPr lang="en-US"/>
           </a:p>
@@ -11044,7 +11044,7 @@
           <a:p>
             <a:fld id="{1D8BD707-D9CF-40AE-B4C6-C98DA3205C09}" type="datetimeFigureOut">
               <a:rPr lang="en-US"/>
-              <a:t>1/15/24</a:t>
+              <a:t>1/16/24</a:t>
             </a:fld>
             <a:endParaRPr lang="en-US"/>
           </a:p>
@@ -11398,8 +11398,8 @@
         </p:nvSpPr>
         <p:spPr>
           <a:xfrm>
-            <a:off x="7010401" y="5812028"/>
-            <a:ext cx="1956132" cy="751488"/>
+            <a:off x="6248400" y="5812028"/>
+            <a:ext cx="2718133" cy="751488"/>
           </a:xfrm>
           <a:prstGeom prst="rect">
             <a:avLst/>
@@ -11438,7 +11438,7 @@
                 <a:latin typeface="+mj-lt"/>
                 <a:cs typeface="Arial"/>
               </a:rPr>
-              <a:t>3320</a:t>
+              <a:t>3320/5320</a:t>
             </a:r>
             <a:endParaRPr sz="2400" dirty="0">
               <a:latin typeface="+mj-lt"/>
@@ -11454,6 +11454,13 @@
                 <a:spcPts val="25"/>
               </a:spcBef>
             </a:pPr>
+            <a:r>
+              <a:rPr lang="en-US" sz="2400" b="1" spc="-5" dirty="0">
+                <a:latin typeface="+mj-lt"/>
+                <a:cs typeface="Arial"/>
+              </a:rPr>
+              <a:t>	</a:t>
+            </a:r>
             <a:r>
               <a:rPr sz="2400" b="1" spc="-5" dirty="0">
                 <a:latin typeface="+mj-lt"/>
@@ -26538,7 +26545,7 @@
           <p:nvPr>
             <p:extLst>
               <p:ext uri="{D42A27DB-BD31-4B8C-83A1-F6EECF244321}">
-                <p14:modId xmlns:p14="http://schemas.microsoft.com/office/powerpoint/2010/main" val="3723431409"/>
+                <p14:modId xmlns:p14="http://schemas.microsoft.com/office/powerpoint/2010/main" val="3191552106"/>
               </p:ext>
             </p:extLst>
           </p:nvPr>
